--- a/Mekanisk produktanalyse/Projekt 3/FLD Drejningsmoment .pptx
+++ b/Mekanisk produktanalyse/Projekt 3/FLD Drejningsmoment .pptx
@@ -6,6 +6,8 @@
   </p:sldMasterIdLst>
   <p:sldIdLst>
     <p:sldId id="256" r:id="rId2"/>
+    <p:sldId id="258" r:id="rId3"/>
+    <p:sldId id="257" r:id="rId4"/>
   </p:sldIdLst>
   <p:sldSz cx="12192000" cy="6858000"/>
   <p:notesSz cx="6858000" cy="9144000"/>
@@ -104,7 +106,1511 @@
       </a:defRPr>
     </a:lvl9pPr>
   </p:defaultTextStyle>
+  <p:extLst>
+    <p:ext uri="{EFAFB233-063F-42B5-8137-9DF3F51BA10A}">
+      <p15:sldGuideLst xmlns:p15="http://schemas.microsoft.com/office/powerpoint/2012/main"/>
+    </p:ext>
+  </p:extLst>
 </p:presentation>
+</file>
+
+<file path=ppt/revisionInfo.xml><?xml version="1.0" encoding="utf-8"?>
+<p1510:revInfo xmlns:a="http://schemas.openxmlformats.org/drawingml/2006/main" xmlns:r="http://schemas.openxmlformats.org/officeDocument/2006/relationships" xmlns:p1510="http://schemas.microsoft.com/office/powerpoint/2015/10/main">
+  <p1510:revLst>
+    <p1510:client id="{70B25159-5254-46AD-93B3-4FA3BA757574}" v="38" dt="2023-01-12T08:18:46.526"/>
+  </p1510:revLst>
+</p1510:revInfo>
+</file>
+
+<file path=ppt/changesInfos/changesInfo1.xml><?xml version="1.0" encoding="utf-8"?>
+<pc:chgInfo xmlns:a="http://schemas.openxmlformats.org/drawingml/2006/main" xmlns:r="http://schemas.openxmlformats.org/officeDocument/2006/relationships" xmlns:ac="http://schemas.microsoft.com/office/drawing/2013/main/command" xmlns:pc="http://schemas.microsoft.com/office/powerpoint/2013/main/command">
+  <pc:docChgLst>
+    <pc:chgData name="Catrine Ullerup Frølund" userId="92c20c5a-1f4b-4872-a668-a3be51ca8b48" providerId="ADAL" clId="{70B25159-5254-46AD-93B3-4FA3BA757574}"/>
+    <pc:docChg chg="undo custSel addSld modSld">
+      <pc:chgData name="Catrine Ullerup Frølund" userId="92c20c5a-1f4b-4872-a668-a3be51ca8b48" providerId="ADAL" clId="{70B25159-5254-46AD-93B3-4FA3BA757574}" dt="2023-01-12T08:19:31.679" v="779" actId="1036"/>
+      <pc:docMkLst>
+        <pc:docMk/>
+      </pc:docMkLst>
+      <pc:sldChg chg="addSp delSp modSp mod">
+        <pc:chgData name="Catrine Ullerup Frølund" userId="92c20c5a-1f4b-4872-a668-a3be51ca8b48" providerId="ADAL" clId="{70B25159-5254-46AD-93B3-4FA3BA757574}" dt="2023-01-12T07:13:16.954" v="428" actId="1076"/>
+        <pc:sldMkLst>
+          <pc:docMk/>
+          <pc:sldMk cId="113760089" sldId="256"/>
+        </pc:sldMkLst>
+        <pc:spChg chg="add mod">
+          <ac:chgData name="Catrine Ullerup Frølund" userId="92c20c5a-1f4b-4872-a668-a3be51ca8b48" providerId="ADAL" clId="{70B25159-5254-46AD-93B3-4FA3BA757574}" dt="2023-01-12T07:05:48.787" v="354" actId="164"/>
+          <ac:spMkLst>
+            <pc:docMk/>
+            <pc:sldMk cId="113760089" sldId="256"/>
+            <ac:spMk id="3" creationId="{1BA75822-9878-3C1B-0AFA-68563F61EB21}"/>
+          </ac:spMkLst>
+        </pc:spChg>
+        <pc:spChg chg="mod">
+          <ac:chgData name="Catrine Ullerup Frølund" userId="92c20c5a-1f4b-4872-a668-a3be51ca8b48" providerId="ADAL" clId="{70B25159-5254-46AD-93B3-4FA3BA757574}" dt="2023-01-12T07:09:29.939" v="394" actId="1076"/>
+          <ac:spMkLst>
+            <pc:docMk/>
+            <pc:sldMk cId="113760089" sldId="256"/>
+            <ac:spMk id="4" creationId="{778FF3A5-4D04-65A2-E723-EAE19113FE66}"/>
+          </ac:spMkLst>
+        </pc:spChg>
+        <pc:spChg chg="add del mod">
+          <ac:chgData name="Catrine Ullerup Frølund" userId="92c20c5a-1f4b-4872-a668-a3be51ca8b48" providerId="ADAL" clId="{70B25159-5254-46AD-93B3-4FA3BA757574}" dt="2023-01-11T19:38:14.120" v="44" actId="478"/>
+          <ac:spMkLst>
+            <pc:docMk/>
+            <pc:sldMk cId="113760089" sldId="256"/>
+            <ac:spMk id="5" creationId="{DE181EE0-1621-57A8-F971-1A1CAE2D0F5B}"/>
+          </ac:spMkLst>
+        </pc:spChg>
+        <pc:spChg chg="add del mod">
+          <ac:chgData name="Catrine Ullerup Frølund" userId="92c20c5a-1f4b-4872-a668-a3be51ca8b48" providerId="ADAL" clId="{70B25159-5254-46AD-93B3-4FA3BA757574}" dt="2023-01-11T19:38:12.069" v="43" actId="478"/>
+          <ac:spMkLst>
+            <pc:docMk/>
+            <pc:sldMk cId="113760089" sldId="256"/>
+            <ac:spMk id="6" creationId="{26836CF6-B172-DFD0-0F22-1EE8D1F822F9}"/>
+          </ac:spMkLst>
+        </pc:spChg>
+        <pc:spChg chg="add del mod">
+          <ac:chgData name="Catrine Ullerup Frølund" userId="92c20c5a-1f4b-4872-a668-a3be51ca8b48" providerId="ADAL" clId="{70B25159-5254-46AD-93B3-4FA3BA757574}" dt="2023-01-11T19:38:10.542" v="42" actId="478"/>
+          <ac:spMkLst>
+            <pc:docMk/>
+            <pc:sldMk cId="113760089" sldId="256"/>
+            <ac:spMk id="8" creationId="{214E6C39-6E71-2988-EA53-141CD9206C0C}"/>
+          </ac:spMkLst>
+        </pc:spChg>
+        <pc:spChg chg="mod">
+          <ac:chgData name="Catrine Ullerup Frølund" userId="92c20c5a-1f4b-4872-a668-a3be51ca8b48" providerId="ADAL" clId="{70B25159-5254-46AD-93B3-4FA3BA757574}" dt="2023-01-12T07:10:29.436" v="400" actId="164"/>
+          <ac:spMkLst>
+            <pc:docMk/>
+            <pc:sldMk cId="113760089" sldId="256"/>
+            <ac:spMk id="24" creationId="{3FE7FEE6-53A9-D969-20C0-1016BEA60D8F}"/>
+          </ac:spMkLst>
+        </pc:spChg>
+        <pc:spChg chg="add mod">
+          <ac:chgData name="Catrine Ullerup Frølund" userId="92c20c5a-1f4b-4872-a668-a3be51ca8b48" providerId="ADAL" clId="{70B25159-5254-46AD-93B3-4FA3BA757574}" dt="2023-01-12T07:09:01.997" v="391" actId="164"/>
+          <ac:spMkLst>
+            <pc:docMk/>
+            <pc:sldMk cId="113760089" sldId="256"/>
+            <ac:spMk id="26" creationId="{47342D67-59A9-60B2-2428-170421F9CE69}"/>
+          </ac:spMkLst>
+        </pc:spChg>
+        <pc:spChg chg="add mod">
+          <ac:chgData name="Catrine Ullerup Frølund" userId="92c20c5a-1f4b-4872-a668-a3be51ca8b48" providerId="ADAL" clId="{70B25159-5254-46AD-93B3-4FA3BA757574}" dt="2023-01-12T07:10:51.366" v="402" actId="1076"/>
+          <ac:spMkLst>
+            <pc:docMk/>
+            <pc:sldMk cId="113760089" sldId="256"/>
+            <ac:spMk id="38" creationId="{A62B7A52-8FE0-914C-3136-57D2AD63CEA9}"/>
+          </ac:spMkLst>
+        </pc:spChg>
+        <pc:spChg chg="mod">
+          <ac:chgData name="Catrine Ullerup Frølund" userId="92c20c5a-1f4b-4872-a668-a3be51ca8b48" providerId="ADAL" clId="{70B25159-5254-46AD-93B3-4FA3BA757574}" dt="2023-01-12T07:12:16.613" v="417" actId="164"/>
+          <ac:spMkLst>
+            <pc:docMk/>
+            <pc:sldMk cId="113760089" sldId="256"/>
+            <ac:spMk id="41" creationId="{B32AC7C7-EBCC-226D-B5CB-601A31765C13}"/>
+          </ac:spMkLst>
+        </pc:spChg>
+        <pc:spChg chg="mod">
+          <ac:chgData name="Catrine Ullerup Frølund" userId="92c20c5a-1f4b-4872-a668-a3be51ca8b48" providerId="ADAL" clId="{70B25159-5254-46AD-93B3-4FA3BA757574}" dt="2023-01-12T07:09:51.342" v="398" actId="1076"/>
+          <ac:spMkLst>
+            <pc:docMk/>
+            <pc:sldMk cId="113760089" sldId="256"/>
+            <ac:spMk id="42" creationId="{D79CA433-3FF6-F3BF-BFF1-F85489A4A495}"/>
+          </ac:spMkLst>
+        </pc:spChg>
+        <pc:spChg chg="mod">
+          <ac:chgData name="Catrine Ullerup Frølund" userId="92c20c5a-1f4b-4872-a668-a3be51ca8b48" providerId="ADAL" clId="{70B25159-5254-46AD-93B3-4FA3BA757574}" dt="2023-01-12T07:10:57.771" v="403" actId="164"/>
+          <ac:spMkLst>
+            <pc:docMk/>
+            <pc:sldMk cId="113760089" sldId="256"/>
+            <ac:spMk id="43" creationId="{A306B2B8-8554-9E4A-9541-6881CD07A73B}"/>
+          </ac:spMkLst>
+        </pc:spChg>
+        <pc:spChg chg="mod">
+          <ac:chgData name="Catrine Ullerup Frølund" userId="92c20c5a-1f4b-4872-a668-a3be51ca8b48" providerId="ADAL" clId="{70B25159-5254-46AD-93B3-4FA3BA757574}" dt="2023-01-12T07:11:41.733" v="412" actId="1076"/>
+          <ac:spMkLst>
+            <pc:docMk/>
+            <pc:sldMk cId="113760089" sldId="256"/>
+            <ac:spMk id="44" creationId="{5C31AB57-17E6-DC0B-1AC3-73CEFC926E6E}"/>
+          </ac:spMkLst>
+        </pc:spChg>
+        <pc:spChg chg="mod">
+          <ac:chgData name="Catrine Ullerup Frølund" userId="92c20c5a-1f4b-4872-a668-a3be51ca8b48" providerId="ADAL" clId="{70B25159-5254-46AD-93B3-4FA3BA757574}" dt="2023-01-12T07:13:16.954" v="428" actId="1076"/>
+          <ac:spMkLst>
+            <pc:docMk/>
+            <pc:sldMk cId="113760089" sldId="256"/>
+            <ac:spMk id="45" creationId="{620721B9-48E0-83C2-2168-D05010F86923}"/>
+          </ac:spMkLst>
+        </pc:spChg>
+        <pc:spChg chg="mod">
+          <ac:chgData name="Catrine Ullerup Frølund" userId="92c20c5a-1f4b-4872-a668-a3be51ca8b48" providerId="ADAL" clId="{70B25159-5254-46AD-93B3-4FA3BA757574}" dt="2023-01-12T07:12:50.509" v="422" actId="1076"/>
+          <ac:spMkLst>
+            <pc:docMk/>
+            <pc:sldMk cId="113760089" sldId="256"/>
+            <ac:spMk id="46" creationId="{2AB866D0-02E1-907F-1452-0DC91F106B43}"/>
+          </ac:spMkLst>
+        </pc:spChg>
+        <pc:spChg chg="add mod">
+          <ac:chgData name="Catrine Ullerup Frølund" userId="92c20c5a-1f4b-4872-a668-a3be51ca8b48" providerId="ADAL" clId="{70B25159-5254-46AD-93B3-4FA3BA757574}" dt="2023-01-12T07:09:01.997" v="391" actId="164"/>
+          <ac:spMkLst>
+            <pc:docMk/>
+            <pc:sldMk cId="113760089" sldId="256"/>
+            <ac:spMk id="84" creationId="{02C9EDD1-4D9D-D361-585E-985973EB4DD6}"/>
+          </ac:spMkLst>
+        </pc:spChg>
+        <pc:spChg chg="add mod">
+          <ac:chgData name="Catrine Ullerup Frølund" userId="92c20c5a-1f4b-4872-a668-a3be51ca8b48" providerId="ADAL" clId="{70B25159-5254-46AD-93B3-4FA3BA757574}" dt="2023-01-12T07:09:01.997" v="391" actId="164"/>
+          <ac:spMkLst>
+            <pc:docMk/>
+            <pc:sldMk cId="113760089" sldId="256"/>
+            <ac:spMk id="85" creationId="{D9B5BCC2-DC1A-7A56-FEA2-4F70E6CBE0E6}"/>
+          </ac:spMkLst>
+        </pc:spChg>
+        <pc:spChg chg="add mod">
+          <ac:chgData name="Catrine Ullerup Frølund" userId="92c20c5a-1f4b-4872-a668-a3be51ca8b48" providerId="ADAL" clId="{70B25159-5254-46AD-93B3-4FA3BA757574}" dt="2023-01-12T07:09:01.997" v="391" actId="164"/>
+          <ac:spMkLst>
+            <pc:docMk/>
+            <pc:sldMk cId="113760089" sldId="256"/>
+            <ac:spMk id="86" creationId="{3ADC63EF-F17B-9DEA-89FA-E9B33FB379D2}"/>
+          </ac:spMkLst>
+        </pc:spChg>
+        <pc:grpChg chg="add mod">
+          <ac:chgData name="Catrine Ullerup Frølund" userId="92c20c5a-1f4b-4872-a668-a3be51ca8b48" providerId="ADAL" clId="{70B25159-5254-46AD-93B3-4FA3BA757574}" dt="2023-01-12T07:05:48.787" v="354" actId="164"/>
+          <ac:grpSpMkLst>
+            <pc:docMk/>
+            <pc:sldMk cId="113760089" sldId="256"/>
+            <ac:grpSpMk id="82" creationId="{F59CE4A2-E2E4-E2BB-8A3B-C4CE204D2D25}"/>
+          </ac:grpSpMkLst>
+        </pc:grpChg>
+        <pc:grpChg chg="add mod">
+          <ac:chgData name="Catrine Ullerup Frølund" userId="92c20c5a-1f4b-4872-a668-a3be51ca8b48" providerId="ADAL" clId="{70B25159-5254-46AD-93B3-4FA3BA757574}" dt="2023-01-12T07:09:33.525" v="395" actId="1076"/>
+          <ac:grpSpMkLst>
+            <pc:docMk/>
+            <pc:sldMk cId="113760089" sldId="256"/>
+            <ac:grpSpMk id="83" creationId="{6EA89A09-EABB-E623-EE7E-6BC49E7365EF}"/>
+          </ac:grpSpMkLst>
+        </pc:grpChg>
+        <pc:grpChg chg="add mod">
+          <ac:chgData name="Catrine Ullerup Frølund" userId="92c20c5a-1f4b-4872-a668-a3be51ca8b48" providerId="ADAL" clId="{70B25159-5254-46AD-93B3-4FA3BA757574}" dt="2023-01-12T07:09:37.862" v="396" actId="1076"/>
+          <ac:grpSpMkLst>
+            <pc:docMk/>
+            <pc:sldMk cId="113760089" sldId="256"/>
+            <ac:grpSpMk id="87" creationId="{9366FFD1-8F6F-F0EB-5455-C7736A74DF7B}"/>
+          </ac:grpSpMkLst>
+        </pc:grpChg>
+        <pc:grpChg chg="add mod">
+          <ac:chgData name="Catrine Ullerup Frølund" userId="92c20c5a-1f4b-4872-a668-a3be51ca8b48" providerId="ADAL" clId="{70B25159-5254-46AD-93B3-4FA3BA757574}" dt="2023-01-12T07:10:39.842" v="401" actId="1076"/>
+          <ac:grpSpMkLst>
+            <pc:docMk/>
+            <pc:sldMk cId="113760089" sldId="256"/>
+            <ac:grpSpMk id="88" creationId="{23F0BF7A-66D0-0CFC-DF4F-16E2D4E1140A}"/>
+          </ac:grpSpMkLst>
+        </pc:grpChg>
+        <pc:grpChg chg="add mod">
+          <ac:chgData name="Catrine Ullerup Frølund" userId="92c20c5a-1f4b-4872-a668-a3be51ca8b48" providerId="ADAL" clId="{70B25159-5254-46AD-93B3-4FA3BA757574}" dt="2023-01-12T07:11:08.531" v="404" actId="1076"/>
+          <ac:grpSpMkLst>
+            <pc:docMk/>
+            <pc:sldMk cId="113760089" sldId="256"/>
+            <ac:grpSpMk id="89" creationId="{3E59F05F-22AD-35E9-5AF9-10B7F736A455}"/>
+          </ac:grpSpMkLst>
+        </pc:grpChg>
+        <pc:grpChg chg="add mod">
+          <ac:chgData name="Catrine Ullerup Frølund" userId="92c20c5a-1f4b-4872-a668-a3be51ca8b48" providerId="ADAL" clId="{70B25159-5254-46AD-93B3-4FA3BA757574}" dt="2023-01-12T07:12:23.343" v="418" actId="1076"/>
+          <ac:grpSpMkLst>
+            <pc:docMk/>
+            <pc:sldMk cId="113760089" sldId="256"/>
+            <ac:grpSpMk id="95" creationId="{70339A27-952D-3C81-C359-87FBAE2D2F28}"/>
+          </ac:grpSpMkLst>
+        </pc:grpChg>
+        <pc:grpChg chg="add mod">
+          <ac:chgData name="Catrine Ullerup Frølund" userId="92c20c5a-1f4b-4872-a668-a3be51ca8b48" providerId="ADAL" clId="{70B25159-5254-46AD-93B3-4FA3BA757574}" dt="2023-01-12T07:12:41.802" v="421" actId="164"/>
+          <ac:grpSpMkLst>
+            <pc:docMk/>
+            <pc:sldMk cId="113760089" sldId="256"/>
+            <ac:grpSpMk id="97" creationId="{FD8B2883-DB2E-9F49-B57D-B0A8AD94F213}"/>
+          </ac:grpSpMkLst>
+        </pc:grpChg>
+        <pc:cxnChg chg="mod">
+          <ac:chgData name="Catrine Ullerup Frølund" userId="92c20c5a-1f4b-4872-a668-a3be51ca8b48" providerId="ADAL" clId="{70B25159-5254-46AD-93B3-4FA3BA757574}" dt="2023-01-12T07:10:29.436" v="400" actId="164"/>
+          <ac:cxnSpMkLst>
+            <pc:docMk/>
+            <pc:sldMk cId="113760089" sldId="256"/>
+            <ac:cxnSpMk id="7" creationId="{2A131196-EF80-CBD3-779F-04AACF0B3187}"/>
+          </ac:cxnSpMkLst>
+        </pc:cxnChg>
+        <pc:cxnChg chg="mod">
+          <ac:chgData name="Catrine Ullerup Frølund" userId="92c20c5a-1f4b-4872-a668-a3be51ca8b48" providerId="ADAL" clId="{70B25159-5254-46AD-93B3-4FA3BA757574}" dt="2023-01-12T07:12:16.613" v="417" actId="164"/>
+          <ac:cxnSpMkLst>
+            <pc:docMk/>
+            <pc:sldMk cId="113760089" sldId="256"/>
+            <ac:cxnSpMk id="9" creationId="{A70BADB7-26BD-92AF-5575-1E08A174CE88}"/>
+          </ac:cxnSpMkLst>
+        </pc:cxnChg>
+        <pc:cxnChg chg="mod">
+          <ac:chgData name="Catrine Ullerup Frølund" userId="92c20c5a-1f4b-4872-a668-a3be51ca8b48" providerId="ADAL" clId="{70B25159-5254-46AD-93B3-4FA3BA757574}" dt="2023-01-12T07:09:43.726" v="397" actId="1076"/>
+          <ac:cxnSpMkLst>
+            <pc:docMk/>
+            <pc:sldMk cId="113760089" sldId="256"/>
+            <ac:cxnSpMk id="10" creationId="{49627E71-2A5F-0FEA-D296-0DD71B5E0D94}"/>
+          </ac:cxnSpMkLst>
+        </pc:cxnChg>
+        <pc:cxnChg chg="mod">
+          <ac:chgData name="Catrine Ullerup Frølund" userId="92c20c5a-1f4b-4872-a668-a3be51ca8b48" providerId="ADAL" clId="{70B25159-5254-46AD-93B3-4FA3BA757574}" dt="2023-01-12T07:10:57.771" v="403" actId="164"/>
+          <ac:cxnSpMkLst>
+            <pc:docMk/>
+            <pc:sldMk cId="113760089" sldId="256"/>
+            <ac:cxnSpMk id="11" creationId="{43F0FC2B-E3E4-AB84-7C52-668168C36C7B}"/>
+          </ac:cxnSpMkLst>
+        </pc:cxnChg>
+        <pc:cxnChg chg="add mod">
+          <ac:chgData name="Catrine Ullerup Frølund" userId="92c20c5a-1f4b-4872-a668-a3be51ca8b48" providerId="ADAL" clId="{70B25159-5254-46AD-93B3-4FA3BA757574}" dt="2023-01-12T07:05:20.538" v="351" actId="164"/>
+          <ac:cxnSpMkLst>
+            <pc:docMk/>
+            <pc:sldMk cId="113760089" sldId="256"/>
+            <ac:cxnSpMk id="13" creationId="{017B8009-61C6-74CF-4E01-D68FEE66AFAA}"/>
+          </ac:cxnSpMkLst>
+        </pc:cxnChg>
+        <pc:cxnChg chg="mod">
+          <ac:chgData name="Catrine Ullerup Frølund" userId="92c20c5a-1f4b-4872-a668-a3be51ca8b48" providerId="ADAL" clId="{70B25159-5254-46AD-93B3-4FA3BA757574}" dt="2023-01-12T07:12:41.802" v="421" actId="164"/>
+          <ac:cxnSpMkLst>
+            <pc:docMk/>
+            <pc:sldMk cId="113760089" sldId="256"/>
+            <ac:cxnSpMk id="14" creationId="{D6D9E37C-1D3D-A389-2C7C-F72A9C48671E}"/>
+          </ac:cxnSpMkLst>
+        </pc:cxnChg>
+        <pc:cxnChg chg="mod">
+          <ac:chgData name="Catrine Ullerup Frølund" userId="92c20c5a-1f4b-4872-a668-a3be51ca8b48" providerId="ADAL" clId="{70B25159-5254-46AD-93B3-4FA3BA757574}" dt="2023-01-12T07:11:36.670" v="411" actId="14100"/>
+          <ac:cxnSpMkLst>
+            <pc:docMk/>
+            <pc:sldMk cId="113760089" sldId="256"/>
+            <ac:cxnSpMk id="16" creationId="{EC2D8C6F-4374-6875-BE66-BEADD02D9028}"/>
+          </ac:cxnSpMkLst>
+        </pc:cxnChg>
+        <pc:cxnChg chg="add mod">
+          <ac:chgData name="Catrine Ullerup Frølund" userId="92c20c5a-1f4b-4872-a668-a3be51ca8b48" providerId="ADAL" clId="{70B25159-5254-46AD-93B3-4FA3BA757574}" dt="2023-01-12T07:05:20.538" v="351" actId="164"/>
+          <ac:cxnSpMkLst>
+            <pc:docMk/>
+            <pc:sldMk cId="113760089" sldId="256"/>
+            <ac:cxnSpMk id="17" creationId="{235EE125-FBD9-DF7E-0BCE-7DEBD10EA577}"/>
+          </ac:cxnSpMkLst>
+        </pc:cxnChg>
+        <pc:cxnChg chg="mod">
+          <ac:chgData name="Catrine Ullerup Frølund" userId="92c20c5a-1f4b-4872-a668-a3be51ca8b48" providerId="ADAL" clId="{70B25159-5254-46AD-93B3-4FA3BA757574}" dt="2023-01-12T07:12:10.863" v="416" actId="14100"/>
+          <ac:cxnSpMkLst>
+            <pc:docMk/>
+            <pc:sldMk cId="113760089" sldId="256"/>
+            <ac:cxnSpMk id="18" creationId="{8A7C192D-C9F4-250C-2D24-FFB19C8898B8}"/>
+          </ac:cxnSpMkLst>
+        </pc:cxnChg>
+        <pc:cxnChg chg="add mod">
+          <ac:chgData name="Catrine Ullerup Frølund" userId="92c20c5a-1f4b-4872-a668-a3be51ca8b48" providerId="ADAL" clId="{70B25159-5254-46AD-93B3-4FA3BA757574}" dt="2023-01-12T07:05:20.538" v="351" actId="164"/>
+          <ac:cxnSpMkLst>
+            <pc:docMk/>
+            <pc:sldMk cId="113760089" sldId="256"/>
+            <ac:cxnSpMk id="19" creationId="{A3B08744-F95B-DF33-A0BE-947B6F7A912B}"/>
+          </ac:cxnSpMkLst>
+        </pc:cxnChg>
+        <pc:cxnChg chg="add mod">
+          <ac:chgData name="Catrine Ullerup Frølund" userId="92c20c5a-1f4b-4872-a668-a3be51ca8b48" providerId="ADAL" clId="{70B25159-5254-46AD-93B3-4FA3BA757574}" dt="2023-01-12T07:05:20.538" v="351" actId="164"/>
+          <ac:cxnSpMkLst>
+            <pc:docMk/>
+            <pc:sldMk cId="113760089" sldId="256"/>
+            <ac:cxnSpMk id="20" creationId="{0579DF92-81AB-A878-DC1E-6F4D33FDEEC5}"/>
+          </ac:cxnSpMkLst>
+        </pc:cxnChg>
+        <pc:cxnChg chg="mod">
+          <ac:chgData name="Catrine Ullerup Frølund" userId="92c20c5a-1f4b-4872-a668-a3be51ca8b48" providerId="ADAL" clId="{70B25159-5254-46AD-93B3-4FA3BA757574}" dt="2023-01-12T07:13:10.011" v="427" actId="14100"/>
+          <ac:cxnSpMkLst>
+            <pc:docMk/>
+            <pc:sldMk cId="113760089" sldId="256"/>
+            <ac:cxnSpMk id="22" creationId="{C61821FA-50D0-D866-E77F-2DA87FB2A445}"/>
+          </ac:cxnSpMkLst>
+        </pc:cxnChg>
+        <pc:cxnChg chg="add mod">
+          <ac:chgData name="Catrine Ullerup Frølund" userId="92c20c5a-1f4b-4872-a668-a3be51ca8b48" providerId="ADAL" clId="{70B25159-5254-46AD-93B3-4FA3BA757574}" dt="2023-01-12T07:05:20.538" v="351" actId="164"/>
+          <ac:cxnSpMkLst>
+            <pc:docMk/>
+            <pc:sldMk cId="113760089" sldId="256"/>
+            <ac:cxnSpMk id="23" creationId="{5D08A383-4191-E742-0391-BDD41474979E}"/>
+          </ac:cxnSpMkLst>
+        </pc:cxnChg>
+        <pc:cxnChg chg="mod">
+          <ac:chgData name="Catrine Ullerup Frølund" userId="92c20c5a-1f4b-4872-a668-a3be51ca8b48" providerId="ADAL" clId="{70B25159-5254-46AD-93B3-4FA3BA757574}" dt="2023-01-12T07:13:03.964" v="425" actId="14100"/>
+          <ac:cxnSpMkLst>
+            <pc:docMk/>
+            <pc:sldMk cId="113760089" sldId="256"/>
+            <ac:cxnSpMk id="25" creationId="{BB10709A-E2C7-4647-E5D6-08AA2752B0AF}"/>
+          </ac:cxnSpMkLst>
+        </pc:cxnChg>
+        <pc:cxnChg chg="del">
+          <ac:chgData name="Catrine Ullerup Frølund" userId="92c20c5a-1f4b-4872-a668-a3be51ca8b48" providerId="ADAL" clId="{70B25159-5254-46AD-93B3-4FA3BA757574}" dt="2023-01-11T19:53:09.651" v="331" actId="478"/>
+          <ac:cxnSpMkLst>
+            <pc:docMk/>
+            <pc:sldMk cId="113760089" sldId="256"/>
+            <ac:cxnSpMk id="27" creationId="{29780A0D-DC32-3BCE-D8CA-5E9F90FCAB2F}"/>
+          </ac:cxnSpMkLst>
+        </pc:cxnChg>
+        <pc:cxnChg chg="add del mod">
+          <ac:chgData name="Catrine Ullerup Frølund" userId="92c20c5a-1f4b-4872-a668-a3be51ca8b48" providerId="ADAL" clId="{70B25159-5254-46AD-93B3-4FA3BA757574}" dt="2023-01-12T07:06:46.015" v="364" actId="478"/>
+          <ac:cxnSpMkLst>
+            <pc:docMk/>
+            <pc:sldMk cId="113760089" sldId="256"/>
+            <ac:cxnSpMk id="28" creationId="{1EE9F32D-FA6E-3044-4400-D38331EE184B}"/>
+          </ac:cxnSpMkLst>
+        </pc:cxnChg>
+        <pc:cxnChg chg="mod">
+          <ac:chgData name="Catrine Ullerup Frølund" userId="92c20c5a-1f4b-4872-a668-a3be51ca8b48" providerId="ADAL" clId="{70B25159-5254-46AD-93B3-4FA3BA757574}" dt="2023-01-12T07:10:13.809" v="399" actId="1076"/>
+          <ac:cxnSpMkLst>
+            <pc:docMk/>
+            <pc:sldMk cId="113760089" sldId="256"/>
+            <ac:cxnSpMk id="29" creationId="{B09BBC71-BAC0-1E74-FF65-5C0CA5096561}"/>
+          </ac:cxnSpMkLst>
+        </pc:cxnChg>
+        <pc:cxnChg chg="add del mod">
+          <ac:chgData name="Catrine Ullerup Frølund" userId="92c20c5a-1f4b-4872-a668-a3be51ca8b48" providerId="ADAL" clId="{70B25159-5254-46AD-93B3-4FA3BA757574}" dt="2023-01-12T07:06:46.015" v="364" actId="478"/>
+          <ac:cxnSpMkLst>
+            <pc:docMk/>
+            <pc:sldMk cId="113760089" sldId="256"/>
+            <ac:cxnSpMk id="30" creationId="{2A277FAD-94AC-4F73-C220-FAC70273DFBB}"/>
+          </ac:cxnSpMkLst>
+        </pc:cxnChg>
+        <pc:cxnChg chg="add del mod">
+          <ac:chgData name="Catrine Ullerup Frølund" userId="92c20c5a-1f4b-4872-a668-a3be51ca8b48" providerId="ADAL" clId="{70B25159-5254-46AD-93B3-4FA3BA757574}" dt="2023-01-12T07:06:46.015" v="364" actId="478"/>
+          <ac:cxnSpMkLst>
+            <pc:docMk/>
+            <pc:sldMk cId="113760089" sldId="256"/>
+            <ac:cxnSpMk id="31" creationId="{AC8EC9F3-AF6F-AA8D-400B-D836BE63254F}"/>
+          </ac:cxnSpMkLst>
+        </pc:cxnChg>
+        <pc:cxnChg chg="add del mod">
+          <ac:chgData name="Catrine Ullerup Frølund" userId="92c20c5a-1f4b-4872-a668-a3be51ca8b48" providerId="ADAL" clId="{70B25159-5254-46AD-93B3-4FA3BA757574}" dt="2023-01-12T07:06:46.015" v="364" actId="478"/>
+          <ac:cxnSpMkLst>
+            <pc:docMk/>
+            <pc:sldMk cId="113760089" sldId="256"/>
+            <ac:cxnSpMk id="32" creationId="{DE0D0D38-3CA0-6125-3611-A1C56F4D94C5}"/>
+          </ac:cxnSpMkLst>
+        </pc:cxnChg>
+        <pc:cxnChg chg="add del mod">
+          <ac:chgData name="Catrine Ullerup Frølund" userId="92c20c5a-1f4b-4872-a668-a3be51ca8b48" providerId="ADAL" clId="{70B25159-5254-46AD-93B3-4FA3BA757574}" dt="2023-01-12T07:06:46.015" v="364" actId="478"/>
+          <ac:cxnSpMkLst>
+            <pc:docMk/>
+            <pc:sldMk cId="113760089" sldId="256"/>
+            <ac:cxnSpMk id="33" creationId="{7AB67EA5-841D-A98F-7219-9D7980A8AF61}"/>
+          </ac:cxnSpMkLst>
+        </pc:cxnChg>
+        <pc:cxnChg chg="mod">
+          <ac:chgData name="Catrine Ullerup Frølund" userId="92c20c5a-1f4b-4872-a668-a3be51ca8b48" providerId="ADAL" clId="{70B25159-5254-46AD-93B3-4FA3BA757574}" dt="2023-01-12T07:11:54.387" v="413" actId="1076"/>
+          <ac:cxnSpMkLst>
+            <pc:docMk/>
+            <pc:sldMk cId="113760089" sldId="256"/>
+            <ac:cxnSpMk id="39" creationId="{1A751373-B0D8-CFE9-0428-4114DA472CA2}"/>
+          </ac:cxnSpMkLst>
+        </pc:cxnChg>
+      </pc:sldChg>
+      <pc:sldChg chg="addSp delSp modSp new mod">
+        <pc:chgData name="Catrine Ullerup Frølund" userId="92c20c5a-1f4b-4872-a668-a3be51ca8b48" providerId="ADAL" clId="{70B25159-5254-46AD-93B3-4FA3BA757574}" dt="2023-01-11T19:36:18.456" v="40" actId="478"/>
+        <pc:sldMkLst>
+          <pc:docMk/>
+          <pc:sldMk cId="2745497609" sldId="257"/>
+        </pc:sldMkLst>
+        <pc:spChg chg="del">
+          <ac:chgData name="Catrine Ullerup Frølund" userId="92c20c5a-1f4b-4872-a668-a3be51ca8b48" providerId="ADAL" clId="{70B25159-5254-46AD-93B3-4FA3BA757574}" dt="2023-01-11T19:32:24.133" v="21" actId="478"/>
+          <ac:spMkLst>
+            <pc:docMk/>
+            <pc:sldMk cId="2745497609" sldId="257"/>
+            <ac:spMk id="2" creationId="{370C8BE6-AFB2-290B-0BE4-C689961475DB}"/>
+          </ac:spMkLst>
+        </pc:spChg>
+        <pc:spChg chg="del mod">
+          <ac:chgData name="Catrine Ullerup Frølund" userId="92c20c5a-1f4b-4872-a668-a3be51ca8b48" providerId="ADAL" clId="{70B25159-5254-46AD-93B3-4FA3BA757574}" dt="2023-01-11T19:32:26.729" v="22" actId="478"/>
+          <ac:spMkLst>
+            <pc:docMk/>
+            <pc:sldMk cId="2745497609" sldId="257"/>
+            <ac:spMk id="3" creationId="{250DC25D-8C32-1FA2-50CF-4738CB7707CB}"/>
+          </ac:spMkLst>
+        </pc:spChg>
+        <pc:spChg chg="add mod">
+          <ac:chgData name="Catrine Ullerup Frølund" userId="92c20c5a-1f4b-4872-a668-a3be51ca8b48" providerId="ADAL" clId="{70B25159-5254-46AD-93B3-4FA3BA757574}" dt="2023-01-11T19:33:40.836" v="29" actId="1076"/>
+          <ac:spMkLst>
+            <pc:docMk/>
+            <pc:sldMk cId="2745497609" sldId="257"/>
+            <ac:spMk id="4" creationId="{F61D4C4C-6B1F-822D-47D9-D7776079A031}"/>
+          </ac:spMkLst>
+        </pc:spChg>
+        <pc:spChg chg="add mod">
+          <ac:chgData name="Catrine Ullerup Frølund" userId="92c20c5a-1f4b-4872-a668-a3be51ca8b48" providerId="ADAL" clId="{70B25159-5254-46AD-93B3-4FA3BA757574}" dt="2023-01-11T19:33:44.228" v="30" actId="1076"/>
+          <ac:spMkLst>
+            <pc:docMk/>
+            <pc:sldMk cId="2745497609" sldId="257"/>
+            <ac:spMk id="5" creationId="{3C48BE09-5929-BC9D-D381-B1FCD6E351CE}"/>
+          </ac:spMkLst>
+        </pc:spChg>
+        <pc:spChg chg="add del">
+          <ac:chgData name="Catrine Ullerup Frølund" userId="92c20c5a-1f4b-4872-a668-a3be51ca8b48" providerId="ADAL" clId="{70B25159-5254-46AD-93B3-4FA3BA757574}" dt="2023-01-11T19:34:11.036" v="32" actId="478"/>
+          <ac:spMkLst>
+            <pc:docMk/>
+            <pc:sldMk cId="2745497609" sldId="257"/>
+            <ac:spMk id="6" creationId="{24CE29F5-444F-6E41-7A33-504A5B9985BA}"/>
+          </ac:spMkLst>
+        </pc:spChg>
+        <pc:spChg chg="add">
+          <ac:chgData name="Catrine Ullerup Frølund" userId="92c20c5a-1f4b-4872-a668-a3be51ca8b48" providerId="ADAL" clId="{70B25159-5254-46AD-93B3-4FA3BA757574}" dt="2023-01-11T19:34:59.186" v="33" actId="11529"/>
+          <ac:spMkLst>
+            <pc:docMk/>
+            <pc:sldMk cId="2745497609" sldId="257"/>
+            <ac:spMk id="7" creationId="{F63DAEC6-57C6-2632-60DE-D838937FE21F}"/>
+          </ac:spMkLst>
+        </pc:spChg>
+        <pc:spChg chg="add">
+          <ac:chgData name="Catrine Ullerup Frølund" userId="92c20c5a-1f4b-4872-a668-a3be51ca8b48" providerId="ADAL" clId="{70B25159-5254-46AD-93B3-4FA3BA757574}" dt="2023-01-11T19:35:14.900" v="34" actId="11529"/>
+          <ac:spMkLst>
+            <pc:docMk/>
+            <pc:sldMk cId="2745497609" sldId="257"/>
+            <ac:spMk id="8" creationId="{89BA8B4E-E104-6A38-8B11-5DB54E41A2F2}"/>
+          </ac:spMkLst>
+        </pc:spChg>
+        <pc:spChg chg="add">
+          <ac:chgData name="Catrine Ullerup Frølund" userId="92c20c5a-1f4b-4872-a668-a3be51ca8b48" providerId="ADAL" clId="{70B25159-5254-46AD-93B3-4FA3BA757574}" dt="2023-01-11T19:35:44.488" v="35" actId="11529"/>
+          <ac:spMkLst>
+            <pc:docMk/>
+            <pc:sldMk cId="2745497609" sldId="257"/>
+            <ac:spMk id="9" creationId="{A1FFE1CB-744D-F49E-9922-62616AE1896C}"/>
+          </ac:spMkLst>
+        </pc:spChg>
+        <pc:spChg chg="add mod">
+          <ac:chgData name="Catrine Ullerup Frølund" userId="92c20c5a-1f4b-4872-a668-a3be51ca8b48" providerId="ADAL" clId="{70B25159-5254-46AD-93B3-4FA3BA757574}" dt="2023-01-11T19:35:52.536" v="37" actId="1076"/>
+          <ac:spMkLst>
+            <pc:docMk/>
+            <pc:sldMk cId="2745497609" sldId="257"/>
+            <ac:spMk id="10" creationId="{301F261A-B9D5-0340-56E4-36087C889D38}"/>
+          </ac:spMkLst>
+        </pc:spChg>
+        <pc:spChg chg="add del mod">
+          <ac:chgData name="Catrine Ullerup Frølund" userId="92c20c5a-1f4b-4872-a668-a3be51ca8b48" providerId="ADAL" clId="{70B25159-5254-46AD-93B3-4FA3BA757574}" dt="2023-01-11T19:36:18.456" v="40" actId="478"/>
+          <ac:spMkLst>
+            <pc:docMk/>
+            <pc:sldMk cId="2745497609" sldId="257"/>
+            <ac:spMk id="11" creationId="{227A401F-972C-E98E-C759-3E1557CE0FEB}"/>
+          </ac:spMkLst>
+        </pc:spChg>
+      </pc:sldChg>
+      <pc:sldChg chg="addSp delSp modSp new mod">
+        <pc:chgData name="Catrine Ullerup Frølund" userId="92c20c5a-1f4b-4872-a668-a3be51ca8b48" providerId="ADAL" clId="{70B25159-5254-46AD-93B3-4FA3BA757574}" dt="2023-01-12T08:19:31.679" v="779" actId="1036"/>
+        <pc:sldMkLst>
+          <pc:docMk/>
+          <pc:sldMk cId="377353606" sldId="258"/>
+        </pc:sldMkLst>
+        <pc:spChg chg="add del mod">
+          <ac:chgData name="Catrine Ullerup Frølund" userId="92c20c5a-1f4b-4872-a668-a3be51ca8b48" providerId="ADAL" clId="{70B25159-5254-46AD-93B3-4FA3BA757574}" dt="2023-01-12T07:23:27.816" v="429" actId="478"/>
+          <ac:spMkLst>
+            <pc:docMk/>
+            <pc:sldMk cId="377353606" sldId="258"/>
+            <ac:spMk id="2" creationId="{F4D4DFDB-EC02-F44C-6BBA-454D771CA3CF}"/>
+          </ac:spMkLst>
+        </pc:spChg>
+        <pc:spChg chg="add del mod">
+          <ac:chgData name="Catrine Ullerup Frølund" userId="92c20c5a-1f4b-4872-a668-a3be51ca8b48" providerId="ADAL" clId="{70B25159-5254-46AD-93B3-4FA3BA757574}" dt="2023-01-12T07:23:27.816" v="429" actId="478"/>
+          <ac:spMkLst>
+            <pc:docMk/>
+            <pc:sldMk cId="377353606" sldId="258"/>
+            <ac:spMk id="11" creationId="{14364414-1BBF-4155-66F8-FCE91D6C5CFE}"/>
+          </ac:spMkLst>
+        </pc:spChg>
+        <pc:spChg chg="add del mod">
+          <ac:chgData name="Catrine Ullerup Frølund" userId="92c20c5a-1f4b-4872-a668-a3be51ca8b48" providerId="ADAL" clId="{70B25159-5254-46AD-93B3-4FA3BA757574}" dt="2023-01-12T07:23:27.816" v="429" actId="478"/>
+          <ac:spMkLst>
+            <pc:docMk/>
+            <pc:sldMk cId="377353606" sldId="258"/>
+            <ac:spMk id="15" creationId="{6D4DF095-29FC-1A47-8387-FE9B94371319}"/>
+          </ac:spMkLst>
+        </pc:spChg>
+        <pc:spChg chg="add del mod">
+          <ac:chgData name="Catrine Ullerup Frølund" userId="92c20c5a-1f4b-4872-a668-a3be51ca8b48" providerId="ADAL" clId="{70B25159-5254-46AD-93B3-4FA3BA757574}" dt="2023-01-12T07:23:27.816" v="429" actId="478"/>
+          <ac:spMkLst>
+            <pc:docMk/>
+            <pc:sldMk cId="377353606" sldId="258"/>
+            <ac:spMk id="16" creationId="{2DE69D10-DBAE-B245-599A-E3656268B7B3}"/>
+          </ac:spMkLst>
+        </pc:spChg>
+        <pc:spChg chg="add del mod">
+          <ac:chgData name="Catrine Ullerup Frølund" userId="92c20c5a-1f4b-4872-a668-a3be51ca8b48" providerId="ADAL" clId="{70B25159-5254-46AD-93B3-4FA3BA757574}" dt="2023-01-12T07:23:27.816" v="429" actId="478"/>
+          <ac:spMkLst>
+            <pc:docMk/>
+            <pc:sldMk cId="377353606" sldId="258"/>
+            <ac:spMk id="17" creationId="{58E2C50C-916F-107C-44A7-CB0CC9324B74}"/>
+          </ac:spMkLst>
+        </pc:spChg>
+        <pc:spChg chg="add del mod">
+          <ac:chgData name="Catrine Ullerup Frølund" userId="92c20c5a-1f4b-4872-a668-a3be51ca8b48" providerId="ADAL" clId="{70B25159-5254-46AD-93B3-4FA3BA757574}" dt="2023-01-12T07:23:27.816" v="429" actId="478"/>
+          <ac:spMkLst>
+            <pc:docMk/>
+            <pc:sldMk cId="377353606" sldId="258"/>
+            <ac:spMk id="18" creationId="{80062ACD-314F-6D55-7F51-B0B5DAF5D21A}"/>
+          </ac:spMkLst>
+        </pc:spChg>
+        <pc:spChg chg="add del mod">
+          <ac:chgData name="Catrine Ullerup Frølund" userId="92c20c5a-1f4b-4872-a668-a3be51ca8b48" providerId="ADAL" clId="{70B25159-5254-46AD-93B3-4FA3BA757574}" dt="2023-01-12T07:23:27.816" v="429" actId="478"/>
+          <ac:spMkLst>
+            <pc:docMk/>
+            <pc:sldMk cId="377353606" sldId="258"/>
+            <ac:spMk id="19" creationId="{F33CC60C-8F3B-4D26-3127-1CC96051BE5B}"/>
+          </ac:spMkLst>
+        </pc:spChg>
+        <pc:spChg chg="add del mod">
+          <ac:chgData name="Catrine Ullerup Frølund" userId="92c20c5a-1f4b-4872-a668-a3be51ca8b48" providerId="ADAL" clId="{70B25159-5254-46AD-93B3-4FA3BA757574}" dt="2023-01-12T07:23:27.816" v="429" actId="478"/>
+          <ac:spMkLst>
+            <pc:docMk/>
+            <pc:sldMk cId="377353606" sldId="258"/>
+            <ac:spMk id="20" creationId="{1C9669C3-3135-793C-29E6-AA1B247F071D}"/>
+          </ac:spMkLst>
+        </pc:spChg>
+        <pc:spChg chg="add del mod">
+          <ac:chgData name="Catrine Ullerup Frølund" userId="92c20c5a-1f4b-4872-a668-a3be51ca8b48" providerId="ADAL" clId="{70B25159-5254-46AD-93B3-4FA3BA757574}" dt="2023-01-12T07:23:27.816" v="429" actId="478"/>
+          <ac:spMkLst>
+            <pc:docMk/>
+            <pc:sldMk cId="377353606" sldId="258"/>
+            <ac:spMk id="21" creationId="{EE76DAAE-7DA2-AC98-E7FB-30021E438DFC}"/>
+          </ac:spMkLst>
+        </pc:spChg>
+        <pc:spChg chg="add del mod">
+          <ac:chgData name="Catrine Ullerup Frølund" userId="92c20c5a-1f4b-4872-a668-a3be51ca8b48" providerId="ADAL" clId="{70B25159-5254-46AD-93B3-4FA3BA757574}" dt="2023-01-12T07:23:27.816" v="429" actId="478"/>
+          <ac:spMkLst>
+            <pc:docMk/>
+            <pc:sldMk cId="377353606" sldId="258"/>
+            <ac:spMk id="32" creationId="{A5B4DA09-2D9A-ED79-8213-2B1D3572E77F}"/>
+          </ac:spMkLst>
+        </pc:spChg>
+        <pc:spChg chg="add mod">
+          <ac:chgData name="Catrine Ullerup Frølund" userId="92c20c5a-1f4b-4872-a668-a3be51ca8b48" providerId="ADAL" clId="{70B25159-5254-46AD-93B3-4FA3BA757574}" dt="2023-01-12T07:43:28.751" v="608" actId="1038"/>
+          <ac:spMkLst>
+            <pc:docMk/>
+            <pc:sldMk cId="377353606" sldId="258"/>
+            <ac:spMk id="33" creationId="{6895C8C7-2408-87B2-6AF4-BED03FD07DA5}"/>
+          </ac:spMkLst>
+        </pc:spChg>
+        <pc:spChg chg="mod">
+          <ac:chgData name="Catrine Ullerup Frølund" userId="92c20c5a-1f4b-4872-a668-a3be51ca8b48" providerId="ADAL" clId="{70B25159-5254-46AD-93B3-4FA3BA757574}" dt="2023-01-12T07:28:15.283" v="433" actId="20577"/>
+          <ac:spMkLst>
+            <pc:docMk/>
+            <pc:sldMk cId="377353606" sldId="258"/>
+            <ac:spMk id="41" creationId="{4B9E1FFC-7FBD-8109-94F1-EF6E045BB442}"/>
+          </ac:spMkLst>
+        </pc:spChg>
+        <pc:spChg chg="mod">
+          <ac:chgData name="Catrine Ullerup Frølund" userId="92c20c5a-1f4b-4872-a668-a3be51ca8b48" providerId="ADAL" clId="{70B25159-5254-46AD-93B3-4FA3BA757574}" dt="2023-01-12T07:32:19.630" v="471" actId="20577"/>
+          <ac:spMkLst>
+            <pc:docMk/>
+            <pc:sldMk cId="377353606" sldId="258"/>
+            <ac:spMk id="47" creationId="{922C3D93-7E05-A5D2-98A1-ABBE408E78AF}"/>
+          </ac:spMkLst>
+        </pc:spChg>
+        <pc:spChg chg="add mod">
+          <ac:chgData name="Catrine Ullerup Frølund" userId="92c20c5a-1f4b-4872-a668-a3be51ca8b48" providerId="ADAL" clId="{70B25159-5254-46AD-93B3-4FA3BA757574}" dt="2023-01-12T07:45:11.260" v="625" actId="1076"/>
+          <ac:spMkLst>
+            <pc:docMk/>
+            <pc:sldMk cId="377353606" sldId="258"/>
+            <ac:spMk id="48" creationId="{B59C4D19-2ABD-6160-6B70-F7394E189968}"/>
+          </ac:spMkLst>
+        </pc:spChg>
+        <pc:spChg chg="mod">
+          <ac:chgData name="Catrine Ullerup Frølund" userId="92c20c5a-1f4b-4872-a668-a3be51ca8b48" providerId="ADAL" clId="{70B25159-5254-46AD-93B3-4FA3BA757574}" dt="2023-01-12T07:23:30.338" v="430"/>
+          <ac:spMkLst>
+            <pc:docMk/>
+            <pc:sldMk cId="377353606" sldId="258"/>
+            <ac:spMk id="51" creationId="{9A7085EF-3A3B-A861-4E80-8FAE90A3D60C}"/>
+          </ac:spMkLst>
+        </pc:spChg>
+        <pc:spChg chg="add mod">
+          <ac:chgData name="Catrine Ullerup Frølund" userId="92c20c5a-1f4b-4872-a668-a3be51ca8b48" providerId="ADAL" clId="{70B25159-5254-46AD-93B3-4FA3BA757574}" dt="2023-01-12T07:41:51.057" v="566" actId="164"/>
+          <ac:spMkLst>
+            <pc:docMk/>
+            <pc:sldMk cId="377353606" sldId="258"/>
+            <ac:spMk id="52" creationId="{6D6A052B-3385-6179-E921-C55055BDB646}"/>
+          </ac:spMkLst>
+        </pc:spChg>
+        <pc:spChg chg="add del mod">
+          <ac:chgData name="Catrine Ullerup Frølund" userId="92c20c5a-1f4b-4872-a668-a3be51ca8b48" providerId="ADAL" clId="{70B25159-5254-46AD-93B3-4FA3BA757574}" dt="2023-01-12T07:33:11.759" v="498"/>
+          <ac:spMkLst>
+            <pc:docMk/>
+            <pc:sldMk cId="377353606" sldId="258"/>
+            <ac:spMk id="53" creationId="{56549988-3C75-E63C-0BD2-2DB7C125AFCF}"/>
+          </ac:spMkLst>
+        </pc:spChg>
+        <pc:spChg chg="add del mod">
+          <ac:chgData name="Catrine Ullerup Frølund" userId="92c20c5a-1f4b-4872-a668-a3be51ca8b48" providerId="ADAL" clId="{70B25159-5254-46AD-93B3-4FA3BA757574}" dt="2023-01-12T07:33:09.941" v="495" actId="478"/>
+          <ac:spMkLst>
+            <pc:docMk/>
+            <pc:sldMk cId="377353606" sldId="258"/>
+            <ac:spMk id="54" creationId="{1E590546-112C-A341-BE60-7BE48517FB5B}"/>
+          </ac:spMkLst>
+        </pc:spChg>
+        <pc:spChg chg="mod">
+          <ac:chgData name="Catrine Ullerup Frølund" userId="92c20c5a-1f4b-4872-a668-a3be51ca8b48" providerId="ADAL" clId="{70B25159-5254-46AD-93B3-4FA3BA757574}" dt="2023-01-12T07:23:30.338" v="430"/>
+          <ac:spMkLst>
+            <pc:docMk/>
+            <pc:sldMk cId="377353606" sldId="258"/>
+            <ac:spMk id="56" creationId="{6158103E-6320-8084-02A5-F82FB38C685C}"/>
+          </ac:spMkLst>
+        </pc:spChg>
+        <pc:spChg chg="add mod">
+          <ac:chgData name="Catrine Ullerup Frølund" userId="92c20c5a-1f4b-4872-a668-a3be51ca8b48" providerId="ADAL" clId="{70B25159-5254-46AD-93B3-4FA3BA757574}" dt="2023-01-12T07:43:28.751" v="608" actId="1038"/>
+          <ac:spMkLst>
+            <pc:docMk/>
+            <pc:sldMk cId="377353606" sldId="258"/>
+            <ac:spMk id="63" creationId="{822A5ED4-EEE7-B28A-552A-F466BD2653D7}"/>
+          </ac:spMkLst>
+        </pc:spChg>
+        <pc:spChg chg="mod">
+          <ac:chgData name="Catrine Ullerup Frølund" userId="92c20c5a-1f4b-4872-a668-a3be51ca8b48" providerId="ADAL" clId="{70B25159-5254-46AD-93B3-4FA3BA757574}" dt="2023-01-12T07:23:30.338" v="430"/>
+          <ac:spMkLst>
+            <pc:docMk/>
+            <pc:sldMk cId="377353606" sldId="258"/>
+            <ac:spMk id="65" creationId="{AFFAF460-923F-2592-53BD-D498DACBCDE9}"/>
+          </ac:spMkLst>
+        </pc:spChg>
+        <pc:spChg chg="mod">
+          <ac:chgData name="Catrine Ullerup Frølund" userId="92c20c5a-1f4b-4872-a668-a3be51ca8b48" providerId="ADAL" clId="{70B25159-5254-46AD-93B3-4FA3BA757574}" dt="2023-01-12T07:23:30.338" v="430"/>
+          <ac:spMkLst>
+            <pc:docMk/>
+            <pc:sldMk cId="377353606" sldId="258"/>
+            <ac:spMk id="66" creationId="{A70B1662-6AE8-6D74-E3B4-FC87D9723FC0}"/>
+          </ac:spMkLst>
+        </pc:spChg>
+        <pc:spChg chg="mod">
+          <ac:chgData name="Catrine Ullerup Frølund" userId="92c20c5a-1f4b-4872-a668-a3be51ca8b48" providerId="ADAL" clId="{70B25159-5254-46AD-93B3-4FA3BA757574}" dt="2023-01-12T07:23:30.338" v="430"/>
+          <ac:spMkLst>
+            <pc:docMk/>
+            <pc:sldMk cId="377353606" sldId="258"/>
+            <ac:spMk id="67" creationId="{74919D4F-B184-CF2C-C13E-E77B2157DC34}"/>
+          </ac:spMkLst>
+        </pc:spChg>
+        <pc:spChg chg="mod">
+          <ac:chgData name="Catrine Ullerup Frølund" userId="92c20c5a-1f4b-4872-a668-a3be51ca8b48" providerId="ADAL" clId="{70B25159-5254-46AD-93B3-4FA3BA757574}" dt="2023-01-12T07:23:30.338" v="430"/>
+          <ac:spMkLst>
+            <pc:docMk/>
+            <pc:sldMk cId="377353606" sldId="258"/>
+            <ac:spMk id="68" creationId="{68EFD908-9A8E-15D7-C627-9A1634B1B28B}"/>
+          </ac:spMkLst>
+        </pc:spChg>
+        <pc:spChg chg="add del mod">
+          <ac:chgData name="Catrine Ullerup Frølund" userId="92c20c5a-1f4b-4872-a668-a3be51ca8b48" providerId="ADAL" clId="{70B25159-5254-46AD-93B3-4FA3BA757574}" dt="2023-01-12T07:30:50.574" v="458" actId="478"/>
+          <ac:spMkLst>
+            <pc:docMk/>
+            <pc:sldMk cId="377353606" sldId="258"/>
+            <ac:spMk id="69" creationId="{3E2517BD-8A36-7457-625F-59F84431722F}"/>
+          </ac:spMkLst>
+        </pc:spChg>
+        <pc:spChg chg="add del mod">
+          <ac:chgData name="Catrine Ullerup Frølund" userId="92c20c5a-1f4b-4872-a668-a3be51ca8b48" providerId="ADAL" clId="{70B25159-5254-46AD-93B3-4FA3BA757574}" dt="2023-01-12T07:31:57.083" v="468"/>
+          <ac:spMkLst>
+            <pc:docMk/>
+            <pc:sldMk cId="377353606" sldId="258"/>
+            <ac:spMk id="76" creationId="{7FF9CCF9-B6DC-A805-3BF7-673EEACB0183}"/>
+          </ac:spMkLst>
+        </pc:spChg>
+        <pc:spChg chg="add mod">
+          <ac:chgData name="Catrine Ullerup Frølund" userId="92c20c5a-1f4b-4872-a668-a3be51ca8b48" providerId="ADAL" clId="{70B25159-5254-46AD-93B3-4FA3BA757574}" dt="2023-01-12T07:44:49.338" v="622" actId="1076"/>
+          <ac:spMkLst>
+            <pc:docMk/>
+            <pc:sldMk cId="377353606" sldId="258"/>
+            <ac:spMk id="78" creationId="{7973D6C8-4B47-392D-305A-B94E30AC979B}"/>
+          </ac:spMkLst>
+        </pc:spChg>
+        <pc:spChg chg="add del mod">
+          <ac:chgData name="Catrine Ullerup Frølund" userId="92c20c5a-1f4b-4872-a668-a3be51ca8b48" providerId="ADAL" clId="{70B25159-5254-46AD-93B3-4FA3BA757574}" dt="2023-01-12T07:35:09.918" v="512" actId="478"/>
+          <ac:spMkLst>
+            <pc:docMk/>
+            <pc:sldMk cId="377353606" sldId="258"/>
+            <ac:spMk id="82" creationId="{643E02C5-2803-1CFF-1B9A-A285DB5F6FCB}"/>
+          </ac:spMkLst>
+        </pc:spChg>
+        <pc:spChg chg="add mod">
+          <ac:chgData name="Catrine Ullerup Frølund" userId="92c20c5a-1f4b-4872-a668-a3be51ca8b48" providerId="ADAL" clId="{70B25159-5254-46AD-93B3-4FA3BA757574}" dt="2023-01-12T07:44:19.630" v="617" actId="1076"/>
+          <ac:spMkLst>
+            <pc:docMk/>
+            <pc:sldMk cId="377353606" sldId="258"/>
+            <ac:spMk id="86" creationId="{F466FFF9-37D6-153E-0B9F-D8312B4FBC60}"/>
+          </ac:spMkLst>
+        </pc:spChg>
+        <pc:spChg chg="add mod">
+          <ac:chgData name="Catrine Ullerup Frølund" userId="92c20c5a-1f4b-4872-a668-a3be51ca8b48" providerId="ADAL" clId="{70B25159-5254-46AD-93B3-4FA3BA757574}" dt="2023-01-12T07:44:15.632" v="616" actId="1076"/>
+          <ac:spMkLst>
+            <pc:docMk/>
+            <pc:sldMk cId="377353606" sldId="258"/>
+            <ac:spMk id="87" creationId="{DEC2CE80-2A5F-9B9F-93E6-75EAC5F01C58}"/>
+          </ac:spMkLst>
+        </pc:spChg>
+        <pc:spChg chg="add mod">
+          <ac:chgData name="Catrine Ullerup Frølund" userId="92c20c5a-1f4b-4872-a668-a3be51ca8b48" providerId="ADAL" clId="{70B25159-5254-46AD-93B3-4FA3BA757574}" dt="2023-01-12T07:41:38.916" v="550" actId="164"/>
+          <ac:spMkLst>
+            <pc:docMk/>
+            <pc:sldMk cId="377353606" sldId="258"/>
+            <ac:spMk id="89" creationId="{05CF899E-04EE-1981-FFD6-1D6A40360949}"/>
+          </ac:spMkLst>
+        </pc:spChg>
+        <pc:spChg chg="add mod">
+          <ac:chgData name="Catrine Ullerup Frølund" userId="92c20c5a-1f4b-4872-a668-a3be51ca8b48" providerId="ADAL" clId="{70B25159-5254-46AD-93B3-4FA3BA757574}" dt="2023-01-12T07:43:37.853" v="610" actId="1076"/>
+          <ac:spMkLst>
+            <pc:docMk/>
+            <pc:sldMk cId="377353606" sldId="258"/>
+            <ac:spMk id="97" creationId="{01E407A8-6B07-E0F1-03AD-2065FF71ADF6}"/>
+          </ac:spMkLst>
+        </pc:spChg>
+        <pc:spChg chg="mod">
+          <ac:chgData name="Catrine Ullerup Frølund" userId="92c20c5a-1f4b-4872-a668-a3be51ca8b48" providerId="ADAL" clId="{70B25159-5254-46AD-93B3-4FA3BA757574}" dt="2023-01-12T07:43:32.310" v="609"/>
+          <ac:spMkLst>
+            <pc:docMk/>
+            <pc:sldMk cId="377353606" sldId="258"/>
+            <ac:spMk id="103" creationId="{53E6CFA4-41F8-B550-FCFE-ACB7C72464A5}"/>
+          </ac:spMkLst>
+        </pc:spChg>
+        <pc:spChg chg="add del mod">
+          <ac:chgData name="Catrine Ullerup Frølund" userId="92c20c5a-1f4b-4872-a668-a3be51ca8b48" providerId="ADAL" clId="{70B25159-5254-46AD-93B3-4FA3BA757574}" dt="2023-01-12T07:45:27.953" v="629" actId="478"/>
+          <ac:spMkLst>
+            <pc:docMk/>
+            <pc:sldMk cId="377353606" sldId="258"/>
+            <ac:spMk id="104" creationId="{7099BBF9-94CC-E84F-1906-5E43020834DE}"/>
+          </ac:spMkLst>
+        </pc:spChg>
+        <pc:spChg chg="mod">
+          <ac:chgData name="Catrine Ullerup Frølund" userId="92c20c5a-1f4b-4872-a668-a3be51ca8b48" providerId="ADAL" clId="{70B25159-5254-46AD-93B3-4FA3BA757574}" dt="2023-01-12T07:43:32.310" v="609"/>
+          <ac:spMkLst>
+            <pc:docMk/>
+            <pc:sldMk cId="377353606" sldId="258"/>
+            <ac:spMk id="107" creationId="{542DB18C-B952-9648-4844-186FFA5A39D9}"/>
+          </ac:spMkLst>
+        </pc:spChg>
+        <pc:spChg chg="mod">
+          <ac:chgData name="Catrine Ullerup Frølund" userId="92c20c5a-1f4b-4872-a668-a3be51ca8b48" providerId="ADAL" clId="{70B25159-5254-46AD-93B3-4FA3BA757574}" dt="2023-01-12T07:43:32.310" v="609"/>
+          <ac:spMkLst>
+            <pc:docMk/>
+            <pc:sldMk cId="377353606" sldId="258"/>
+            <ac:spMk id="110" creationId="{E49FAF1D-0CCD-7AAE-5551-6B6805B33F58}"/>
+          </ac:spMkLst>
+        </pc:spChg>
+        <pc:spChg chg="mod">
+          <ac:chgData name="Catrine Ullerup Frølund" userId="92c20c5a-1f4b-4872-a668-a3be51ca8b48" providerId="ADAL" clId="{70B25159-5254-46AD-93B3-4FA3BA757574}" dt="2023-01-12T07:43:32.310" v="609"/>
+          <ac:spMkLst>
+            <pc:docMk/>
+            <pc:sldMk cId="377353606" sldId="258"/>
+            <ac:spMk id="112" creationId="{89DBF20D-6B7A-1D39-8546-603FAC3A2A19}"/>
+          </ac:spMkLst>
+        </pc:spChg>
+        <pc:spChg chg="add mod">
+          <ac:chgData name="Catrine Ullerup Frølund" userId="92c20c5a-1f4b-4872-a668-a3be51ca8b48" providerId="ADAL" clId="{70B25159-5254-46AD-93B3-4FA3BA757574}" dt="2023-01-12T07:43:37.853" v="610" actId="1076"/>
+          <ac:spMkLst>
+            <pc:docMk/>
+            <pc:sldMk cId="377353606" sldId="258"/>
+            <ac:spMk id="119" creationId="{A657E4E5-961E-CF86-6AC8-EA3B8B0CD5D3}"/>
+          </ac:spMkLst>
+        </pc:spChg>
+        <pc:spChg chg="mod">
+          <ac:chgData name="Catrine Ullerup Frølund" userId="92c20c5a-1f4b-4872-a668-a3be51ca8b48" providerId="ADAL" clId="{70B25159-5254-46AD-93B3-4FA3BA757574}" dt="2023-01-12T07:43:32.310" v="609"/>
+          <ac:spMkLst>
+            <pc:docMk/>
+            <pc:sldMk cId="377353606" sldId="258"/>
+            <ac:spMk id="121" creationId="{75ADA665-E041-28E2-21FB-5DF454978CAF}"/>
+          </ac:spMkLst>
+        </pc:spChg>
+        <pc:spChg chg="mod">
+          <ac:chgData name="Catrine Ullerup Frølund" userId="92c20c5a-1f4b-4872-a668-a3be51ca8b48" providerId="ADAL" clId="{70B25159-5254-46AD-93B3-4FA3BA757574}" dt="2023-01-12T07:43:32.310" v="609"/>
+          <ac:spMkLst>
+            <pc:docMk/>
+            <pc:sldMk cId="377353606" sldId="258"/>
+            <ac:spMk id="122" creationId="{D0FFEB8B-1DD8-1976-9DCA-248F0E4A0818}"/>
+          </ac:spMkLst>
+        </pc:spChg>
+        <pc:spChg chg="mod">
+          <ac:chgData name="Catrine Ullerup Frølund" userId="92c20c5a-1f4b-4872-a668-a3be51ca8b48" providerId="ADAL" clId="{70B25159-5254-46AD-93B3-4FA3BA757574}" dt="2023-01-12T07:43:32.310" v="609"/>
+          <ac:spMkLst>
+            <pc:docMk/>
+            <pc:sldMk cId="377353606" sldId="258"/>
+            <ac:spMk id="123" creationId="{9E3E7BD7-2904-466D-CAD7-5E218A2D0CAC}"/>
+          </ac:spMkLst>
+        </pc:spChg>
+        <pc:spChg chg="mod">
+          <ac:chgData name="Catrine Ullerup Frølund" userId="92c20c5a-1f4b-4872-a668-a3be51ca8b48" providerId="ADAL" clId="{70B25159-5254-46AD-93B3-4FA3BA757574}" dt="2023-01-12T07:43:32.310" v="609"/>
+          <ac:spMkLst>
+            <pc:docMk/>
+            <pc:sldMk cId="377353606" sldId="258"/>
+            <ac:spMk id="124" creationId="{D6196912-01EF-DA78-3266-189010858E2D}"/>
+          </ac:spMkLst>
+        </pc:spChg>
+        <pc:spChg chg="add del mod">
+          <ac:chgData name="Catrine Ullerup Frølund" userId="92c20c5a-1f4b-4872-a668-a3be51ca8b48" providerId="ADAL" clId="{70B25159-5254-46AD-93B3-4FA3BA757574}" dt="2023-01-12T07:45:49.047" v="642" actId="478"/>
+          <ac:spMkLst>
+            <pc:docMk/>
+            <pc:sldMk cId="377353606" sldId="258"/>
+            <ac:spMk id="126" creationId="{1A983796-5EFB-7B49-C1F8-CDA449CFE06C}"/>
+          </ac:spMkLst>
+        </pc:spChg>
+        <pc:spChg chg="add del mod">
+          <ac:chgData name="Catrine Ullerup Frølund" userId="92c20c5a-1f4b-4872-a668-a3be51ca8b48" providerId="ADAL" clId="{70B25159-5254-46AD-93B3-4FA3BA757574}" dt="2023-01-12T07:45:56.275" v="646" actId="478"/>
+          <ac:spMkLst>
+            <pc:docMk/>
+            <pc:sldMk cId="377353606" sldId="258"/>
+            <ac:spMk id="127" creationId="{8708859A-5FD4-69C6-96C2-092BC3845298}"/>
+          </ac:spMkLst>
+        </pc:spChg>
+        <pc:spChg chg="add del mod">
+          <ac:chgData name="Catrine Ullerup Frølund" userId="92c20c5a-1f4b-4872-a668-a3be51ca8b48" providerId="ADAL" clId="{70B25159-5254-46AD-93B3-4FA3BA757574}" dt="2023-01-12T07:45:54.516" v="645" actId="478"/>
+          <ac:spMkLst>
+            <pc:docMk/>
+            <pc:sldMk cId="377353606" sldId="258"/>
+            <ac:spMk id="128" creationId="{E1D766C5-C92F-D956-702B-44C1020ACFE8}"/>
+          </ac:spMkLst>
+        </pc:spChg>
+        <pc:spChg chg="del mod topLvl">
+          <ac:chgData name="Catrine Ullerup Frølund" userId="92c20c5a-1f4b-4872-a668-a3be51ca8b48" providerId="ADAL" clId="{70B25159-5254-46AD-93B3-4FA3BA757574}" dt="2023-01-12T07:45:40.782" v="638" actId="478"/>
+          <ac:spMkLst>
+            <pc:docMk/>
+            <pc:sldMk cId="377353606" sldId="258"/>
+            <ac:spMk id="131" creationId="{93039C5C-F610-3312-6DA3-883AE3166FEB}"/>
+          </ac:spMkLst>
+        </pc:spChg>
+        <pc:spChg chg="add mod">
+          <ac:chgData name="Catrine Ullerup Frølund" userId="92c20c5a-1f4b-4872-a668-a3be51ca8b48" providerId="ADAL" clId="{70B25159-5254-46AD-93B3-4FA3BA757574}" dt="2023-01-12T07:46:56.878" v="664" actId="1076"/>
+          <ac:spMkLst>
+            <pc:docMk/>
+            <pc:sldMk cId="377353606" sldId="258"/>
+            <ac:spMk id="133" creationId="{172FDFD8-DECD-5C4C-9E65-31CA187426FC}"/>
+          </ac:spMkLst>
+        </pc:spChg>
+        <pc:spChg chg="add mod">
+          <ac:chgData name="Catrine Ullerup Frølund" userId="92c20c5a-1f4b-4872-a668-a3be51ca8b48" providerId="ADAL" clId="{70B25159-5254-46AD-93B3-4FA3BA757574}" dt="2023-01-12T08:19:31.679" v="779" actId="1036"/>
+          <ac:spMkLst>
+            <pc:docMk/>
+            <pc:sldMk cId="377353606" sldId="258"/>
+            <ac:spMk id="134" creationId="{8F285E9E-8C1A-6BB3-CBE6-3B5C613A6A26}"/>
+          </ac:spMkLst>
+        </pc:spChg>
+        <pc:spChg chg="add mod">
+          <ac:chgData name="Catrine Ullerup Frølund" userId="92c20c5a-1f4b-4872-a668-a3be51ca8b48" providerId="ADAL" clId="{70B25159-5254-46AD-93B3-4FA3BA757574}" dt="2023-01-12T08:18:46.526" v="765" actId="164"/>
+          <ac:spMkLst>
+            <pc:docMk/>
+            <pc:sldMk cId="377353606" sldId="258"/>
+            <ac:spMk id="136" creationId="{FE553442-FAEB-EE96-2CF5-6CFA5EED17D4}"/>
+          </ac:spMkLst>
+        </pc:spChg>
+        <pc:spChg chg="add mod">
+          <ac:chgData name="Catrine Ullerup Frølund" userId="92c20c5a-1f4b-4872-a668-a3be51ca8b48" providerId="ADAL" clId="{70B25159-5254-46AD-93B3-4FA3BA757574}" dt="2023-01-12T08:18:46.526" v="765" actId="164"/>
+          <ac:spMkLst>
+            <pc:docMk/>
+            <pc:sldMk cId="377353606" sldId="258"/>
+            <ac:spMk id="137" creationId="{A072D924-B8C0-348F-FC9C-532C9A19E07E}"/>
+          </ac:spMkLst>
+        </pc:spChg>
+        <pc:spChg chg="add mod">
+          <ac:chgData name="Catrine Ullerup Frølund" userId="92c20c5a-1f4b-4872-a668-a3be51ca8b48" providerId="ADAL" clId="{70B25159-5254-46AD-93B3-4FA3BA757574}" dt="2023-01-12T08:18:46.526" v="765" actId="164"/>
+          <ac:spMkLst>
+            <pc:docMk/>
+            <pc:sldMk cId="377353606" sldId="258"/>
+            <ac:spMk id="138" creationId="{B7694357-55EE-4906-18AC-233B2AD551CF}"/>
+          </ac:spMkLst>
+        </pc:spChg>
+        <pc:spChg chg="add mod">
+          <ac:chgData name="Catrine Ullerup Frølund" userId="92c20c5a-1f4b-4872-a668-a3be51ca8b48" providerId="ADAL" clId="{70B25159-5254-46AD-93B3-4FA3BA757574}" dt="2023-01-12T08:18:46.526" v="765" actId="164"/>
+          <ac:spMkLst>
+            <pc:docMk/>
+            <pc:sldMk cId="377353606" sldId="258"/>
+            <ac:spMk id="139" creationId="{2A379E1B-2E7C-E341-6E3F-F83B5A6EC949}"/>
+          </ac:spMkLst>
+        </pc:spChg>
+        <pc:spChg chg="add mod">
+          <ac:chgData name="Catrine Ullerup Frølund" userId="92c20c5a-1f4b-4872-a668-a3be51ca8b48" providerId="ADAL" clId="{70B25159-5254-46AD-93B3-4FA3BA757574}" dt="2023-01-12T08:18:56.046" v="767" actId="1076"/>
+          <ac:spMkLst>
+            <pc:docMk/>
+            <pc:sldMk cId="377353606" sldId="258"/>
+            <ac:spMk id="140" creationId="{E8EF7BC5-C77F-9B16-BC3D-54EFEA85540A}"/>
+          </ac:spMkLst>
+        </pc:spChg>
+        <pc:grpChg chg="add del mod">
+          <ac:chgData name="Catrine Ullerup Frølund" userId="92c20c5a-1f4b-4872-a668-a3be51ca8b48" providerId="ADAL" clId="{70B25159-5254-46AD-93B3-4FA3BA757574}" dt="2023-01-12T07:28:18.010" v="434" actId="478"/>
+          <ac:grpSpMkLst>
+            <pc:docMk/>
+            <pc:sldMk cId="377353606" sldId="258"/>
+            <ac:grpSpMk id="39" creationId="{7F0D9DD1-5765-43DA-DDB9-C7FCC03ED523}"/>
+          </ac:grpSpMkLst>
+        </pc:grpChg>
+        <pc:grpChg chg="add mod">
+          <ac:chgData name="Catrine Ullerup Frølund" userId="92c20c5a-1f4b-4872-a668-a3be51ca8b48" providerId="ADAL" clId="{70B25159-5254-46AD-93B3-4FA3BA757574}" dt="2023-01-12T07:45:01.766" v="623" actId="1076"/>
+          <ac:grpSpMkLst>
+            <pc:docMk/>
+            <pc:sldMk cId="377353606" sldId="258"/>
+            <ac:grpSpMk id="45" creationId="{D1F379C7-8720-6720-3AB4-0DE5FECA908E}"/>
+          </ac:grpSpMkLst>
+        </pc:grpChg>
+        <pc:grpChg chg="add mod">
+          <ac:chgData name="Catrine Ullerup Frølund" userId="92c20c5a-1f4b-4872-a668-a3be51ca8b48" providerId="ADAL" clId="{70B25159-5254-46AD-93B3-4FA3BA757574}" dt="2023-01-12T07:43:28.751" v="608" actId="1038"/>
+          <ac:grpSpMkLst>
+            <pc:docMk/>
+            <pc:sldMk cId="377353606" sldId="258"/>
+            <ac:grpSpMk id="49" creationId="{C70DD2AD-808B-D76A-78BE-0C290064B85C}"/>
+          </ac:grpSpMkLst>
+        </pc:grpChg>
+        <pc:grpChg chg="add del mod">
+          <ac:chgData name="Catrine Ullerup Frølund" userId="92c20c5a-1f4b-4872-a668-a3be51ca8b48" providerId="ADAL" clId="{70B25159-5254-46AD-93B3-4FA3BA757574}" dt="2023-01-12T07:43:47.121" v="611" actId="478"/>
+          <ac:grpSpMkLst>
+            <pc:docMk/>
+            <pc:sldMk cId="377353606" sldId="258"/>
+            <ac:grpSpMk id="55" creationId="{FC7CCACD-B35E-D9FD-5C43-3FAB851E0544}"/>
+          </ac:grpSpMkLst>
+        </pc:grpChg>
+        <pc:grpChg chg="mod">
+          <ac:chgData name="Catrine Ullerup Frølund" userId="92c20c5a-1f4b-4872-a668-a3be51ca8b48" providerId="ADAL" clId="{70B25159-5254-46AD-93B3-4FA3BA757574}" dt="2023-01-12T07:23:30.338" v="430"/>
+          <ac:grpSpMkLst>
+            <pc:docMk/>
+            <pc:sldMk cId="377353606" sldId="258"/>
+            <ac:grpSpMk id="57" creationId="{ABFEF23E-1130-D9F4-1922-5EF2991BFE71}"/>
+          </ac:grpSpMkLst>
+        </pc:grpChg>
+        <pc:grpChg chg="add del mod">
+          <ac:chgData name="Catrine Ullerup Frølund" userId="92c20c5a-1f4b-4872-a668-a3be51ca8b48" providerId="ADAL" clId="{70B25159-5254-46AD-93B3-4FA3BA757574}" dt="2023-01-12T07:43:55.370" v="613" actId="478"/>
+          <ac:grpSpMkLst>
+            <pc:docMk/>
+            <pc:sldMk cId="377353606" sldId="258"/>
+            <ac:grpSpMk id="64" creationId="{2204B590-3764-D1DF-AF73-EA2C198CED17}"/>
+          </ac:grpSpMkLst>
+        </pc:grpChg>
+        <pc:grpChg chg="add mod">
+          <ac:chgData name="Catrine Ullerup Frølund" userId="92c20c5a-1f4b-4872-a668-a3be51ca8b48" providerId="ADAL" clId="{70B25159-5254-46AD-93B3-4FA3BA757574}" dt="2023-01-12T07:43:28.751" v="608" actId="1038"/>
+          <ac:grpSpMkLst>
+            <pc:docMk/>
+            <pc:sldMk cId="377353606" sldId="258"/>
+            <ac:grpSpMk id="94" creationId="{413CA26F-1024-A4FB-C7FC-FC1C54B07A9A}"/>
+          </ac:grpSpMkLst>
+        </pc:grpChg>
+        <pc:grpChg chg="add mod">
+          <ac:chgData name="Catrine Ullerup Frølund" userId="92c20c5a-1f4b-4872-a668-a3be51ca8b48" providerId="ADAL" clId="{70B25159-5254-46AD-93B3-4FA3BA757574}" dt="2023-01-12T08:08:57.480" v="682" actId="1076"/>
+          <ac:grpSpMkLst>
+            <pc:docMk/>
+            <pc:sldMk cId="377353606" sldId="258"/>
+            <ac:grpSpMk id="95" creationId="{6933F93B-777E-0916-3CC4-EEDEFE73A96F}"/>
+          </ac:grpSpMkLst>
+        </pc:grpChg>
+        <pc:grpChg chg="add del mod">
+          <ac:chgData name="Catrine Ullerup Frølund" userId="92c20c5a-1f4b-4872-a668-a3be51ca8b48" providerId="ADAL" clId="{70B25159-5254-46AD-93B3-4FA3BA757574}" dt="2023-01-12T07:45:47.432" v="641" actId="478"/>
+          <ac:grpSpMkLst>
+            <pc:docMk/>
+            <pc:sldMk cId="377353606" sldId="258"/>
+            <ac:grpSpMk id="101" creationId="{A1461273-9E6A-527D-32D4-0C2FDD7BB098}"/>
+          </ac:grpSpMkLst>
+        </pc:grpChg>
+        <pc:grpChg chg="add del mod">
+          <ac:chgData name="Catrine Ullerup Frølund" userId="92c20c5a-1f4b-4872-a668-a3be51ca8b48" providerId="ADAL" clId="{70B25159-5254-46AD-93B3-4FA3BA757574}" dt="2023-01-12T07:45:33.234" v="631" actId="478"/>
+          <ac:grpSpMkLst>
+            <pc:docMk/>
+            <pc:sldMk cId="377353606" sldId="258"/>
+            <ac:grpSpMk id="105" creationId="{FD51A9D8-BDDE-FBC3-2F19-C1C936BFB669}"/>
+          </ac:grpSpMkLst>
+        </pc:grpChg>
+        <pc:grpChg chg="add del mod">
+          <ac:chgData name="Catrine Ullerup Frølund" userId="92c20c5a-1f4b-4872-a668-a3be51ca8b48" providerId="ADAL" clId="{70B25159-5254-46AD-93B3-4FA3BA757574}" dt="2023-01-12T07:45:36.368" v="634" actId="478"/>
+          <ac:grpSpMkLst>
+            <pc:docMk/>
+            <pc:sldMk cId="377353606" sldId="258"/>
+            <ac:grpSpMk id="108" creationId="{86FE05E7-86EF-AE8D-7687-4595F5B01459}"/>
+          </ac:grpSpMkLst>
+        </pc:grpChg>
+        <pc:grpChg chg="add mod">
+          <ac:chgData name="Catrine Ullerup Frølund" userId="92c20c5a-1f4b-4872-a668-a3be51ca8b48" providerId="ADAL" clId="{70B25159-5254-46AD-93B3-4FA3BA757574}" dt="2023-01-12T08:18:58.766" v="768" actId="1076"/>
+          <ac:grpSpMkLst>
+            <pc:docMk/>
+            <pc:sldMk cId="377353606" sldId="258"/>
+            <ac:grpSpMk id="111" creationId="{76929FA3-049C-BB2E-D203-D5ECC123DB26}"/>
+          </ac:grpSpMkLst>
+        </pc:grpChg>
+        <pc:grpChg chg="mod">
+          <ac:chgData name="Catrine Ullerup Frølund" userId="92c20c5a-1f4b-4872-a668-a3be51ca8b48" providerId="ADAL" clId="{70B25159-5254-46AD-93B3-4FA3BA757574}" dt="2023-01-12T07:43:32.310" v="609"/>
+          <ac:grpSpMkLst>
+            <pc:docMk/>
+            <pc:sldMk cId="377353606" sldId="258"/>
+            <ac:grpSpMk id="113" creationId="{79580911-E054-1126-F153-9595586ADE13}"/>
+          </ac:grpSpMkLst>
+        </pc:grpChg>
+        <pc:grpChg chg="add mod">
+          <ac:chgData name="Catrine Ullerup Frølund" userId="92c20c5a-1f4b-4872-a668-a3be51ca8b48" providerId="ADAL" clId="{70B25159-5254-46AD-93B3-4FA3BA757574}" dt="2023-01-12T07:43:37.853" v="610" actId="1076"/>
+          <ac:grpSpMkLst>
+            <pc:docMk/>
+            <pc:sldMk cId="377353606" sldId="258"/>
+            <ac:grpSpMk id="120" creationId="{DD447837-40BF-FEA0-A2FC-9D6D0DED24B7}"/>
+          </ac:grpSpMkLst>
+        </pc:grpChg>
+        <pc:grpChg chg="add del mod">
+          <ac:chgData name="Catrine Ullerup Frølund" userId="92c20c5a-1f4b-4872-a668-a3be51ca8b48" providerId="ADAL" clId="{70B25159-5254-46AD-93B3-4FA3BA757574}" dt="2023-01-12T07:45:39.405" v="636" actId="478"/>
+          <ac:grpSpMkLst>
+            <pc:docMk/>
+            <pc:sldMk cId="377353606" sldId="258"/>
+            <ac:grpSpMk id="129" creationId="{8D4B8A40-99AE-308F-C5D3-507C1C04573D}"/>
+          </ac:grpSpMkLst>
+        </pc:grpChg>
+        <pc:grpChg chg="add mod">
+          <ac:chgData name="Catrine Ullerup Frølund" userId="92c20c5a-1f4b-4872-a668-a3be51ca8b48" providerId="ADAL" clId="{70B25159-5254-46AD-93B3-4FA3BA757574}" dt="2023-01-12T08:18:37.517" v="764" actId="164"/>
+          <ac:grpSpMkLst>
+            <pc:docMk/>
+            <pc:sldMk cId="377353606" sldId="258"/>
+            <ac:grpSpMk id="141" creationId="{B95E0C2B-BC30-5AB4-74AA-D8FFB19ECC65}"/>
+          </ac:grpSpMkLst>
+        </pc:grpChg>
+        <pc:grpChg chg="add mod">
+          <ac:chgData name="Catrine Ullerup Frølund" userId="92c20c5a-1f4b-4872-a668-a3be51ca8b48" providerId="ADAL" clId="{70B25159-5254-46AD-93B3-4FA3BA757574}" dt="2023-01-12T08:18:52.919" v="766" actId="1076"/>
+          <ac:grpSpMkLst>
+            <pc:docMk/>
+            <pc:sldMk cId="377353606" sldId="258"/>
+            <ac:grpSpMk id="142" creationId="{15FCAD51-63BD-B57A-E727-2E1114A95834}"/>
+          </ac:grpSpMkLst>
+        </pc:grpChg>
+        <pc:cxnChg chg="add del mod">
+          <ac:chgData name="Catrine Ullerup Frølund" userId="92c20c5a-1f4b-4872-a668-a3be51ca8b48" providerId="ADAL" clId="{70B25159-5254-46AD-93B3-4FA3BA757574}" dt="2023-01-12T07:23:27.816" v="429" actId="478"/>
+          <ac:cxnSpMkLst>
+            <pc:docMk/>
+            <pc:sldMk cId="377353606" sldId="258"/>
+            <ac:cxnSpMk id="3" creationId="{8541AA98-49C4-D49A-C5A9-6E909B422513}"/>
+          </ac:cxnSpMkLst>
+        </pc:cxnChg>
+        <pc:cxnChg chg="add del mod">
+          <ac:chgData name="Catrine Ullerup Frølund" userId="92c20c5a-1f4b-4872-a668-a3be51ca8b48" providerId="ADAL" clId="{70B25159-5254-46AD-93B3-4FA3BA757574}" dt="2023-01-12T07:23:27.816" v="429" actId="478"/>
+          <ac:cxnSpMkLst>
+            <pc:docMk/>
+            <pc:sldMk cId="377353606" sldId="258"/>
+            <ac:cxnSpMk id="4" creationId="{B6D9B105-DB19-E0B6-0699-BDA170D836B0}"/>
+          </ac:cxnSpMkLst>
+        </pc:cxnChg>
+        <pc:cxnChg chg="add del mod">
+          <ac:chgData name="Catrine Ullerup Frølund" userId="92c20c5a-1f4b-4872-a668-a3be51ca8b48" providerId="ADAL" clId="{70B25159-5254-46AD-93B3-4FA3BA757574}" dt="2023-01-12T07:23:27.816" v="429" actId="478"/>
+          <ac:cxnSpMkLst>
+            <pc:docMk/>
+            <pc:sldMk cId="377353606" sldId="258"/>
+            <ac:cxnSpMk id="5" creationId="{73355EFC-5B53-DAC4-BAF6-7C26F5463FC7}"/>
+          </ac:cxnSpMkLst>
+        </pc:cxnChg>
+        <pc:cxnChg chg="add del mod">
+          <ac:chgData name="Catrine Ullerup Frølund" userId="92c20c5a-1f4b-4872-a668-a3be51ca8b48" providerId="ADAL" clId="{70B25159-5254-46AD-93B3-4FA3BA757574}" dt="2023-01-12T07:23:27.816" v="429" actId="478"/>
+          <ac:cxnSpMkLst>
+            <pc:docMk/>
+            <pc:sldMk cId="377353606" sldId="258"/>
+            <ac:cxnSpMk id="6" creationId="{A7E6022D-C1C6-50E0-544F-2D4B94D5DAA4}"/>
+          </ac:cxnSpMkLst>
+        </pc:cxnChg>
+        <pc:cxnChg chg="add del mod">
+          <ac:chgData name="Catrine Ullerup Frølund" userId="92c20c5a-1f4b-4872-a668-a3be51ca8b48" providerId="ADAL" clId="{70B25159-5254-46AD-93B3-4FA3BA757574}" dt="2023-01-12T07:23:27.816" v="429" actId="478"/>
+          <ac:cxnSpMkLst>
+            <pc:docMk/>
+            <pc:sldMk cId="377353606" sldId="258"/>
+            <ac:cxnSpMk id="7" creationId="{45E74C4B-3E92-7B6E-5BEC-734288E7FAD5}"/>
+          </ac:cxnSpMkLst>
+        </pc:cxnChg>
+        <pc:cxnChg chg="add del mod">
+          <ac:chgData name="Catrine Ullerup Frølund" userId="92c20c5a-1f4b-4872-a668-a3be51ca8b48" providerId="ADAL" clId="{70B25159-5254-46AD-93B3-4FA3BA757574}" dt="2023-01-12T07:23:27.816" v="429" actId="478"/>
+          <ac:cxnSpMkLst>
+            <pc:docMk/>
+            <pc:sldMk cId="377353606" sldId="258"/>
+            <ac:cxnSpMk id="8" creationId="{7770F944-0F4F-BDCC-5DC4-E2D523C7299E}"/>
+          </ac:cxnSpMkLst>
+        </pc:cxnChg>
+        <pc:cxnChg chg="add del mod">
+          <ac:chgData name="Catrine Ullerup Frølund" userId="92c20c5a-1f4b-4872-a668-a3be51ca8b48" providerId="ADAL" clId="{70B25159-5254-46AD-93B3-4FA3BA757574}" dt="2023-01-12T07:23:27.816" v="429" actId="478"/>
+          <ac:cxnSpMkLst>
+            <pc:docMk/>
+            <pc:sldMk cId="377353606" sldId="258"/>
+            <ac:cxnSpMk id="9" creationId="{A933DCC0-BFCC-C8D4-2D41-3225217742FC}"/>
+          </ac:cxnSpMkLst>
+        </pc:cxnChg>
+        <pc:cxnChg chg="add del mod">
+          <ac:chgData name="Catrine Ullerup Frølund" userId="92c20c5a-1f4b-4872-a668-a3be51ca8b48" providerId="ADAL" clId="{70B25159-5254-46AD-93B3-4FA3BA757574}" dt="2023-01-12T07:23:27.816" v="429" actId="478"/>
+          <ac:cxnSpMkLst>
+            <pc:docMk/>
+            <pc:sldMk cId="377353606" sldId="258"/>
+            <ac:cxnSpMk id="10" creationId="{4454DF97-9429-1FA3-6859-25DC21B1A382}"/>
+          </ac:cxnSpMkLst>
+        </pc:cxnChg>
+        <pc:cxnChg chg="add del mod">
+          <ac:chgData name="Catrine Ullerup Frølund" userId="92c20c5a-1f4b-4872-a668-a3be51ca8b48" providerId="ADAL" clId="{70B25159-5254-46AD-93B3-4FA3BA757574}" dt="2023-01-12T07:23:27.816" v="429" actId="478"/>
+          <ac:cxnSpMkLst>
+            <pc:docMk/>
+            <pc:sldMk cId="377353606" sldId="258"/>
+            <ac:cxnSpMk id="12" creationId="{F990A9E0-FAC2-ABED-819A-EBFD60920F9D}"/>
+          </ac:cxnSpMkLst>
+        </pc:cxnChg>
+        <pc:cxnChg chg="add del mod">
+          <ac:chgData name="Catrine Ullerup Frølund" userId="92c20c5a-1f4b-4872-a668-a3be51ca8b48" providerId="ADAL" clId="{70B25159-5254-46AD-93B3-4FA3BA757574}" dt="2023-01-12T07:23:27.816" v="429" actId="478"/>
+          <ac:cxnSpMkLst>
+            <pc:docMk/>
+            <pc:sldMk cId="377353606" sldId="258"/>
+            <ac:cxnSpMk id="13" creationId="{583A8F2E-A854-56B5-74AA-6D4DF2BBB58A}"/>
+          </ac:cxnSpMkLst>
+        </pc:cxnChg>
+        <pc:cxnChg chg="add del mod">
+          <ac:chgData name="Catrine Ullerup Frølund" userId="92c20c5a-1f4b-4872-a668-a3be51ca8b48" providerId="ADAL" clId="{70B25159-5254-46AD-93B3-4FA3BA757574}" dt="2023-01-12T07:23:27.816" v="429" actId="478"/>
+          <ac:cxnSpMkLst>
+            <pc:docMk/>
+            <pc:sldMk cId="377353606" sldId="258"/>
+            <ac:cxnSpMk id="14" creationId="{1830F44F-3CD0-43E3-0595-73B5A8082F20}"/>
+          </ac:cxnSpMkLst>
+        </pc:cxnChg>
+        <pc:cxnChg chg="add del mod">
+          <ac:chgData name="Catrine Ullerup Frølund" userId="92c20c5a-1f4b-4872-a668-a3be51ca8b48" providerId="ADAL" clId="{70B25159-5254-46AD-93B3-4FA3BA757574}" dt="2023-01-12T07:23:27.816" v="429" actId="478"/>
+          <ac:cxnSpMkLst>
+            <pc:docMk/>
+            <pc:sldMk cId="377353606" sldId="258"/>
+            <ac:cxnSpMk id="22" creationId="{4254B65D-21E7-79FF-5695-B23904625023}"/>
+          </ac:cxnSpMkLst>
+        </pc:cxnChg>
+        <pc:cxnChg chg="add del mod">
+          <ac:chgData name="Catrine Ullerup Frølund" userId="92c20c5a-1f4b-4872-a668-a3be51ca8b48" providerId="ADAL" clId="{70B25159-5254-46AD-93B3-4FA3BA757574}" dt="2023-01-12T07:23:27.816" v="429" actId="478"/>
+          <ac:cxnSpMkLst>
+            <pc:docMk/>
+            <pc:sldMk cId="377353606" sldId="258"/>
+            <ac:cxnSpMk id="23" creationId="{E3BAD0D8-BEB0-9C0A-76CC-EA87AFF825FA}"/>
+          </ac:cxnSpMkLst>
+        </pc:cxnChg>
+        <pc:cxnChg chg="add del mod">
+          <ac:chgData name="Catrine Ullerup Frølund" userId="92c20c5a-1f4b-4872-a668-a3be51ca8b48" providerId="ADAL" clId="{70B25159-5254-46AD-93B3-4FA3BA757574}" dt="2023-01-12T07:23:27.816" v="429" actId="478"/>
+          <ac:cxnSpMkLst>
+            <pc:docMk/>
+            <pc:sldMk cId="377353606" sldId="258"/>
+            <ac:cxnSpMk id="24" creationId="{DC0EC3D7-2EBF-C824-53EC-093BD2BAB38F}"/>
+          </ac:cxnSpMkLst>
+        </pc:cxnChg>
+        <pc:cxnChg chg="add del mod">
+          <ac:chgData name="Catrine Ullerup Frølund" userId="92c20c5a-1f4b-4872-a668-a3be51ca8b48" providerId="ADAL" clId="{70B25159-5254-46AD-93B3-4FA3BA757574}" dt="2023-01-12T07:23:27.816" v="429" actId="478"/>
+          <ac:cxnSpMkLst>
+            <pc:docMk/>
+            <pc:sldMk cId="377353606" sldId="258"/>
+            <ac:cxnSpMk id="25" creationId="{C12F7D89-F7F8-A989-97E0-12E9F8811881}"/>
+          </ac:cxnSpMkLst>
+        </pc:cxnChg>
+        <pc:cxnChg chg="add del mod">
+          <ac:chgData name="Catrine Ullerup Frølund" userId="92c20c5a-1f4b-4872-a668-a3be51ca8b48" providerId="ADAL" clId="{70B25159-5254-46AD-93B3-4FA3BA757574}" dt="2023-01-12T07:23:27.816" v="429" actId="478"/>
+          <ac:cxnSpMkLst>
+            <pc:docMk/>
+            <pc:sldMk cId="377353606" sldId="258"/>
+            <ac:cxnSpMk id="26" creationId="{660F61EC-8E16-14B9-15A6-96DFA3CE3D7E}"/>
+          </ac:cxnSpMkLst>
+        </pc:cxnChg>
+        <pc:cxnChg chg="add del mod">
+          <ac:chgData name="Catrine Ullerup Frølund" userId="92c20c5a-1f4b-4872-a668-a3be51ca8b48" providerId="ADAL" clId="{70B25159-5254-46AD-93B3-4FA3BA757574}" dt="2023-01-12T07:27:19.892" v="431" actId="478"/>
+          <ac:cxnSpMkLst>
+            <pc:docMk/>
+            <pc:sldMk cId="377353606" sldId="258"/>
+            <ac:cxnSpMk id="27" creationId="{2DC42A8C-EE47-08FC-E7F0-31866BBBAF7F}"/>
+          </ac:cxnSpMkLst>
+        </pc:cxnChg>
+        <pc:cxnChg chg="add del mod">
+          <ac:chgData name="Catrine Ullerup Frølund" userId="92c20c5a-1f4b-4872-a668-a3be51ca8b48" providerId="ADAL" clId="{70B25159-5254-46AD-93B3-4FA3BA757574}" dt="2023-01-12T07:27:19.892" v="431" actId="478"/>
+          <ac:cxnSpMkLst>
+            <pc:docMk/>
+            <pc:sldMk cId="377353606" sldId="258"/>
+            <ac:cxnSpMk id="28" creationId="{515F8F07-97E9-E5AA-BC98-7C1705045E4B}"/>
+          </ac:cxnSpMkLst>
+        </pc:cxnChg>
+        <pc:cxnChg chg="add del mod">
+          <ac:chgData name="Catrine Ullerup Frølund" userId="92c20c5a-1f4b-4872-a668-a3be51ca8b48" providerId="ADAL" clId="{70B25159-5254-46AD-93B3-4FA3BA757574}" dt="2023-01-12T07:27:19.892" v="431" actId="478"/>
+          <ac:cxnSpMkLst>
+            <pc:docMk/>
+            <pc:sldMk cId="377353606" sldId="258"/>
+            <ac:cxnSpMk id="29" creationId="{024D64B8-70EA-AADB-57E6-7D191AE43F5B}"/>
+          </ac:cxnSpMkLst>
+        </pc:cxnChg>
+        <pc:cxnChg chg="add del mod">
+          <ac:chgData name="Catrine Ullerup Frølund" userId="92c20c5a-1f4b-4872-a668-a3be51ca8b48" providerId="ADAL" clId="{70B25159-5254-46AD-93B3-4FA3BA757574}" dt="2023-01-12T07:27:19.892" v="431" actId="478"/>
+          <ac:cxnSpMkLst>
+            <pc:docMk/>
+            <pc:sldMk cId="377353606" sldId="258"/>
+            <ac:cxnSpMk id="30" creationId="{F0DC7730-ADE7-F080-D2E8-F093A2AE68F0}"/>
+          </ac:cxnSpMkLst>
+        </pc:cxnChg>
+        <pc:cxnChg chg="add del mod">
+          <ac:chgData name="Catrine Ullerup Frølund" userId="92c20c5a-1f4b-4872-a668-a3be51ca8b48" providerId="ADAL" clId="{70B25159-5254-46AD-93B3-4FA3BA757574}" dt="2023-01-12T07:27:19.892" v="431" actId="478"/>
+          <ac:cxnSpMkLst>
+            <pc:docMk/>
+            <pc:sldMk cId="377353606" sldId="258"/>
+            <ac:cxnSpMk id="31" creationId="{CED197C2-9B94-31AF-C9AF-48EC03BD34DB}"/>
+          </ac:cxnSpMkLst>
+        </pc:cxnChg>
+        <pc:cxnChg chg="add mod">
+          <ac:chgData name="Catrine Ullerup Frølund" userId="92c20c5a-1f4b-4872-a668-a3be51ca8b48" providerId="ADAL" clId="{70B25159-5254-46AD-93B3-4FA3BA757574}" dt="2023-01-12T07:45:05.839" v="624" actId="1076"/>
+          <ac:cxnSpMkLst>
+            <pc:docMk/>
+            <pc:sldMk cId="377353606" sldId="258"/>
+            <ac:cxnSpMk id="34" creationId="{9EDDF795-BC1B-1C8B-267C-B9845B0E5A93}"/>
+          </ac:cxnSpMkLst>
+        </pc:cxnChg>
+        <pc:cxnChg chg="add del mod">
+          <ac:chgData name="Catrine Ullerup Frølund" userId="92c20c5a-1f4b-4872-a668-a3be51ca8b48" providerId="ADAL" clId="{70B25159-5254-46AD-93B3-4FA3BA757574}" dt="2023-01-12T07:33:07.626" v="492" actId="478"/>
+          <ac:cxnSpMkLst>
+            <pc:docMk/>
+            <pc:sldMk cId="377353606" sldId="258"/>
+            <ac:cxnSpMk id="35" creationId="{ABDCB03D-5ABF-3673-2CDF-0CB6C55600F0}"/>
+          </ac:cxnSpMkLst>
+        </pc:cxnChg>
+        <pc:cxnChg chg="add mod">
+          <ac:chgData name="Catrine Ullerup Frølund" userId="92c20c5a-1f4b-4872-a668-a3be51ca8b48" providerId="ADAL" clId="{70B25159-5254-46AD-93B3-4FA3BA757574}" dt="2023-01-12T07:41:51.057" v="566" actId="164"/>
+          <ac:cxnSpMkLst>
+            <pc:docMk/>
+            <pc:sldMk cId="377353606" sldId="258"/>
+            <ac:cxnSpMk id="36" creationId="{ED8E88AB-980D-BB2E-B48D-DD26741AC0FA}"/>
+          </ac:cxnSpMkLst>
+        </pc:cxnChg>
+        <pc:cxnChg chg="add mod">
+          <ac:chgData name="Catrine Ullerup Frølund" userId="92c20c5a-1f4b-4872-a668-a3be51ca8b48" providerId="ADAL" clId="{70B25159-5254-46AD-93B3-4FA3BA757574}" dt="2023-01-12T07:43:28.751" v="608" actId="1038"/>
+          <ac:cxnSpMkLst>
+            <pc:docMk/>
+            <pc:sldMk cId="377353606" sldId="258"/>
+            <ac:cxnSpMk id="37" creationId="{BA73831C-4BC0-B248-603A-2781FECEF048}"/>
+          </ac:cxnSpMkLst>
+        </pc:cxnChg>
+        <pc:cxnChg chg="add del mod">
+          <ac:chgData name="Catrine Ullerup Frølund" userId="92c20c5a-1f4b-4872-a668-a3be51ca8b48" providerId="ADAL" clId="{70B25159-5254-46AD-93B3-4FA3BA757574}" dt="2023-01-12T07:33:06.802" v="491" actId="478"/>
+          <ac:cxnSpMkLst>
+            <pc:docMk/>
+            <pc:sldMk cId="377353606" sldId="258"/>
+            <ac:cxnSpMk id="38" creationId="{2C4FB3EF-A58F-19C6-6A06-FDEC900BB1D4}"/>
+          </ac:cxnSpMkLst>
+        </pc:cxnChg>
+        <pc:cxnChg chg="mod">
+          <ac:chgData name="Catrine Ullerup Frølund" userId="92c20c5a-1f4b-4872-a668-a3be51ca8b48" providerId="ADAL" clId="{70B25159-5254-46AD-93B3-4FA3BA757574}" dt="2023-01-12T07:23:30.338" v="430"/>
+          <ac:cxnSpMkLst>
+            <pc:docMk/>
+            <pc:sldMk cId="377353606" sldId="258"/>
+            <ac:cxnSpMk id="40" creationId="{294D14C1-E1F9-C971-DA37-A039CCD837FE}"/>
+          </ac:cxnSpMkLst>
+        </pc:cxnChg>
+        <pc:cxnChg chg="add mod">
+          <ac:chgData name="Catrine Ullerup Frølund" userId="92c20c5a-1f4b-4872-a668-a3be51ca8b48" providerId="ADAL" clId="{70B25159-5254-46AD-93B3-4FA3BA757574}" dt="2023-01-12T08:08:52.049" v="681" actId="14100"/>
+          <ac:cxnSpMkLst>
+            <pc:docMk/>
+            <pc:sldMk cId="377353606" sldId="258"/>
+            <ac:cxnSpMk id="42" creationId="{D336779B-7546-8ED1-4E70-416362887F36}"/>
+          </ac:cxnSpMkLst>
+        </pc:cxnChg>
+        <pc:cxnChg chg="add del mod">
+          <ac:chgData name="Catrine Ullerup Frølund" userId="92c20c5a-1f4b-4872-a668-a3be51ca8b48" providerId="ADAL" clId="{70B25159-5254-46AD-93B3-4FA3BA757574}" dt="2023-01-12T07:33:15.347" v="500" actId="478"/>
+          <ac:cxnSpMkLst>
+            <pc:docMk/>
+            <pc:sldMk cId="377353606" sldId="258"/>
+            <ac:cxnSpMk id="43" creationId="{8A0DE689-9E1E-AC2E-61E9-364EA3E05896}"/>
+          </ac:cxnSpMkLst>
+        </pc:cxnChg>
+        <pc:cxnChg chg="add del mod">
+          <ac:chgData name="Catrine Ullerup Frølund" userId="92c20c5a-1f4b-4872-a668-a3be51ca8b48" providerId="ADAL" clId="{70B25159-5254-46AD-93B3-4FA3BA757574}" dt="2023-01-12T07:33:13.995" v="499" actId="478"/>
+          <ac:cxnSpMkLst>
+            <pc:docMk/>
+            <pc:sldMk cId="377353606" sldId="258"/>
+            <ac:cxnSpMk id="44" creationId="{26683DA9-33B3-EF24-2341-93D36B266BBB}"/>
+          </ac:cxnSpMkLst>
+        </pc:cxnChg>
+        <pc:cxnChg chg="mod">
+          <ac:chgData name="Catrine Ullerup Frølund" userId="92c20c5a-1f4b-4872-a668-a3be51ca8b48" providerId="ADAL" clId="{70B25159-5254-46AD-93B3-4FA3BA757574}" dt="2023-01-12T07:23:30.338" v="430"/>
+          <ac:cxnSpMkLst>
+            <pc:docMk/>
+            <pc:sldMk cId="377353606" sldId="258"/>
+            <ac:cxnSpMk id="46" creationId="{49C24482-40E3-EC80-FA85-87A4D21D1B7F}"/>
+          </ac:cxnSpMkLst>
+        </pc:cxnChg>
+        <pc:cxnChg chg="mod">
+          <ac:chgData name="Catrine Ullerup Frølund" userId="92c20c5a-1f4b-4872-a668-a3be51ca8b48" providerId="ADAL" clId="{70B25159-5254-46AD-93B3-4FA3BA757574}" dt="2023-01-12T07:23:30.338" v="430"/>
+          <ac:cxnSpMkLst>
+            <pc:docMk/>
+            <pc:sldMk cId="377353606" sldId="258"/>
+            <ac:cxnSpMk id="50" creationId="{DABA44D4-E484-9E4E-FBA1-BB8EAC67A56B}"/>
+          </ac:cxnSpMkLst>
+        </pc:cxnChg>
+        <pc:cxnChg chg="mod">
+          <ac:chgData name="Catrine Ullerup Frølund" userId="92c20c5a-1f4b-4872-a668-a3be51ca8b48" providerId="ADAL" clId="{70B25159-5254-46AD-93B3-4FA3BA757574}" dt="2023-01-12T07:23:30.338" v="430"/>
+          <ac:cxnSpMkLst>
+            <pc:docMk/>
+            <pc:sldMk cId="377353606" sldId="258"/>
+            <ac:cxnSpMk id="58" creationId="{B58D72B3-5DC1-0689-8B58-C073DC38C436}"/>
+          </ac:cxnSpMkLst>
+        </pc:cxnChg>
+        <pc:cxnChg chg="mod">
+          <ac:chgData name="Catrine Ullerup Frølund" userId="92c20c5a-1f4b-4872-a668-a3be51ca8b48" providerId="ADAL" clId="{70B25159-5254-46AD-93B3-4FA3BA757574}" dt="2023-01-12T07:23:30.338" v="430"/>
+          <ac:cxnSpMkLst>
+            <pc:docMk/>
+            <pc:sldMk cId="377353606" sldId="258"/>
+            <ac:cxnSpMk id="59" creationId="{DA10456F-58F0-4FF6-D7A8-D9EF4B2D733C}"/>
+          </ac:cxnSpMkLst>
+        </pc:cxnChg>
+        <pc:cxnChg chg="mod">
+          <ac:chgData name="Catrine Ullerup Frølund" userId="92c20c5a-1f4b-4872-a668-a3be51ca8b48" providerId="ADAL" clId="{70B25159-5254-46AD-93B3-4FA3BA757574}" dt="2023-01-12T07:23:30.338" v="430"/>
+          <ac:cxnSpMkLst>
+            <pc:docMk/>
+            <pc:sldMk cId="377353606" sldId="258"/>
+            <ac:cxnSpMk id="60" creationId="{B2BDF12C-DD55-662E-C012-347D081E2DAE}"/>
+          </ac:cxnSpMkLst>
+        </pc:cxnChg>
+        <pc:cxnChg chg="mod">
+          <ac:chgData name="Catrine Ullerup Frølund" userId="92c20c5a-1f4b-4872-a668-a3be51ca8b48" providerId="ADAL" clId="{70B25159-5254-46AD-93B3-4FA3BA757574}" dt="2023-01-12T07:23:30.338" v="430"/>
+          <ac:cxnSpMkLst>
+            <pc:docMk/>
+            <pc:sldMk cId="377353606" sldId="258"/>
+            <ac:cxnSpMk id="61" creationId="{EE91371E-EDCF-B3F1-82CF-6B58D6496CFB}"/>
+          </ac:cxnSpMkLst>
+        </pc:cxnChg>
+        <pc:cxnChg chg="mod">
+          <ac:chgData name="Catrine Ullerup Frølund" userId="92c20c5a-1f4b-4872-a668-a3be51ca8b48" providerId="ADAL" clId="{70B25159-5254-46AD-93B3-4FA3BA757574}" dt="2023-01-12T07:23:30.338" v="430"/>
+          <ac:cxnSpMkLst>
+            <pc:docMk/>
+            <pc:sldMk cId="377353606" sldId="258"/>
+            <ac:cxnSpMk id="62" creationId="{15EAB7A1-4B34-BDCE-D415-75F0FF97E9F1}"/>
+          </ac:cxnSpMkLst>
+        </pc:cxnChg>
+        <pc:cxnChg chg="add del mod">
+          <ac:chgData name="Catrine Ullerup Frølund" userId="92c20c5a-1f4b-4872-a668-a3be51ca8b48" providerId="ADAL" clId="{70B25159-5254-46AD-93B3-4FA3BA757574}" dt="2023-01-12T07:30:48.619" v="457" actId="478"/>
+          <ac:cxnSpMkLst>
+            <pc:docMk/>
+            <pc:sldMk cId="377353606" sldId="258"/>
+            <ac:cxnSpMk id="71" creationId="{CEEF49C4-3260-6625-B5B8-D67EC0CE5088}"/>
+          </ac:cxnSpMkLst>
+        </pc:cxnChg>
+        <pc:cxnChg chg="add mod">
+          <ac:chgData name="Catrine Ullerup Frølund" userId="92c20c5a-1f4b-4872-a668-a3be51ca8b48" providerId="ADAL" clId="{70B25159-5254-46AD-93B3-4FA3BA757574}" dt="2023-01-12T07:44:44.929" v="621" actId="1076"/>
+          <ac:cxnSpMkLst>
+            <pc:docMk/>
+            <pc:sldMk cId="377353606" sldId="258"/>
+            <ac:cxnSpMk id="74" creationId="{2AC3EA16-33AB-DF92-3D2A-0E79AE359EA5}"/>
+          </ac:cxnSpMkLst>
+        </pc:cxnChg>
+        <pc:cxnChg chg="add del mod">
+          <ac:chgData name="Catrine Ullerup Frølund" userId="92c20c5a-1f4b-4872-a668-a3be51ca8b48" providerId="ADAL" clId="{70B25159-5254-46AD-93B3-4FA3BA757574}" dt="2023-01-12T07:35:33.164" v="515" actId="478"/>
+          <ac:cxnSpMkLst>
+            <pc:docMk/>
+            <pc:sldMk cId="377353606" sldId="258"/>
+            <ac:cxnSpMk id="84" creationId="{70B8B365-76C2-D474-5ADB-56E96CD2BB4B}"/>
+          </ac:cxnSpMkLst>
+        </pc:cxnChg>
+        <pc:cxnChg chg="add mod">
+          <ac:chgData name="Catrine Ullerup Frølund" userId="92c20c5a-1f4b-4872-a668-a3be51ca8b48" providerId="ADAL" clId="{70B25159-5254-46AD-93B3-4FA3BA757574}" dt="2023-01-12T07:41:38.916" v="550" actId="164"/>
+          <ac:cxnSpMkLst>
+            <pc:docMk/>
+            <pc:sldMk cId="377353606" sldId="258"/>
+            <ac:cxnSpMk id="88" creationId="{74E0E50B-AFCA-7720-4A9A-ED7E94033A0F}"/>
+          </ac:cxnSpMkLst>
+        </pc:cxnChg>
+        <pc:cxnChg chg="add mod">
+          <ac:chgData name="Catrine Ullerup Frølund" userId="92c20c5a-1f4b-4872-a668-a3be51ca8b48" providerId="ADAL" clId="{70B25159-5254-46AD-93B3-4FA3BA757574}" dt="2023-01-12T07:45:18.971" v="627" actId="1076"/>
+          <ac:cxnSpMkLst>
+            <pc:docMk/>
+            <pc:sldMk cId="377353606" sldId="258"/>
+            <ac:cxnSpMk id="92" creationId="{89E70C9A-A0D9-0039-C5A0-22D285C278C3}"/>
+          </ac:cxnSpMkLst>
+        </pc:cxnChg>
+        <pc:cxnChg chg="add del mod">
+          <ac:chgData name="Catrine Ullerup Frølund" userId="92c20c5a-1f4b-4872-a668-a3be51ca8b48" providerId="ADAL" clId="{70B25159-5254-46AD-93B3-4FA3BA757574}" dt="2023-01-12T07:45:29.953" v="630" actId="478"/>
+          <ac:cxnSpMkLst>
+            <pc:docMk/>
+            <pc:sldMk cId="377353606" sldId="258"/>
+            <ac:cxnSpMk id="98" creationId="{DF1F4071-316B-BE16-05A7-90F526924CAD}"/>
+          </ac:cxnSpMkLst>
+        </pc:cxnChg>
+        <pc:cxnChg chg="add del mod">
+          <ac:chgData name="Catrine Ullerup Frølund" userId="92c20c5a-1f4b-4872-a668-a3be51ca8b48" providerId="ADAL" clId="{70B25159-5254-46AD-93B3-4FA3BA757574}" dt="2023-01-12T07:45:42.252" v="640" actId="478"/>
+          <ac:cxnSpMkLst>
+            <pc:docMk/>
+            <pc:sldMk cId="377353606" sldId="258"/>
+            <ac:cxnSpMk id="99" creationId="{8EF98432-8C53-3B3A-F12A-3182FBA607DF}"/>
+          </ac:cxnSpMkLst>
+        </pc:cxnChg>
+        <pc:cxnChg chg="add del mod">
+          <ac:chgData name="Catrine Ullerup Frølund" userId="92c20c5a-1f4b-4872-a668-a3be51ca8b48" providerId="ADAL" clId="{70B25159-5254-46AD-93B3-4FA3BA757574}" dt="2023-01-12T07:45:35.374" v="633" actId="478"/>
+          <ac:cxnSpMkLst>
+            <pc:docMk/>
+            <pc:sldMk cId="377353606" sldId="258"/>
+            <ac:cxnSpMk id="100" creationId="{1EB5CA9F-0017-EFE2-20AA-E55D57975A02}"/>
+          </ac:cxnSpMkLst>
+        </pc:cxnChg>
+        <pc:cxnChg chg="mod">
+          <ac:chgData name="Catrine Ullerup Frølund" userId="92c20c5a-1f4b-4872-a668-a3be51ca8b48" providerId="ADAL" clId="{70B25159-5254-46AD-93B3-4FA3BA757574}" dt="2023-01-12T07:43:32.310" v="609"/>
+          <ac:cxnSpMkLst>
+            <pc:docMk/>
+            <pc:sldMk cId="377353606" sldId="258"/>
+            <ac:cxnSpMk id="102" creationId="{603B8C06-028B-2F51-3C40-FBE1C11AEFF0}"/>
+          </ac:cxnSpMkLst>
+        </pc:cxnChg>
+        <pc:cxnChg chg="mod">
+          <ac:chgData name="Catrine Ullerup Frølund" userId="92c20c5a-1f4b-4872-a668-a3be51ca8b48" providerId="ADAL" clId="{70B25159-5254-46AD-93B3-4FA3BA757574}" dt="2023-01-12T07:43:32.310" v="609"/>
+          <ac:cxnSpMkLst>
+            <pc:docMk/>
+            <pc:sldMk cId="377353606" sldId="258"/>
+            <ac:cxnSpMk id="106" creationId="{134BA8E5-70E8-BEC1-6DA0-98088A511C07}"/>
+          </ac:cxnSpMkLst>
+        </pc:cxnChg>
+        <pc:cxnChg chg="mod">
+          <ac:chgData name="Catrine Ullerup Frølund" userId="92c20c5a-1f4b-4872-a668-a3be51ca8b48" providerId="ADAL" clId="{70B25159-5254-46AD-93B3-4FA3BA757574}" dt="2023-01-12T07:43:32.310" v="609"/>
+          <ac:cxnSpMkLst>
+            <pc:docMk/>
+            <pc:sldMk cId="377353606" sldId="258"/>
+            <ac:cxnSpMk id="109" creationId="{1447C52A-30EE-7837-C5B0-776CA500A274}"/>
+          </ac:cxnSpMkLst>
+        </pc:cxnChg>
+        <pc:cxnChg chg="mod">
+          <ac:chgData name="Catrine Ullerup Frølund" userId="92c20c5a-1f4b-4872-a668-a3be51ca8b48" providerId="ADAL" clId="{70B25159-5254-46AD-93B3-4FA3BA757574}" dt="2023-01-12T07:43:32.310" v="609"/>
+          <ac:cxnSpMkLst>
+            <pc:docMk/>
+            <pc:sldMk cId="377353606" sldId="258"/>
+            <ac:cxnSpMk id="114" creationId="{48D15F7F-A485-D8E6-C9DB-CDF24FB0A701}"/>
+          </ac:cxnSpMkLst>
+        </pc:cxnChg>
+        <pc:cxnChg chg="mod">
+          <ac:chgData name="Catrine Ullerup Frølund" userId="92c20c5a-1f4b-4872-a668-a3be51ca8b48" providerId="ADAL" clId="{70B25159-5254-46AD-93B3-4FA3BA757574}" dt="2023-01-12T07:43:32.310" v="609"/>
+          <ac:cxnSpMkLst>
+            <pc:docMk/>
+            <pc:sldMk cId="377353606" sldId="258"/>
+            <ac:cxnSpMk id="115" creationId="{E08631F3-26A1-2C67-69DA-B408B3218617}"/>
+          </ac:cxnSpMkLst>
+        </pc:cxnChg>
+        <pc:cxnChg chg="mod">
+          <ac:chgData name="Catrine Ullerup Frølund" userId="92c20c5a-1f4b-4872-a668-a3be51ca8b48" providerId="ADAL" clId="{70B25159-5254-46AD-93B3-4FA3BA757574}" dt="2023-01-12T07:43:32.310" v="609"/>
+          <ac:cxnSpMkLst>
+            <pc:docMk/>
+            <pc:sldMk cId="377353606" sldId="258"/>
+            <ac:cxnSpMk id="116" creationId="{AF4ACD5F-7611-7C55-12F4-39752B73CD38}"/>
+          </ac:cxnSpMkLst>
+        </pc:cxnChg>
+        <pc:cxnChg chg="mod">
+          <ac:chgData name="Catrine Ullerup Frølund" userId="92c20c5a-1f4b-4872-a668-a3be51ca8b48" providerId="ADAL" clId="{70B25159-5254-46AD-93B3-4FA3BA757574}" dt="2023-01-12T07:43:32.310" v="609"/>
+          <ac:cxnSpMkLst>
+            <pc:docMk/>
+            <pc:sldMk cId="377353606" sldId="258"/>
+            <ac:cxnSpMk id="117" creationId="{CDF16560-486E-D11A-4069-4C3CDB957E35}"/>
+          </ac:cxnSpMkLst>
+        </pc:cxnChg>
+        <pc:cxnChg chg="mod">
+          <ac:chgData name="Catrine Ullerup Frølund" userId="92c20c5a-1f4b-4872-a668-a3be51ca8b48" providerId="ADAL" clId="{70B25159-5254-46AD-93B3-4FA3BA757574}" dt="2023-01-12T07:43:32.310" v="609"/>
+          <ac:cxnSpMkLst>
+            <pc:docMk/>
+            <pc:sldMk cId="377353606" sldId="258"/>
+            <ac:cxnSpMk id="118" creationId="{F9563217-66D2-B32D-B596-9AB9BD89901D}"/>
+          </ac:cxnSpMkLst>
+        </pc:cxnChg>
+        <pc:cxnChg chg="add del mod">
+          <ac:chgData name="Catrine Ullerup Frølund" userId="92c20c5a-1f4b-4872-a668-a3be51ca8b48" providerId="ADAL" clId="{70B25159-5254-46AD-93B3-4FA3BA757574}" dt="2023-01-12T07:45:49.800" v="643" actId="478"/>
+          <ac:cxnSpMkLst>
+            <pc:docMk/>
+            <pc:sldMk cId="377353606" sldId="258"/>
+            <ac:cxnSpMk id="125" creationId="{3966AC17-7681-C808-ECAF-741B0DDB6E7F}"/>
+          </ac:cxnSpMkLst>
+        </pc:cxnChg>
+        <pc:cxnChg chg="del mod topLvl">
+          <ac:chgData name="Catrine Ullerup Frølund" userId="92c20c5a-1f4b-4872-a668-a3be51ca8b48" providerId="ADAL" clId="{70B25159-5254-46AD-93B3-4FA3BA757574}" dt="2023-01-12T07:45:39.405" v="636" actId="478"/>
+          <ac:cxnSpMkLst>
+            <pc:docMk/>
+            <pc:sldMk cId="377353606" sldId="258"/>
+            <ac:cxnSpMk id="130" creationId="{7735D9E1-8DCB-C5BF-AE03-9B3BF39BB5BE}"/>
+          </ac:cxnSpMkLst>
+        </pc:cxnChg>
+        <pc:cxnChg chg="add del mod">
+          <ac:chgData name="Catrine Ullerup Frølund" userId="92c20c5a-1f4b-4872-a668-a3be51ca8b48" providerId="ADAL" clId="{70B25159-5254-46AD-93B3-4FA3BA757574}" dt="2023-01-12T07:45:34.471" v="632" actId="478"/>
+          <ac:cxnSpMkLst>
+            <pc:docMk/>
+            <pc:sldMk cId="377353606" sldId="258"/>
+            <ac:cxnSpMk id="132" creationId="{362FB943-B816-CB5E-A420-3E4DD4CA6DE9}"/>
+          </ac:cxnSpMkLst>
+        </pc:cxnChg>
+      </pc:sldChg>
+    </pc:docChg>
+  </pc:docChgLst>
+</pc:chgInfo>
 </file>
 
 <file path=ppt/slideLayouts/slideLayout1.xml><?xml version="1.0" encoding="utf-8"?>
@@ -3335,22 +4841,22 @@
         </p:nvSpPr>
         <p:spPr>
           <a:xfrm>
-            <a:off x="1674254" y="3084490"/>
-            <a:ext cx="7205729" cy="160986"/>
+            <a:off x="6268554" y="2688647"/>
+            <a:ext cx="4958658" cy="110794"/>
           </a:xfrm>
           <a:prstGeom prst="rect">
             <a:avLst/>
           </a:prstGeom>
         </p:spPr>
         <p:style>
-          <a:lnRef idx="2">
-            <a:schemeClr val="accent6"/>
+          <a:lnRef idx="1">
+            <a:schemeClr val="accent5"/>
           </a:lnRef>
-          <a:fillRef idx="1">
-            <a:schemeClr val="lt1"/>
+          <a:fillRef idx="2">
+            <a:schemeClr val="accent5"/>
           </a:fillRef>
-          <a:effectRef idx="0">
-            <a:schemeClr val="accent6"/>
+          <a:effectRef idx="1">
+            <a:schemeClr val="accent5"/>
           </a:effectRef>
           <a:fontRef idx="minor">
             <a:schemeClr val="dk1"/>
@@ -3367,10 +4873,10 @@
       </p:sp>
       <p:cxnSp>
         <p:nvCxnSpPr>
-          <p:cNvPr id="7" name="Lige pilforbindelse 6">
-            <a:extLst>
-              <a:ext uri="{FF2B5EF4-FFF2-40B4-BE49-F238E27FC236}">
-                <a16:creationId xmlns:a16="http://schemas.microsoft.com/office/drawing/2014/main" id="{2A131196-EF80-CBD3-779F-04AACF0B3187}"/>
+          <p:cNvPr id="10" name="Lige pilforbindelse 9">
+            <a:extLst>
+              <a:ext uri="{FF2B5EF4-FFF2-40B4-BE49-F238E27FC236}">
+                <a16:creationId xmlns:a16="http://schemas.microsoft.com/office/drawing/2014/main" id="{49627E71-2A5F-0FEA-D296-0DD71B5E0D94}"/>
               </a:ext>
             </a:extLst>
           </p:cNvPr>
@@ -3381,7 +4887,7 @@
         </p:nvCxnSpPr>
         <p:spPr>
           <a:xfrm flipV="1">
-            <a:off x="1691157" y="2348345"/>
+            <a:off x="11225579" y="3153214"/>
             <a:ext cx="0" cy="680605"/>
           </a:xfrm>
           <a:prstGeom prst="straightConnector1">
@@ -3408,92 +4914,10 @@
       </p:cxnSp>
       <p:cxnSp>
         <p:nvCxnSpPr>
-          <p:cNvPr id="9" name="Lige pilforbindelse 8">
-            <a:extLst>
-              <a:ext uri="{FF2B5EF4-FFF2-40B4-BE49-F238E27FC236}">
-                <a16:creationId xmlns:a16="http://schemas.microsoft.com/office/drawing/2014/main" id="{A70BADB7-26BD-92AF-5575-1E08A174CE88}"/>
-              </a:ext>
-            </a:extLst>
-          </p:cNvPr>
-          <p:cNvCxnSpPr>
-            <a:cxnSpLocks/>
-          </p:cNvCxnSpPr>
-          <p:nvPr/>
-        </p:nvCxnSpPr>
-        <p:spPr>
-          <a:xfrm flipV="1">
-            <a:off x="5072495" y="3290454"/>
-            <a:ext cx="0" cy="680605"/>
-          </a:xfrm>
-          <a:prstGeom prst="straightConnector1">
-            <a:avLst/>
-          </a:prstGeom>
-          <a:ln>
-            <a:tailEnd type="triangle"/>
-          </a:ln>
-        </p:spPr>
-        <p:style>
-          <a:lnRef idx="3">
-            <a:schemeClr val="accent1"/>
-          </a:lnRef>
-          <a:fillRef idx="0">
-            <a:schemeClr val="accent1"/>
-          </a:fillRef>
-          <a:effectRef idx="2">
-            <a:schemeClr val="accent1"/>
-          </a:effectRef>
-          <a:fontRef idx="minor">
-            <a:schemeClr val="tx1"/>
-          </a:fontRef>
-        </p:style>
-      </p:cxnSp>
-      <p:cxnSp>
-        <p:nvCxnSpPr>
-          <p:cNvPr id="10" name="Lige pilforbindelse 9">
-            <a:extLst>
-              <a:ext uri="{FF2B5EF4-FFF2-40B4-BE49-F238E27FC236}">
-                <a16:creationId xmlns:a16="http://schemas.microsoft.com/office/drawing/2014/main" id="{49627E71-2A5F-0FEA-D296-0DD71B5E0D94}"/>
-              </a:ext>
-            </a:extLst>
-          </p:cNvPr>
-          <p:cNvCxnSpPr>
-            <a:cxnSpLocks/>
-          </p:cNvCxnSpPr>
-          <p:nvPr/>
-        </p:nvCxnSpPr>
-        <p:spPr>
-          <a:xfrm flipV="1">
-            <a:off x="8879983" y="3290454"/>
-            <a:ext cx="0" cy="680605"/>
-          </a:xfrm>
-          <a:prstGeom prst="straightConnector1">
-            <a:avLst/>
-          </a:prstGeom>
-          <a:ln>
-            <a:tailEnd type="triangle"/>
-          </a:ln>
-        </p:spPr>
-        <p:style>
-          <a:lnRef idx="3">
-            <a:schemeClr val="accent1"/>
-          </a:lnRef>
-          <a:fillRef idx="0">
-            <a:schemeClr val="accent1"/>
-          </a:fillRef>
-          <a:effectRef idx="2">
-            <a:schemeClr val="accent1"/>
-          </a:effectRef>
-          <a:fontRef idx="minor">
-            <a:schemeClr val="tx1"/>
-          </a:fontRef>
-        </p:style>
-      </p:cxnSp>
-      <p:cxnSp>
-        <p:nvCxnSpPr>
-          <p:cNvPr id="11" name="Lige pilforbindelse 10">
-            <a:extLst>
-              <a:ext uri="{FF2B5EF4-FFF2-40B4-BE49-F238E27FC236}">
-                <a16:creationId xmlns:a16="http://schemas.microsoft.com/office/drawing/2014/main" id="{43F0FC2B-E3E4-AB84-7C52-668168C36C7B}"/>
+          <p:cNvPr id="14" name="Lige pilforbindelse 13">
+            <a:extLst>
+              <a:ext uri="{FF2B5EF4-FFF2-40B4-BE49-F238E27FC236}">
+                <a16:creationId xmlns:a16="http://schemas.microsoft.com/office/drawing/2014/main" id="{D6D9E37C-1D3D-A389-2C7C-F72A9C48671E}"/>
               </a:ext>
             </a:extLst>
           </p:cNvPr>
@@ -3504,49 +4928,8 @@
         </p:nvCxnSpPr>
         <p:spPr>
           <a:xfrm>
-            <a:off x="6599959" y="3164983"/>
-            <a:ext cx="0" cy="606917"/>
-          </a:xfrm>
-          <a:prstGeom prst="straightConnector1">
-            <a:avLst/>
-          </a:prstGeom>
-          <a:ln>
-            <a:tailEnd type="triangle"/>
-          </a:ln>
-        </p:spPr>
-        <p:style>
-          <a:lnRef idx="3">
-            <a:schemeClr val="accent1"/>
-          </a:lnRef>
-          <a:fillRef idx="0">
-            <a:schemeClr val="accent1"/>
-          </a:fillRef>
-          <a:effectRef idx="2">
-            <a:schemeClr val="accent1"/>
-          </a:effectRef>
-          <a:fontRef idx="minor">
-            <a:schemeClr val="tx1"/>
-          </a:fontRef>
-        </p:style>
-      </p:cxnSp>
-      <p:cxnSp>
-        <p:nvCxnSpPr>
-          <p:cNvPr id="14" name="Lige pilforbindelse 13">
-            <a:extLst>
-              <a:ext uri="{FF2B5EF4-FFF2-40B4-BE49-F238E27FC236}">
-                <a16:creationId xmlns:a16="http://schemas.microsoft.com/office/drawing/2014/main" id="{D6D9E37C-1D3D-A389-2C7C-F72A9C48671E}"/>
-              </a:ext>
-            </a:extLst>
-          </p:cNvPr>
-          <p:cNvCxnSpPr>
-            <a:cxnSpLocks/>
-          </p:cNvCxnSpPr>
-          <p:nvPr/>
-        </p:nvCxnSpPr>
-        <p:spPr>
-          <a:xfrm>
-            <a:off x="1776845" y="5049981"/>
-            <a:ext cx="4727864" cy="0"/>
+            <a:off x="6324603" y="4992831"/>
+            <a:ext cx="2990409" cy="0"/>
           </a:xfrm>
           <a:prstGeom prst="straightConnector1">
             <a:avLst/>
@@ -3587,8 +4970,8 @@
         </p:nvCxnSpPr>
         <p:spPr>
           <a:xfrm>
-            <a:off x="1776845" y="5342658"/>
-            <a:ext cx="7019060" cy="0"/>
+            <a:off x="6324603" y="5256934"/>
+            <a:ext cx="4797220" cy="0"/>
           </a:xfrm>
           <a:prstGeom prst="straightConnector1">
             <a:avLst/>
@@ -3629,8 +5012,8 @@
         </p:nvCxnSpPr>
         <p:spPr>
           <a:xfrm>
-            <a:off x="1696353" y="3429000"/>
-            <a:ext cx="0" cy="2249632"/>
+            <a:off x="6272153" y="2872447"/>
+            <a:ext cx="10054" cy="2456791"/>
           </a:xfrm>
           <a:prstGeom prst="line">
             <a:avLst/>
@@ -3676,8 +5059,8 @@
         </p:nvCxnSpPr>
         <p:spPr>
           <a:xfrm>
-            <a:off x="1776845" y="4739986"/>
-            <a:ext cx="3236769" cy="0"/>
+            <a:off x="6343219" y="4687542"/>
+            <a:ext cx="2454198" cy="0"/>
           </a:xfrm>
           <a:prstGeom prst="straightConnector1">
             <a:avLst/>
@@ -3702,46 +5085,108 @@
           </a:fontRef>
         </p:style>
       </p:cxnSp>
-      <p:sp>
-        <p:nvSpPr>
-          <p:cNvPr id="24" name="Tekstfelt 23">
-            <a:extLst>
-              <a:ext uri="{FF2B5EF4-FFF2-40B4-BE49-F238E27FC236}">
-                <a16:creationId xmlns:a16="http://schemas.microsoft.com/office/drawing/2014/main" id="{3FE7FEE6-53A9-D969-20C0-1016BEA60D8F}"/>
-              </a:ext>
-            </a:extLst>
-          </p:cNvPr>
-          <p:cNvSpPr txBox="1"/>
+      <p:grpSp>
+        <p:nvGrpSpPr>
+          <p:cNvPr id="88" name="Gruppe 87">
+            <a:extLst>
+              <a:ext uri="{FF2B5EF4-FFF2-40B4-BE49-F238E27FC236}">
+                <a16:creationId xmlns:a16="http://schemas.microsoft.com/office/drawing/2014/main" id="{23F0BF7A-66D0-0CFC-DF4F-16E2D4E1140A}"/>
+              </a:ext>
+            </a:extLst>
+          </p:cNvPr>
+          <p:cNvGrpSpPr/>
           <p:nvPr/>
-        </p:nvSpPr>
-        <p:spPr>
+        </p:nvGrpSpPr>
+        <p:grpSpPr>
           <a:xfrm>
-            <a:off x="1548246" y="1871003"/>
-            <a:ext cx="370614" cy="369332"/>
+            <a:off x="6139296" y="1480277"/>
+            <a:ext cx="370614" cy="1157947"/>
+            <a:chOff x="1548246" y="1871003"/>
+            <a:chExt cx="370614" cy="1157947"/>
           </a:xfrm>
-          <a:prstGeom prst="rect">
-            <a:avLst/>
-          </a:prstGeom>
-          <a:noFill/>
-        </p:spPr>
-        <p:txBody>
-          <a:bodyPr wrap="none" rtlCol="0">
-            <a:spAutoFit/>
-          </a:bodyPr>
-          <a:lstStyle/>
-          <a:p>
-            <a:r>
-              <a:rPr lang="da-DK" dirty="0" err="1"/>
-              <a:t>F</a:t>
-            </a:r>
-            <a:r>
-              <a:rPr lang="da-DK" baseline="-25000" dirty="0" err="1"/>
-              <a:t>p</a:t>
-            </a:r>
-            <a:endParaRPr lang="da-DK" dirty="0"/>
-          </a:p>
-        </p:txBody>
-      </p:sp>
+        </p:grpSpPr>
+        <p:cxnSp>
+          <p:nvCxnSpPr>
+            <p:cNvPr id="7" name="Lige pilforbindelse 6">
+              <a:extLst>
+                <a:ext uri="{FF2B5EF4-FFF2-40B4-BE49-F238E27FC236}">
+                  <a16:creationId xmlns:a16="http://schemas.microsoft.com/office/drawing/2014/main" id="{2A131196-EF80-CBD3-779F-04AACF0B3187}"/>
+                </a:ext>
+              </a:extLst>
+            </p:cNvPr>
+            <p:cNvCxnSpPr>
+              <a:cxnSpLocks/>
+            </p:cNvCxnSpPr>
+            <p:nvPr/>
+          </p:nvCxnSpPr>
+          <p:spPr>
+            <a:xfrm flipV="1">
+              <a:off x="1691157" y="2348345"/>
+              <a:ext cx="0" cy="680605"/>
+            </a:xfrm>
+            <a:prstGeom prst="straightConnector1">
+              <a:avLst/>
+            </a:prstGeom>
+            <a:ln>
+              <a:tailEnd type="triangle"/>
+            </a:ln>
+          </p:spPr>
+          <p:style>
+            <a:lnRef idx="3">
+              <a:schemeClr val="accent1"/>
+            </a:lnRef>
+            <a:fillRef idx="0">
+              <a:schemeClr val="accent1"/>
+            </a:fillRef>
+            <a:effectRef idx="2">
+              <a:schemeClr val="accent1"/>
+            </a:effectRef>
+            <a:fontRef idx="minor">
+              <a:schemeClr val="tx1"/>
+            </a:fontRef>
+          </p:style>
+        </p:cxnSp>
+        <p:sp>
+          <p:nvSpPr>
+            <p:cNvPr id="24" name="Tekstfelt 23">
+              <a:extLst>
+                <a:ext uri="{FF2B5EF4-FFF2-40B4-BE49-F238E27FC236}">
+                  <a16:creationId xmlns:a16="http://schemas.microsoft.com/office/drawing/2014/main" id="{3FE7FEE6-53A9-D969-20C0-1016BEA60D8F}"/>
+                </a:ext>
+              </a:extLst>
+            </p:cNvPr>
+            <p:cNvSpPr txBox="1"/>
+            <p:nvPr/>
+          </p:nvSpPr>
+          <p:spPr>
+            <a:xfrm>
+              <a:off x="1548246" y="1871003"/>
+              <a:ext cx="370614" cy="369332"/>
+            </a:xfrm>
+            <a:prstGeom prst="rect">
+              <a:avLst/>
+            </a:prstGeom>
+            <a:noFill/>
+          </p:spPr>
+          <p:txBody>
+            <a:bodyPr wrap="none" rtlCol="0">
+              <a:spAutoFit/>
+            </a:bodyPr>
+            <a:lstStyle/>
+            <a:p>
+              <a:r>
+                <a:rPr lang="da-DK" dirty="0" err="1"/>
+                <a:t>F</a:t>
+              </a:r>
+              <a:r>
+                <a:rPr lang="da-DK" baseline="-25000" dirty="0" err="1"/>
+                <a:t>p</a:t>
+              </a:r>
+              <a:endParaRPr lang="da-DK" dirty="0"/>
+            </a:p>
+          </p:txBody>
+        </p:sp>
+      </p:grpSp>
       <p:cxnSp>
         <p:nvCxnSpPr>
           <p:cNvPr id="25" name="Lige forbindelse 24">
@@ -3753,60 +5198,14 @@
           </p:cNvPr>
           <p:cNvCxnSpPr>
             <a:cxnSpLocks/>
+            <a:stCxn id="41" idx="2"/>
           </p:cNvCxnSpPr>
           <p:nvPr/>
         </p:nvCxnSpPr>
         <p:spPr>
           <a:xfrm>
-            <a:off x="5082057" y="4307032"/>
-            <a:ext cx="0" cy="432954"/>
-          </a:xfrm>
-          <a:prstGeom prst="line">
-            <a:avLst/>
-          </a:prstGeom>
-          <a:ln w="9525" cap="flat" cmpd="sng" algn="ctr">
-            <a:solidFill>
-              <a:schemeClr val="dk1"/>
-            </a:solidFill>
-            <a:prstDash val="dash"/>
-            <a:round/>
-            <a:headEnd type="none" w="med" len="med"/>
-            <a:tailEnd type="none" w="med" len="med"/>
-          </a:ln>
-        </p:spPr>
-        <p:style>
-          <a:lnRef idx="0">
-            <a:scrgbClr r="0" g="0" b="0"/>
-          </a:lnRef>
-          <a:fillRef idx="0">
-            <a:scrgbClr r="0" g="0" b="0"/>
-          </a:fillRef>
-          <a:effectRef idx="0">
-            <a:scrgbClr r="0" g="0" b="0"/>
-          </a:effectRef>
-          <a:fontRef idx="minor">
-            <a:schemeClr val="tx1"/>
-          </a:fontRef>
-        </p:style>
-      </p:cxnSp>
-      <p:cxnSp>
-        <p:nvCxnSpPr>
-          <p:cNvPr id="27" name="Lige forbindelse 26">
-            <a:extLst>
-              <a:ext uri="{FF2B5EF4-FFF2-40B4-BE49-F238E27FC236}">
-                <a16:creationId xmlns:a16="http://schemas.microsoft.com/office/drawing/2014/main" id="{29780A0D-DC32-3BCE-D8CA-5E9F90FCAB2F}"/>
-              </a:ext>
-            </a:extLst>
-          </p:cNvPr>
-          <p:cNvCxnSpPr>
-            <a:cxnSpLocks/>
-          </p:cNvCxnSpPr>
-          <p:nvPr/>
-        </p:nvCxnSpPr>
-        <p:spPr>
-          <a:xfrm>
-            <a:off x="6599959" y="4307032"/>
-            <a:ext cx="0" cy="742949"/>
+            <a:off x="8870589" y="4058560"/>
+            <a:ext cx="11186" cy="739896"/>
           </a:xfrm>
           <a:prstGeom prst="line">
             <a:avLst/>
@@ -3851,9 +5250,9 @@
           <p:nvPr/>
         </p:nvCxnSpPr>
         <p:spPr>
-          <a:xfrm>
-            <a:off x="8876396" y="4447309"/>
-            <a:ext cx="0" cy="961159"/>
+          <a:xfrm flipH="1">
+            <a:off x="11223579" y="4223038"/>
+            <a:ext cx="1609" cy="1033896"/>
           </a:xfrm>
           <a:prstGeom prst="line">
             <a:avLst/>
@@ -3899,8 +5298,1834 @@
         </p:nvCxnSpPr>
         <p:spPr>
           <a:xfrm>
-            <a:off x="6599959" y="4177600"/>
-            <a:ext cx="0" cy="872381"/>
+            <a:off x="9350128" y="3943890"/>
+            <a:ext cx="0" cy="947524"/>
+          </a:xfrm>
+          <a:prstGeom prst="line">
+            <a:avLst/>
+          </a:prstGeom>
+          <a:ln w="9525" cap="flat" cmpd="sng" algn="ctr">
+            <a:solidFill>
+              <a:schemeClr val="dk1"/>
+            </a:solidFill>
+            <a:prstDash val="dash"/>
+            <a:round/>
+            <a:headEnd type="none" w="med" len="med"/>
+            <a:tailEnd type="none" w="med" len="med"/>
+          </a:ln>
+        </p:spPr>
+        <p:style>
+          <a:lnRef idx="0">
+            <a:scrgbClr r="0" g="0" b="0"/>
+          </a:lnRef>
+          <a:fillRef idx="0">
+            <a:scrgbClr r="0" g="0" b="0"/>
+          </a:fillRef>
+          <a:effectRef idx="0">
+            <a:scrgbClr r="0" g="0" b="0"/>
+          </a:effectRef>
+          <a:fontRef idx="minor">
+            <a:schemeClr val="tx1"/>
+          </a:fontRef>
+        </p:style>
+      </p:cxnSp>
+      <p:grpSp>
+        <p:nvGrpSpPr>
+          <p:cNvPr id="95" name="Gruppe 94">
+            <a:extLst>
+              <a:ext uri="{FF2B5EF4-FFF2-40B4-BE49-F238E27FC236}">
+                <a16:creationId xmlns:a16="http://schemas.microsoft.com/office/drawing/2014/main" id="{70339A27-952D-3C81-C359-87FBAE2D2F28}"/>
+              </a:ext>
+            </a:extLst>
+          </p:cNvPr>
+          <p:cNvGrpSpPr/>
+          <p:nvPr/>
+        </p:nvGrpSpPr>
+        <p:grpSpPr>
+          <a:xfrm>
+            <a:off x="8685282" y="3103588"/>
+            <a:ext cx="370614" cy="954972"/>
+            <a:chOff x="4928862" y="3603588"/>
+            <a:chExt cx="370614" cy="954972"/>
+          </a:xfrm>
+        </p:grpSpPr>
+        <p:cxnSp>
+          <p:nvCxnSpPr>
+            <p:cNvPr id="9" name="Lige pilforbindelse 8">
+              <a:extLst>
+                <a:ext uri="{FF2B5EF4-FFF2-40B4-BE49-F238E27FC236}">
+                  <a16:creationId xmlns:a16="http://schemas.microsoft.com/office/drawing/2014/main" id="{A70BADB7-26BD-92AF-5575-1E08A174CE88}"/>
+                </a:ext>
+              </a:extLst>
+            </p:cNvPr>
+            <p:cNvCxnSpPr>
+              <a:cxnSpLocks/>
+            </p:cNvCxnSpPr>
+            <p:nvPr/>
+          </p:nvCxnSpPr>
+          <p:spPr>
+            <a:xfrm flipV="1">
+              <a:off x="5127262" y="3603588"/>
+              <a:ext cx="0" cy="680605"/>
+            </a:xfrm>
+            <a:prstGeom prst="straightConnector1">
+              <a:avLst/>
+            </a:prstGeom>
+            <a:ln>
+              <a:tailEnd type="triangle"/>
+            </a:ln>
+          </p:spPr>
+          <p:style>
+            <a:lnRef idx="3">
+              <a:schemeClr val="accent1"/>
+            </a:lnRef>
+            <a:fillRef idx="0">
+              <a:schemeClr val="accent1"/>
+            </a:fillRef>
+            <a:effectRef idx="2">
+              <a:schemeClr val="accent1"/>
+            </a:effectRef>
+            <a:fontRef idx="minor">
+              <a:schemeClr val="tx1"/>
+            </a:fontRef>
+          </p:style>
+        </p:cxnSp>
+        <p:sp>
+          <p:nvSpPr>
+            <p:cNvPr id="41" name="Tekstfelt 40">
+              <a:extLst>
+                <a:ext uri="{FF2B5EF4-FFF2-40B4-BE49-F238E27FC236}">
+                  <a16:creationId xmlns:a16="http://schemas.microsoft.com/office/drawing/2014/main" id="{B32AC7C7-EBCC-226D-B5CB-601A31765C13}"/>
+                </a:ext>
+              </a:extLst>
+            </p:cNvPr>
+            <p:cNvSpPr txBox="1"/>
+            <p:nvPr/>
+          </p:nvSpPr>
+          <p:spPr>
+            <a:xfrm>
+              <a:off x="4928862" y="4189228"/>
+              <a:ext cx="370614" cy="369332"/>
+            </a:xfrm>
+            <a:prstGeom prst="rect">
+              <a:avLst/>
+            </a:prstGeom>
+            <a:noFill/>
+          </p:spPr>
+          <p:txBody>
+            <a:bodyPr wrap="none" rtlCol="0">
+              <a:spAutoFit/>
+            </a:bodyPr>
+            <a:lstStyle/>
+            <a:p>
+              <a:r>
+                <a:rPr lang="da-DK" dirty="0"/>
+                <a:t>F</a:t>
+              </a:r>
+              <a:r>
+                <a:rPr lang="da-DK" baseline="-25000" dirty="0"/>
+                <a:t>u</a:t>
+              </a:r>
+              <a:endParaRPr lang="da-DK" dirty="0"/>
+            </a:p>
+          </p:txBody>
+        </p:sp>
+      </p:grpSp>
+      <p:sp>
+        <p:nvSpPr>
+          <p:cNvPr id="42" name="Tekstfelt 41">
+            <a:extLst>
+              <a:ext uri="{FF2B5EF4-FFF2-40B4-BE49-F238E27FC236}">
+                <a16:creationId xmlns:a16="http://schemas.microsoft.com/office/drawing/2014/main" id="{D79CA433-3FF6-F3BF-BFF1-F85489A4A495}"/>
+              </a:ext>
+            </a:extLst>
+          </p:cNvPr>
+          <p:cNvSpPr txBox="1"/>
+          <p:nvPr/>
+        </p:nvSpPr>
+        <p:spPr>
+          <a:xfrm>
+            <a:off x="10725784" y="3798736"/>
+            <a:ext cx="1138260" cy="369332"/>
+          </a:xfrm>
+          <a:prstGeom prst="rect">
+            <a:avLst/>
+          </a:prstGeom>
+          <a:noFill/>
+        </p:spPr>
+        <p:txBody>
+          <a:bodyPr wrap="none" rtlCol="0">
+            <a:spAutoFit/>
+          </a:bodyPr>
+          <a:lstStyle/>
+          <a:p>
+            <a:r>
+              <a:rPr lang="da-DK" dirty="0" err="1"/>
+              <a:t>F</a:t>
+            </a:r>
+            <a:r>
+              <a:rPr lang="da-DK" baseline="-25000" dirty="0" err="1"/>
+              <a:t>v</a:t>
+            </a:r>
+            <a:r>
+              <a:rPr lang="da-DK" dirty="0"/>
+              <a:t>=</a:t>
+            </a:r>
+            <a:r>
+              <a:rPr lang="da-DK" dirty="0" err="1"/>
+              <a:t>F</a:t>
+            </a:r>
+            <a:r>
+              <a:rPr lang="da-DK" baseline="-25000" dirty="0" err="1"/>
+              <a:t>v,T</a:t>
+            </a:r>
+            <a:r>
+              <a:rPr lang="da-DK" dirty="0" err="1"/>
+              <a:t>+F</a:t>
+            </a:r>
+            <a:r>
+              <a:rPr lang="da-DK" baseline="-25000" dirty="0" err="1"/>
+              <a:t>v,p</a:t>
+            </a:r>
+            <a:endParaRPr lang="da-DK" dirty="0"/>
+          </a:p>
+        </p:txBody>
+      </p:sp>
+      <p:grpSp>
+        <p:nvGrpSpPr>
+          <p:cNvPr id="89" name="Gruppe 88">
+            <a:extLst>
+              <a:ext uri="{FF2B5EF4-FFF2-40B4-BE49-F238E27FC236}">
+                <a16:creationId xmlns:a16="http://schemas.microsoft.com/office/drawing/2014/main" id="{3E59F05F-22AD-35E9-5AF9-10B7F736A455}"/>
+              </a:ext>
+            </a:extLst>
+          </p:cNvPr>
+          <p:cNvGrpSpPr/>
+          <p:nvPr/>
+        </p:nvGrpSpPr>
+        <p:grpSpPr>
+          <a:xfrm>
+            <a:off x="9198273" y="2849864"/>
+            <a:ext cx="365806" cy="934892"/>
+            <a:chOff x="5608199" y="3226902"/>
+            <a:chExt cx="365806" cy="934892"/>
+          </a:xfrm>
+        </p:grpSpPr>
+        <p:cxnSp>
+          <p:nvCxnSpPr>
+            <p:cNvPr id="11" name="Lige pilforbindelse 10">
+              <a:extLst>
+                <a:ext uri="{FF2B5EF4-FFF2-40B4-BE49-F238E27FC236}">
+                  <a16:creationId xmlns:a16="http://schemas.microsoft.com/office/drawing/2014/main" id="{43F0FC2B-E3E4-AB84-7C52-668168C36C7B}"/>
+                </a:ext>
+              </a:extLst>
+            </p:cNvPr>
+            <p:cNvCxnSpPr>
+              <a:cxnSpLocks/>
+            </p:cNvCxnSpPr>
+            <p:nvPr/>
+          </p:nvCxnSpPr>
+          <p:spPr>
+            <a:xfrm>
+              <a:off x="5747918" y="3226902"/>
+              <a:ext cx="0" cy="606917"/>
+            </a:xfrm>
+            <a:prstGeom prst="straightConnector1">
+              <a:avLst/>
+            </a:prstGeom>
+            <a:ln>
+              <a:tailEnd type="triangle"/>
+            </a:ln>
+          </p:spPr>
+          <p:style>
+            <a:lnRef idx="3">
+              <a:schemeClr val="accent1"/>
+            </a:lnRef>
+            <a:fillRef idx="0">
+              <a:schemeClr val="accent1"/>
+            </a:fillRef>
+            <a:effectRef idx="2">
+              <a:schemeClr val="accent1"/>
+            </a:effectRef>
+            <a:fontRef idx="minor">
+              <a:schemeClr val="tx1"/>
+            </a:fontRef>
+          </p:style>
+        </p:cxnSp>
+        <p:sp>
+          <p:nvSpPr>
+            <p:cNvPr id="43" name="Tekstfelt 42">
+              <a:extLst>
+                <a:ext uri="{FF2B5EF4-FFF2-40B4-BE49-F238E27FC236}">
+                  <a16:creationId xmlns:a16="http://schemas.microsoft.com/office/drawing/2014/main" id="{A306B2B8-8554-9E4A-9541-6881CD07A73B}"/>
+                </a:ext>
+              </a:extLst>
+            </p:cNvPr>
+            <p:cNvSpPr txBox="1"/>
+            <p:nvPr/>
+          </p:nvSpPr>
+          <p:spPr>
+            <a:xfrm>
+              <a:off x="5608199" y="3792462"/>
+              <a:ext cx="365806" cy="369332"/>
+            </a:xfrm>
+            <a:prstGeom prst="rect">
+              <a:avLst/>
+            </a:prstGeom>
+            <a:noFill/>
+          </p:spPr>
+          <p:txBody>
+            <a:bodyPr wrap="none" rtlCol="0">
+              <a:spAutoFit/>
+            </a:bodyPr>
+            <a:lstStyle/>
+            <a:p>
+              <a:r>
+                <a:rPr lang="da-DK" dirty="0"/>
+                <a:t>F</a:t>
+              </a:r>
+              <a:r>
+                <a:rPr lang="da-DK" baseline="-25000" dirty="0"/>
+                <a:t>T</a:t>
+              </a:r>
+              <a:endParaRPr lang="da-DK" dirty="0"/>
+            </a:p>
+          </p:txBody>
+        </p:sp>
+      </p:grpSp>
+      <p:sp>
+        <p:nvSpPr>
+          <p:cNvPr id="44" name="Tekstfelt 43">
+            <a:extLst>
+              <a:ext uri="{FF2B5EF4-FFF2-40B4-BE49-F238E27FC236}">
+                <a16:creationId xmlns:a16="http://schemas.microsoft.com/office/drawing/2014/main" id="{5C31AB57-17E6-DC0B-1AC3-73CEFC926E6E}"/>
+              </a:ext>
+            </a:extLst>
+          </p:cNvPr>
+          <p:cNvSpPr txBox="1"/>
+          <p:nvPr/>
+        </p:nvSpPr>
+        <p:spPr>
+          <a:xfrm>
+            <a:off x="8686820" y="5264259"/>
+            <a:ext cx="282450" cy="369332"/>
+          </a:xfrm>
+          <a:prstGeom prst="rect">
+            <a:avLst/>
+          </a:prstGeom>
+          <a:noFill/>
+        </p:spPr>
+        <p:txBody>
+          <a:bodyPr wrap="none" rtlCol="0">
+            <a:spAutoFit/>
+          </a:bodyPr>
+          <a:lstStyle/>
+          <a:p>
+            <a:r>
+              <a:rPr lang="da-DK" dirty="0"/>
+              <a:t>L</a:t>
+            </a:r>
+          </a:p>
+        </p:txBody>
+      </p:sp>
+      <p:sp>
+        <p:nvSpPr>
+          <p:cNvPr id="45" name="Tekstfelt 44">
+            <a:extLst>
+              <a:ext uri="{FF2B5EF4-FFF2-40B4-BE49-F238E27FC236}">
+                <a16:creationId xmlns:a16="http://schemas.microsoft.com/office/drawing/2014/main" id="{620721B9-48E0-83C2-2168-D05010F86923}"/>
+              </a:ext>
+            </a:extLst>
+          </p:cNvPr>
+          <p:cNvSpPr txBox="1"/>
+          <p:nvPr/>
+        </p:nvSpPr>
+        <p:spPr>
+          <a:xfrm>
+            <a:off x="7357815" y="4370654"/>
+            <a:ext cx="413896" cy="369332"/>
+          </a:xfrm>
+          <a:prstGeom prst="rect">
+            <a:avLst/>
+          </a:prstGeom>
+          <a:noFill/>
+        </p:spPr>
+        <p:txBody>
+          <a:bodyPr wrap="none" rtlCol="0">
+            <a:spAutoFit/>
+          </a:bodyPr>
+          <a:lstStyle/>
+          <a:p>
+            <a:r>
+              <a:rPr lang="da-DK" dirty="0"/>
+              <a:t>αL</a:t>
+            </a:r>
+          </a:p>
+        </p:txBody>
+      </p:sp>
+      <p:sp>
+        <p:nvSpPr>
+          <p:cNvPr id="46" name="Tekstfelt 45">
+            <a:extLst>
+              <a:ext uri="{FF2B5EF4-FFF2-40B4-BE49-F238E27FC236}">
+                <a16:creationId xmlns:a16="http://schemas.microsoft.com/office/drawing/2014/main" id="{2AB866D0-02E1-907F-1452-0DC91F106B43}"/>
+              </a:ext>
+            </a:extLst>
+          </p:cNvPr>
+          <p:cNvSpPr txBox="1"/>
+          <p:nvPr/>
+        </p:nvSpPr>
+        <p:spPr>
+          <a:xfrm>
+            <a:off x="7607159" y="4704842"/>
+            <a:ext cx="405880" cy="369332"/>
+          </a:xfrm>
+          <a:prstGeom prst="rect">
+            <a:avLst/>
+          </a:prstGeom>
+          <a:noFill/>
+        </p:spPr>
+        <p:txBody>
+          <a:bodyPr wrap="none" rtlCol="0">
+            <a:spAutoFit/>
+          </a:bodyPr>
+          <a:lstStyle/>
+          <a:p>
+            <a:r>
+              <a:rPr lang="el-GR" dirty="0"/>
+              <a:t>β</a:t>
+            </a:r>
+            <a:r>
+              <a:rPr lang="da-DK" dirty="0"/>
+              <a:t>L</a:t>
+            </a:r>
+          </a:p>
+        </p:txBody>
+      </p:sp>
+      <p:grpSp>
+        <p:nvGrpSpPr>
+          <p:cNvPr id="83" name="Gruppe 82">
+            <a:extLst>
+              <a:ext uri="{FF2B5EF4-FFF2-40B4-BE49-F238E27FC236}">
+                <a16:creationId xmlns:a16="http://schemas.microsoft.com/office/drawing/2014/main" id="{6EA89A09-EABB-E623-EE7E-6BC49E7365EF}"/>
+              </a:ext>
+            </a:extLst>
+          </p:cNvPr>
+          <p:cNvGrpSpPr/>
+          <p:nvPr/>
+        </p:nvGrpSpPr>
+        <p:grpSpPr>
+          <a:xfrm>
+            <a:off x="8740267" y="2812684"/>
+            <a:ext cx="269039" cy="239975"/>
+            <a:chOff x="9189161" y="2813695"/>
+            <a:chExt cx="269039" cy="239975"/>
+          </a:xfrm>
+        </p:grpSpPr>
+        <p:sp>
+          <p:nvSpPr>
+            <p:cNvPr id="3" name="Ligebenet trekant 2">
+              <a:extLst>
+                <a:ext uri="{FF2B5EF4-FFF2-40B4-BE49-F238E27FC236}">
+                  <a16:creationId xmlns:a16="http://schemas.microsoft.com/office/drawing/2014/main" id="{1BA75822-9878-3C1B-0AFA-68563F61EB21}"/>
+                </a:ext>
+              </a:extLst>
+            </p:cNvPr>
+            <p:cNvSpPr/>
+            <p:nvPr/>
+          </p:nvSpPr>
+          <p:spPr>
+            <a:xfrm>
+              <a:off x="9203138" y="2813695"/>
+              <a:ext cx="255062" cy="171018"/>
+            </a:xfrm>
+            <a:prstGeom prst="triangle">
+              <a:avLst/>
+            </a:prstGeom>
+          </p:spPr>
+          <p:style>
+            <a:lnRef idx="2">
+              <a:schemeClr val="dk1"/>
+            </a:lnRef>
+            <a:fillRef idx="1">
+              <a:schemeClr val="lt1"/>
+            </a:fillRef>
+            <a:effectRef idx="0">
+              <a:schemeClr val="dk1"/>
+            </a:effectRef>
+            <a:fontRef idx="minor">
+              <a:schemeClr val="dk1"/>
+            </a:fontRef>
+          </p:style>
+          <p:txBody>
+            <a:bodyPr rtlCol="0" anchor="ctr"/>
+            <a:lstStyle/>
+            <a:p>
+              <a:pPr algn="ctr"/>
+              <a:endParaRPr lang="da-DK"/>
+            </a:p>
+          </p:txBody>
+        </p:sp>
+        <p:grpSp>
+          <p:nvGrpSpPr>
+            <p:cNvPr id="82" name="Gruppe 81">
+              <a:extLst>
+                <a:ext uri="{FF2B5EF4-FFF2-40B4-BE49-F238E27FC236}">
+                  <a16:creationId xmlns:a16="http://schemas.microsoft.com/office/drawing/2014/main" id="{F59CE4A2-E2E4-E2BB-8A3B-C4CE204D2D25}"/>
+                </a:ext>
+              </a:extLst>
+            </p:cNvPr>
+            <p:cNvGrpSpPr/>
+            <p:nvPr/>
+          </p:nvGrpSpPr>
+          <p:grpSpPr>
+            <a:xfrm>
+              <a:off x="9189161" y="3004230"/>
+              <a:ext cx="263423" cy="49440"/>
+              <a:chOff x="6215080" y="3443854"/>
+              <a:chExt cx="263423" cy="49440"/>
+            </a:xfrm>
+          </p:grpSpPr>
+          <p:cxnSp>
+            <p:nvCxnSpPr>
+              <p:cNvPr id="13" name="Lige forbindelse 12">
+                <a:extLst>
+                  <a:ext uri="{FF2B5EF4-FFF2-40B4-BE49-F238E27FC236}">
+                    <a16:creationId xmlns:a16="http://schemas.microsoft.com/office/drawing/2014/main" id="{017B8009-61C6-74CF-4E01-D68FEE66AFAA}"/>
+                  </a:ext>
+                </a:extLst>
+              </p:cNvPr>
+              <p:cNvCxnSpPr>
+                <a:cxnSpLocks/>
+              </p:cNvCxnSpPr>
+              <p:nvPr/>
+            </p:nvCxnSpPr>
+            <p:spPr>
+              <a:xfrm flipH="1">
+                <a:off x="6215080" y="3443854"/>
+                <a:ext cx="34420" cy="48430"/>
+              </a:xfrm>
+              <a:prstGeom prst="line">
+                <a:avLst/>
+              </a:prstGeom>
+            </p:spPr>
+            <p:style>
+              <a:lnRef idx="1">
+                <a:schemeClr val="dk1"/>
+              </a:lnRef>
+              <a:fillRef idx="0">
+                <a:schemeClr val="dk1"/>
+              </a:fillRef>
+              <a:effectRef idx="0">
+                <a:schemeClr val="dk1"/>
+              </a:effectRef>
+              <a:fontRef idx="minor">
+                <a:schemeClr val="tx1"/>
+              </a:fontRef>
+            </p:style>
+          </p:cxnSp>
+          <p:cxnSp>
+            <p:nvCxnSpPr>
+              <p:cNvPr id="17" name="Lige forbindelse 16">
+                <a:extLst>
+                  <a:ext uri="{FF2B5EF4-FFF2-40B4-BE49-F238E27FC236}">
+                    <a16:creationId xmlns:a16="http://schemas.microsoft.com/office/drawing/2014/main" id="{235EE125-FBD9-DF7E-0BCE-7DEBD10EA577}"/>
+                  </a:ext>
+                </a:extLst>
+              </p:cNvPr>
+              <p:cNvCxnSpPr>
+                <a:cxnSpLocks/>
+              </p:cNvCxnSpPr>
+              <p:nvPr/>
+            </p:nvCxnSpPr>
+            <p:spPr>
+              <a:xfrm flipH="1">
+                <a:off x="6272230" y="3445668"/>
+                <a:ext cx="28575" cy="39291"/>
+              </a:xfrm>
+              <a:prstGeom prst="line">
+                <a:avLst/>
+              </a:prstGeom>
+            </p:spPr>
+            <p:style>
+              <a:lnRef idx="1">
+                <a:schemeClr val="dk1"/>
+              </a:lnRef>
+              <a:fillRef idx="0">
+                <a:schemeClr val="dk1"/>
+              </a:fillRef>
+              <a:effectRef idx="0">
+                <a:schemeClr val="dk1"/>
+              </a:effectRef>
+              <a:fontRef idx="minor">
+                <a:schemeClr val="tx1"/>
+              </a:fontRef>
+            </p:style>
+          </p:cxnSp>
+          <p:cxnSp>
+            <p:nvCxnSpPr>
+              <p:cNvPr id="19" name="Lige forbindelse 18">
+                <a:extLst>
+                  <a:ext uri="{FF2B5EF4-FFF2-40B4-BE49-F238E27FC236}">
+                    <a16:creationId xmlns:a16="http://schemas.microsoft.com/office/drawing/2014/main" id="{A3B08744-F95B-DF33-A0BE-947B6F7A912B}"/>
+                  </a:ext>
+                </a:extLst>
+              </p:cNvPr>
+              <p:cNvCxnSpPr>
+                <a:cxnSpLocks/>
+              </p:cNvCxnSpPr>
+              <p:nvPr/>
+            </p:nvCxnSpPr>
+            <p:spPr>
+              <a:xfrm flipH="1">
+                <a:off x="6332845" y="3443854"/>
+                <a:ext cx="34420" cy="48430"/>
+              </a:xfrm>
+              <a:prstGeom prst="line">
+                <a:avLst/>
+              </a:prstGeom>
+            </p:spPr>
+            <p:style>
+              <a:lnRef idx="1">
+                <a:schemeClr val="dk1"/>
+              </a:lnRef>
+              <a:fillRef idx="0">
+                <a:schemeClr val="dk1"/>
+              </a:fillRef>
+              <a:effectRef idx="0">
+                <a:schemeClr val="dk1"/>
+              </a:effectRef>
+              <a:fontRef idx="minor">
+                <a:schemeClr val="tx1"/>
+              </a:fontRef>
+            </p:style>
+          </p:cxnSp>
+          <p:cxnSp>
+            <p:nvCxnSpPr>
+              <p:cNvPr id="20" name="Lige forbindelse 19">
+                <a:extLst>
+                  <a:ext uri="{FF2B5EF4-FFF2-40B4-BE49-F238E27FC236}">
+                    <a16:creationId xmlns:a16="http://schemas.microsoft.com/office/drawing/2014/main" id="{0579DF92-81AB-A878-DC1E-6F4D33FDEEC5}"/>
+                  </a:ext>
+                </a:extLst>
+              </p:cNvPr>
+              <p:cNvCxnSpPr>
+                <a:cxnSpLocks/>
+              </p:cNvCxnSpPr>
+              <p:nvPr/>
+            </p:nvCxnSpPr>
+            <p:spPr>
+              <a:xfrm flipH="1">
+                <a:off x="6389884" y="3443854"/>
+                <a:ext cx="34420" cy="48430"/>
+              </a:xfrm>
+              <a:prstGeom prst="line">
+                <a:avLst/>
+              </a:prstGeom>
+            </p:spPr>
+            <p:style>
+              <a:lnRef idx="1">
+                <a:schemeClr val="dk1"/>
+              </a:lnRef>
+              <a:fillRef idx="0">
+                <a:schemeClr val="dk1"/>
+              </a:fillRef>
+              <a:effectRef idx="0">
+                <a:schemeClr val="dk1"/>
+              </a:effectRef>
+              <a:fontRef idx="minor">
+                <a:schemeClr val="tx1"/>
+              </a:fontRef>
+            </p:style>
+          </p:cxnSp>
+          <p:cxnSp>
+            <p:nvCxnSpPr>
+              <p:cNvPr id="23" name="Lige forbindelse 22">
+                <a:extLst>
+                  <a:ext uri="{FF2B5EF4-FFF2-40B4-BE49-F238E27FC236}">
+                    <a16:creationId xmlns:a16="http://schemas.microsoft.com/office/drawing/2014/main" id="{5D08A383-4191-E742-0391-BDD41474979E}"/>
+                  </a:ext>
+                </a:extLst>
+              </p:cNvPr>
+              <p:cNvCxnSpPr>
+                <a:cxnSpLocks/>
+              </p:cNvCxnSpPr>
+              <p:nvPr/>
+            </p:nvCxnSpPr>
+            <p:spPr>
+              <a:xfrm flipH="1">
+                <a:off x="6444083" y="3444712"/>
+                <a:ext cx="34420" cy="48582"/>
+              </a:xfrm>
+              <a:prstGeom prst="line">
+                <a:avLst/>
+              </a:prstGeom>
+            </p:spPr>
+            <p:style>
+              <a:lnRef idx="1">
+                <a:schemeClr val="dk1"/>
+              </a:lnRef>
+              <a:fillRef idx="0">
+                <a:schemeClr val="dk1"/>
+              </a:fillRef>
+              <a:effectRef idx="0">
+                <a:schemeClr val="dk1"/>
+              </a:effectRef>
+              <a:fontRef idx="minor">
+                <a:schemeClr val="tx1"/>
+              </a:fontRef>
+            </p:style>
+          </p:cxnSp>
+        </p:grpSp>
+      </p:grpSp>
+      <p:sp>
+        <p:nvSpPr>
+          <p:cNvPr id="38" name="Ellipse 37">
+            <a:extLst>
+              <a:ext uri="{FF2B5EF4-FFF2-40B4-BE49-F238E27FC236}">
+                <a16:creationId xmlns:a16="http://schemas.microsoft.com/office/drawing/2014/main" id="{A62B7A52-8FE0-914C-3136-57D2AD63CEA9}"/>
+              </a:ext>
+            </a:extLst>
+          </p:cNvPr>
+          <p:cNvSpPr/>
+          <p:nvPr/>
+        </p:nvSpPr>
+        <p:spPr>
+          <a:xfrm>
+            <a:off x="9286008" y="2715726"/>
+            <a:ext cx="58009" cy="53604"/>
+          </a:xfrm>
+          <a:prstGeom prst="ellipse">
+            <a:avLst/>
+          </a:prstGeom>
+        </p:spPr>
+        <p:style>
+          <a:lnRef idx="2">
+            <a:schemeClr val="accent1">
+              <a:shade val="50000"/>
+            </a:schemeClr>
+          </a:lnRef>
+          <a:fillRef idx="1">
+            <a:schemeClr val="accent1"/>
+          </a:fillRef>
+          <a:effectRef idx="0">
+            <a:schemeClr val="accent1"/>
+          </a:effectRef>
+          <a:fontRef idx="minor">
+            <a:schemeClr val="lt1"/>
+          </a:fontRef>
+        </p:style>
+        <p:txBody>
+          <a:bodyPr rtlCol="0" anchor="ctr"/>
+          <a:lstStyle/>
+          <a:p>
+            <a:pPr algn="ctr"/>
+            <a:endParaRPr lang="da-DK"/>
+          </a:p>
+        </p:txBody>
+      </p:sp>
+      <p:grpSp>
+        <p:nvGrpSpPr>
+          <p:cNvPr id="87" name="Gruppe 86">
+            <a:extLst>
+              <a:ext uri="{FF2B5EF4-FFF2-40B4-BE49-F238E27FC236}">
+                <a16:creationId xmlns:a16="http://schemas.microsoft.com/office/drawing/2014/main" id="{9366FFD1-8F6F-F0EB-5455-C7736A74DF7B}"/>
+              </a:ext>
+            </a:extLst>
+          </p:cNvPr>
+          <p:cNvGrpSpPr/>
+          <p:nvPr/>
+        </p:nvGrpSpPr>
+        <p:grpSpPr>
+          <a:xfrm>
+            <a:off x="11084138" y="2849864"/>
+            <a:ext cx="286147" cy="261993"/>
+            <a:chOff x="11540209" y="2792264"/>
+            <a:chExt cx="286147" cy="261993"/>
+          </a:xfrm>
+        </p:grpSpPr>
+        <p:sp>
+          <p:nvSpPr>
+            <p:cNvPr id="26" name="Ligebenet trekant 25">
+              <a:extLst>
+                <a:ext uri="{FF2B5EF4-FFF2-40B4-BE49-F238E27FC236}">
+                  <a16:creationId xmlns:a16="http://schemas.microsoft.com/office/drawing/2014/main" id="{47342D67-59A9-60B2-2428-170421F9CE69}"/>
+                </a:ext>
+              </a:extLst>
+            </p:cNvPr>
+            <p:cNvSpPr/>
+            <p:nvPr/>
+          </p:nvSpPr>
+          <p:spPr>
+            <a:xfrm>
+              <a:off x="11552119" y="2792264"/>
+              <a:ext cx="255062" cy="171018"/>
+            </a:xfrm>
+            <a:prstGeom prst="triangle">
+              <a:avLst/>
+            </a:prstGeom>
+          </p:spPr>
+          <p:style>
+            <a:lnRef idx="2">
+              <a:schemeClr val="dk1"/>
+            </a:lnRef>
+            <a:fillRef idx="1">
+              <a:schemeClr val="lt1"/>
+            </a:fillRef>
+            <a:effectRef idx="0">
+              <a:schemeClr val="dk1"/>
+            </a:effectRef>
+            <a:fontRef idx="minor">
+              <a:schemeClr val="dk1"/>
+            </a:fontRef>
+          </p:style>
+          <p:txBody>
+            <a:bodyPr rtlCol="0" anchor="ctr"/>
+            <a:lstStyle/>
+            <a:p>
+              <a:pPr algn="ctr"/>
+              <a:endParaRPr lang="da-DK"/>
+            </a:p>
+          </p:txBody>
+        </p:sp>
+        <p:sp>
+          <p:nvSpPr>
+            <p:cNvPr id="84" name="Ellipse 83">
+              <a:extLst>
+                <a:ext uri="{FF2B5EF4-FFF2-40B4-BE49-F238E27FC236}">
+                  <a16:creationId xmlns:a16="http://schemas.microsoft.com/office/drawing/2014/main" id="{02C9EDD1-4D9D-D361-585E-985973EB4DD6}"/>
+                </a:ext>
+              </a:extLst>
+            </p:cNvPr>
+            <p:cNvSpPr/>
+            <p:nvPr/>
+          </p:nvSpPr>
+          <p:spPr>
+            <a:xfrm>
+              <a:off x="11540209" y="2984713"/>
+              <a:ext cx="75371" cy="67947"/>
+            </a:xfrm>
+            <a:prstGeom prst="ellipse">
+              <a:avLst/>
+            </a:prstGeom>
+          </p:spPr>
+          <p:style>
+            <a:lnRef idx="2">
+              <a:schemeClr val="dk1"/>
+            </a:lnRef>
+            <a:fillRef idx="1">
+              <a:schemeClr val="lt1"/>
+            </a:fillRef>
+            <a:effectRef idx="0">
+              <a:schemeClr val="dk1"/>
+            </a:effectRef>
+            <a:fontRef idx="minor">
+              <a:schemeClr val="dk1"/>
+            </a:fontRef>
+          </p:style>
+          <p:txBody>
+            <a:bodyPr rtlCol="0" anchor="ctr"/>
+            <a:lstStyle/>
+            <a:p>
+              <a:pPr algn="ctr"/>
+              <a:endParaRPr lang="da-DK"/>
+            </a:p>
+          </p:txBody>
+        </p:sp>
+        <p:sp>
+          <p:nvSpPr>
+            <p:cNvPr id="85" name="Ellipse 84">
+              <a:extLst>
+                <a:ext uri="{FF2B5EF4-FFF2-40B4-BE49-F238E27FC236}">
+                  <a16:creationId xmlns:a16="http://schemas.microsoft.com/office/drawing/2014/main" id="{D9B5BCC2-DC1A-7A56-FEA2-4F70E6CBE0E6}"/>
+                </a:ext>
+              </a:extLst>
+            </p:cNvPr>
+            <p:cNvSpPr/>
+            <p:nvPr/>
+          </p:nvSpPr>
+          <p:spPr>
+            <a:xfrm>
+              <a:off x="11647264" y="2986310"/>
+              <a:ext cx="75371" cy="67947"/>
+            </a:xfrm>
+            <a:prstGeom prst="ellipse">
+              <a:avLst/>
+            </a:prstGeom>
+          </p:spPr>
+          <p:style>
+            <a:lnRef idx="2">
+              <a:schemeClr val="dk1"/>
+            </a:lnRef>
+            <a:fillRef idx="1">
+              <a:schemeClr val="lt1"/>
+            </a:fillRef>
+            <a:effectRef idx="0">
+              <a:schemeClr val="dk1"/>
+            </a:effectRef>
+            <a:fontRef idx="minor">
+              <a:schemeClr val="dk1"/>
+            </a:fontRef>
+          </p:style>
+          <p:txBody>
+            <a:bodyPr rtlCol="0" anchor="ctr"/>
+            <a:lstStyle/>
+            <a:p>
+              <a:pPr algn="ctr"/>
+              <a:endParaRPr lang="da-DK"/>
+            </a:p>
+          </p:txBody>
+        </p:sp>
+        <p:sp>
+          <p:nvSpPr>
+            <p:cNvPr id="86" name="Ellipse 85">
+              <a:extLst>
+                <a:ext uri="{FF2B5EF4-FFF2-40B4-BE49-F238E27FC236}">
+                  <a16:creationId xmlns:a16="http://schemas.microsoft.com/office/drawing/2014/main" id="{3ADC63EF-F17B-9DEA-89FA-E9B33FB379D2}"/>
+                </a:ext>
+              </a:extLst>
+            </p:cNvPr>
+            <p:cNvSpPr/>
+            <p:nvPr/>
+          </p:nvSpPr>
+          <p:spPr>
+            <a:xfrm>
+              <a:off x="11750985" y="2984712"/>
+              <a:ext cx="75371" cy="67947"/>
+            </a:xfrm>
+            <a:prstGeom prst="ellipse">
+              <a:avLst/>
+            </a:prstGeom>
+          </p:spPr>
+          <p:style>
+            <a:lnRef idx="2">
+              <a:schemeClr val="dk1"/>
+            </a:lnRef>
+            <a:fillRef idx="1">
+              <a:schemeClr val="lt1"/>
+            </a:fillRef>
+            <a:effectRef idx="0">
+              <a:schemeClr val="dk1"/>
+            </a:effectRef>
+            <a:fontRef idx="minor">
+              <a:schemeClr val="dk1"/>
+            </a:fontRef>
+          </p:style>
+          <p:txBody>
+            <a:bodyPr rtlCol="0" anchor="ctr"/>
+            <a:lstStyle/>
+            <a:p>
+              <a:pPr algn="ctr"/>
+              <a:endParaRPr lang="da-DK"/>
+            </a:p>
+          </p:txBody>
+        </p:sp>
+      </p:grpSp>
+    </p:spTree>
+    <p:extLst>
+      <p:ext uri="{BB962C8B-B14F-4D97-AF65-F5344CB8AC3E}">
+        <p14:creationId xmlns:p14="http://schemas.microsoft.com/office/powerpoint/2010/main" val="113760089"/>
+      </p:ext>
+    </p:extLst>
+  </p:cSld>
+  <p:clrMapOvr>
+    <a:masterClrMapping/>
+  </p:clrMapOvr>
+</p:sld>
+</file>
+
+<file path=ppt/slides/slide2.xml><?xml version="1.0" encoding="utf-8"?>
+<p:sld xmlns:a="http://schemas.openxmlformats.org/drawingml/2006/main" xmlns:r="http://schemas.openxmlformats.org/officeDocument/2006/relationships" xmlns:p="http://schemas.openxmlformats.org/presentationml/2006/main">
+  <p:cSld>
+    <p:spTree>
+      <p:nvGrpSpPr>
+        <p:cNvPr id="1" name=""/>
+        <p:cNvGrpSpPr/>
+        <p:nvPr/>
+      </p:nvGrpSpPr>
+      <p:grpSpPr>
+        <a:xfrm>
+          <a:off x="0" y="0"/>
+          <a:ext cx="0" cy="0"/>
+          <a:chOff x="0" y="0"/>
+          <a:chExt cx="0" cy="0"/>
+        </a:xfrm>
+      </p:grpSpPr>
+      <p:sp>
+        <p:nvSpPr>
+          <p:cNvPr id="33" name="Rektangel 32">
+            <a:extLst>
+              <a:ext uri="{FF2B5EF4-FFF2-40B4-BE49-F238E27FC236}">
+                <a16:creationId xmlns:a16="http://schemas.microsoft.com/office/drawing/2014/main" id="{6895C8C7-2408-87B2-6AF4-BED03FD07DA5}"/>
+              </a:ext>
+            </a:extLst>
+          </p:cNvPr>
+          <p:cNvSpPr/>
+          <p:nvPr/>
+        </p:nvSpPr>
+        <p:spPr>
+          <a:xfrm>
+            <a:off x="7178202" y="2688646"/>
+            <a:ext cx="3973627" cy="121997"/>
+          </a:xfrm>
+          <a:prstGeom prst="rect">
+            <a:avLst/>
+          </a:prstGeom>
+        </p:spPr>
+        <p:style>
+          <a:lnRef idx="1">
+            <a:schemeClr val="accent5"/>
+          </a:lnRef>
+          <a:fillRef idx="2">
+            <a:schemeClr val="accent5"/>
+          </a:fillRef>
+          <a:effectRef idx="1">
+            <a:schemeClr val="accent5"/>
+          </a:effectRef>
+          <a:fontRef idx="minor">
+            <a:schemeClr val="dk1"/>
+          </a:fontRef>
+        </p:style>
+        <p:txBody>
+          <a:bodyPr rtlCol="0" anchor="ctr"/>
+          <a:lstStyle/>
+          <a:p>
+            <a:pPr algn="ctr"/>
+            <a:endParaRPr lang="da-DK"/>
+          </a:p>
+        </p:txBody>
+      </p:sp>
+      <p:cxnSp>
+        <p:nvCxnSpPr>
+          <p:cNvPr id="34" name="Lige pilforbindelse 33">
+            <a:extLst>
+              <a:ext uri="{FF2B5EF4-FFF2-40B4-BE49-F238E27FC236}">
+                <a16:creationId xmlns:a16="http://schemas.microsoft.com/office/drawing/2014/main" id="{9EDDF795-BC1B-1C8B-267C-B9845B0E5A93}"/>
+              </a:ext>
+            </a:extLst>
+          </p:cNvPr>
+          <p:cNvCxnSpPr>
+            <a:cxnSpLocks/>
+          </p:cNvCxnSpPr>
+          <p:nvPr/>
+        </p:nvCxnSpPr>
+        <p:spPr>
+          <a:xfrm flipV="1">
+            <a:off x="9700185" y="2849301"/>
+            <a:ext cx="0" cy="680605"/>
+          </a:xfrm>
+          <a:prstGeom prst="straightConnector1">
+            <a:avLst/>
+          </a:prstGeom>
+          <a:ln>
+            <a:tailEnd type="triangle"/>
+          </a:ln>
+        </p:spPr>
+        <p:style>
+          <a:lnRef idx="3">
+            <a:schemeClr val="accent1"/>
+          </a:lnRef>
+          <a:fillRef idx="0">
+            <a:schemeClr val="accent1"/>
+          </a:fillRef>
+          <a:effectRef idx="2">
+            <a:schemeClr val="accent1"/>
+          </a:effectRef>
+          <a:fontRef idx="minor">
+            <a:schemeClr val="tx1"/>
+          </a:fontRef>
+        </p:style>
+      </p:cxnSp>
+      <p:cxnSp>
+        <p:nvCxnSpPr>
+          <p:cNvPr id="37" name="Lige forbindelse 36">
+            <a:extLst>
+              <a:ext uri="{FF2B5EF4-FFF2-40B4-BE49-F238E27FC236}">
+                <a16:creationId xmlns:a16="http://schemas.microsoft.com/office/drawing/2014/main" id="{BA73831C-4BC0-B248-603A-2781FECEF048}"/>
+              </a:ext>
+            </a:extLst>
+          </p:cNvPr>
+          <p:cNvCxnSpPr>
+            <a:cxnSpLocks/>
+          </p:cNvCxnSpPr>
+          <p:nvPr/>
+        </p:nvCxnSpPr>
+        <p:spPr>
+          <a:xfrm flipH="1">
+            <a:off x="7178202" y="4169986"/>
+            <a:ext cx="5560" cy="744617"/>
+          </a:xfrm>
+          <a:prstGeom prst="line">
+            <a:avLst/>
+          </a:prstGeom>
+          <a:ln w="9525" cap="flat" cmpd="sng" algn="ctr">
+            <a:solidFill>
+              <a:schemeClr val="dk1"/>
+            </a:solidFill>
+            <a:prstDash val="dash"/>
+            <a:round/>
+            <a:headEnd type="none" w="med" len="med"/>
+            <a:tailEnd type="none" w="med" len="med"/>
+          </a:ln>
+        </p:spPr>
+        <p:style>
+          <a:lnRef idx="0">
+            <a:scrgbClr r="0" g="0" b="0"/>
+          </a:lnRef>
+          <a:fillRef idx="0">
+            <a:scrgbClr r="0" g="0" b="0"/>
+          </a:fillRef>
+          <a:effectRef idx="0">
+            <a:scrgbClr r="0" g="0" b="0"/>
+          </a:effectRef>
+          <a:fontRef idx="minor">
+            <a:schemeClr val="tx1"/>
+          </a:fontRef>
+        </p:style>
+      </p:cxnSp>
+      <p:cxnSp>
+        <p:nvCxnSpPr>
+          <p:cNvPr id="42" name="Lige forbindelse 41">
+            <a:extLst>
+              <a:ext uri="{FF2B5EF4-FFF2-40B4-BE49-F238E27FC236}">
+                <a16:creationId xmlns:a16="http://schemas.microsoft.com/office/drawing/2014/main" id="{D336779B-7546-8ED1-4E70-416362887F36}"/>
+              </a:ext>
+            </a:extLst>
+          </p:cNvPr>
+          <p:cNvCxnSpPr>
+            <a:cxnSpLocks/>
+          </p:cNvCxnSpPr>
+          <p:nvPr/>
+        </p:nvCxnSpPr>
+        <p:spPr>
+          <a:xfrm>
+            <a:off x="9705157" y="4050767"/>
+            <a:ext cx="0" cy="863836"/>
+          </a:xfrm>
+          <a:prstGeom prst="line">
+            <a:avLst/>
+          </a:prstGeom>
+          <a:ln w="9525" cap="flat" cmpd="sng" algn="ctr">
+            <a:solidFill>
+              <a:schemeClr val="dk1"/>
+            </a:solidFill>
+            <a:prstDash val="dash"/>
+            <a:round/>
+            <a:headEnd type="none" w="med" len="med"/>
+            <a:tailEnd type="none" w="med" len="med"/>
+          </a:ln>
+        </p:spPr>
+        <p:style>
+          <a:lnRef idx="0">
+            <a:scrgbClr r="0" g="0" b="0"/>
+          </a:lnRef>
+          <a:fillRef idx="0">
+            <a:scrgbClr r="0" g="0" b="0"/>
+          </a:fillRef>
+          <a:effectRef idx="0">
+            <a:scrgbClr r="0" g="0" b="0"/>
+          </a:effectRef>
+          <a:fontRef idx="minor">
+            <a:schemeClr val="tx1"/>
+          </a:fontRef>
+        </p:style>
+      </p:cxnSp>
+      <p:grpSp>
+        <p:nvGrpSpPr>
+          <p:cNvPr id="45" name="Gruppe 44">
+            <a:extLst>
+              <a:ext uri="{FF2B5EF4-FFF2-40B4-BE49-F238E27FC236}">
+                <a16:creationId xmlns:a16="http://schemas.microsoft.com/office/drawing/2014/main" id="{D1F379C7-8720-6720-3AB4-0DE5FECA908E}"/>
+              </a:ext>
+            </a:extLst>
+          </p:cNvPr>
+          <p:cNvGrpSpPr/>
+          <p:nvPr/>
+        </p:nvGrpSpPr>
+        <p:grpSpPr>
+          <a:xfrm>
+            <a:off x="7026295" y="2937014"/>
+            <a:ext cx="478016" cy="954972"/>
+            <a:chOff x="4928862" y="3603588"/>
+            <a:chExt cx="478016" cy="954972"/>
+          </a:xfrm>
+        </p:grpSpPr>
+        <p:cxnSp>
+          <p:nvCxnSpPr>
+            <p:cNvPr id="46" name="Lige pilforbindelse 45">
+              <a:extLst>
+                <a:ext uri="{FF2B5EF4-FFF2-40B4-BE49-F238E27FC236}">
+                  <a16:creationId xmlns:a16="http://schemas.microsoft.com/office/drawing/2014/main" id="{49C24482-40E3-EC80-FA85-87A4D21D1B7F}"/>
+                </a:ext>
+              </a:extLst>
+            </p:cNvPr>
+            <p:cNvCxnSpPr>
+              <a:cxnSpLocks/>
+            </p:cNvCxnSpPr>
+            <p:nvPr/>
+          </p:nvCxnSpPr>
+          <p:spPr>
+            <a:xfrm flipV="1">
+              <a:off x="5127262" y="3603588"/>
+              <a:ext cx="0" cy="680605"/>
+            </a:xfrm>
+            <a:prstGeom prst="straightConnector1">
+              <a:avLst/>
+            </a:prstGeom>
+            <a:ln>
+              <a:tailEnd type="triangle"/>
+            </a:ln>
+          </p:spPr>
+          <p:style>
+            <a:lnRef idx="3">
+              <a:schemeClr val="accent1"/>
+            </a:lnRef>
+            <a:fillRef idx="0">
+              <a:schemeClr val="accent1"/>
+            </a:fillRef>
+            <a:effectRef idx="2">
+              <a:schemeClr val="accent1"/>
+            </a:effectRef>
+            <a:fontRef idx="minor">
+              <a:schemeClr val="tx1"/>
+            </a:fontRef>
+          </p:style>
+        </p:cxnSp>
+        <p:sp>
+          <p:nvSpPr>
+            <p:cNvPr id="47" name="Tekstfelt 46">
+              <a:extLst>
+                <a:ext uri="{FF2B5EF4-FFF2-40B4-BE49-F238E27FC236}">
+                  <a16:creationId xmlns:a16="http://schemas.microsoft.com/office/drawing/2014/main" id="{922C3D93-7E05-A5D2-98A1-ABBE408E78AF}"/>
+                </a:ext>
+              </a:extLst>
+            </p:cNvPr>
+            <p:cNvSpPr txBox="1"/>
+            <p:nvPr/>
+          </p:nvSpPr>
+          <p:spPr>
+            <a:xfrm>
+              <a:off x="4928862" y="4189228"/>
+              <a:ext cx="478016" cy="369332"/>
+            </a:xfrm>
+            <a:prstGeom prst="rect">
+              <a:avLst/>
+            </a:prstGeom>
+            <a:noFill/>
+          </p:spPr>
+          <p:txBody>
+            <a:bodyPr wrap="none" rtlCol="0">
+              <a:spAutoFit/>
+            </a:bodyPr>
+            <a:lstStyle/>
+            <a:p>
+              <a:r>
+                <a:rPr lang="da-DK" dirty="0" err="1"/>
+                <a:t>F</a:t>
+              </a:r>
+              <a:r>
+                <a:rPr lang="da-DK" baseline="-25000" dirty="0" err="1"/>
+                <a:t>u,y</a:t>
+              </a:r>
+              <a:endParaRPr lang="da-DK" dirty="0"/>
+            </a:p>
+          </p:txBody>
+        </p:sp>
+      </p:grpSp>
+      <p:sp>
+        <p:nvSpPr>
+          <p:cNvPr id="48" name="Tekstfelt 47">
+            <a:extLst>
+              <a:ext uri="{FF2B5EF4-FFF2-40B4-BE49-F238E27FC236}">
+                <a16:creationId xmlns:a16="http://schemas.microsoft.com/office/drawing/2014/main" id="{B59C4D19-2ABD-6160-6B70-F7394E189968}"/>
+              </a:ext>
+            </a:extLst>
+          </p:cNvPr>
+          <p:cNvSpPr txBox="1"/>
+          <p:nvPr/>
+        </p:nvSpPr>
+        <p:spPr>
+          <a:xfrm>
+            <a:off x="9239693" y="3568564"/>
+            <a:ext cx="1184471" cy="369332"/>
+          </a:xfrm>
+          <a:prstGeom prst="rect">
+            <a:avLst/>
+          </a:prstGeom>
+          <a:noFill/>
+        </p:spPr>
+        <p:txBody>
+          <a:bodyPr wrap="square" rtlCol="0">
+            <a:spAutoFit/>
+          </a:bodyPr>
+          <a:lstStyle/>
+          <a:p>
+            <a:r>
+              <a:rPr lang="da-DK" dirty="0" err="1"/>
+              <a:t>F</a:t>
+            </a:r>
+            <a:r>
+              <a:rPr lang="da-DK" baseline="-25000" dirty="0" err="1"/>
+              <a:t>v</a:t>
+            </a:r>
+            <a:r>
+              <a:rPr lang="da-DK" dirty="0"/>
+              <a:t>=</a:t>
+            </a:r>
+            <a:r>
+              <a:rPr lang="da-DK" dirty="0" err="1"/>
+              <a:t>F</a:t>
+            </a:r>
+            <a:r>
+              <a:rPr lang="da-DK" baseline="-25000" dirty="0" err="1"/>
+              <a:t>v,T</a:t>
+            </a:r>
+            <a:r>
+              <a:rPr lang="da-DK" dirty="0" err="1"/>
+              <a:t>+F</a:t>
+            </a:r>
+            <a:r>
+              <a:rPr lang="da-DK" baseline="-25000" dirty="0" err="1"/>
+              <a:t>v,p</a:t>
+            </a:r>
+            <a:endParaRPr lang="da-DK" dirty="0"/>
+          </a:p>
+        </p:txBody>
+      </p:sp>
+      <p:grpSp>
+        <p:nvGrpSpPr>
+          <p:cNvPr id="49" name="Gruppe 48">
+            <a:extLst>
+              <a:ext uri="{FF2B5EF4-FFF2-40B4-BE49-F238E27FC236}">
+                <a16:creationId xmlns:a16="http://schemas.microsoft.com/office/drawing/2014/main" id="{C70DD2AD-808B-D76A-78BE-0C290064B85C}"/>
+              </a:ext>
+            </a:extLst>
+          </p:cNvPr>
+          <p:cNvGrpSpPr/>
+          <p:nvPr/>
+        </p:nvGrpSpPr>
+        <p:grpSpPr>
+          <a:xfrm>
+            <a:off x="8556881" y="2849301"/>
+            <a:ext cx="365806" cy="934892"/>
+            <a:chOff x="5608199" y="3226902"/>
+            <a:chExt cx="365806" cy="934892"/>
+          </a:xfrm>
+        </p:grpSpPr>
+        <p:cxnSp>
+          <p:nvCxnSpPr>
+            <p:cNvPr id="50" name="Lige pilforbindelse 49">
+              <a:extLst>
+                <a:ext uri="{FF2B5EF4-FFF2-40B4-BE49-F238E27FC236}">
+                  <a16:creationId xmlns:a16="http://schemas.microsoft.com/office/drawing/2014/main" id="{DABA44D4-E484-9E4E-FBA1-BB8EAC67A56B}"/>
+                </a:ext>
+              </a:extLst>
+            </p:cNvPr>
+            <p:cNvCxnSpPr>
+              <a:cxnSpLocks/>
+            </p:cNvCxnSpPr>
+            <p:nvPr/>
+          </p:nvCxnSpPr>
+          <p:spPr>
+            <a:xfrm>
+              <a:off x="5747918" y="3226902"/>
+              <a:ext cx="0" cy="606917"/>
+            </a:xfrm>
+            <a:prstGeom prst="straightConnector1">
+              <a:avLst/>
+            </a:prstGeom>
+            <a:ln>
+              <a:tailEnd type="triangle"/>
+            </a:ln>
+          </p:spPr>
+          <p:style>
+            <a:lnRef idx="3">
+              <a:schemeClr val="accent1"/>
+            </a:lnRef>
+            <a:fillRef idx="0">
+              <a:schemeClr val="accent1"/>
+            </a:fillRef>
+            <a:effectRef idx="2">
+              <a:schemeClr val="accent1"/>
+            </a:effectRef>
+            <a:fontRef idx="minor">
+              <a:schemeClr val="tx1"/>
+            </a:fontRef>
+          </p:style>
+        </p:cxnSp>
+        <p:sp>
+          <p:nvSpPr>
+            <p:cNvPr id="51" name="Tekstfelt 50">
+              <a:extLst>
+                <a:ext uri="{FF2B5EF4-FFF2-40B4-BE49-F238E27FC236}">
+                  <a16:creationId xmlns:a16="http://schemas.microsoft.com/office/drawing/2014/main" id="{9A7085EF-3A3B-A861-4E80-8FAE90A3D60C}"/>
+                </a:ext>
+              </a:extLst>
+            </p:cNvPr>
+            <p:cNvSpPr txBox="1"/>
+            <p:nvPr/>
+          </p:nvSpPr>
+          <p:spPr>
+            <a:xfrm>
+              <a:off x="5608199" y="3792462"/>
+              <a:ext cx="365806" cy="369332"/>
+            </a:xfrm>
+            <a:prstGeom prst="rect">
+              <a:avLst/>
+            </a:prstGeom>
+            <a:noFill/>
+          </p:spPr>
+          <p:txBody>
+            <a:bodyPr wrap="none" rtlCol="0">
+              <a:spAutoFit/>
+            </a:bodyPr>
+            <a:lstStyle/>
+            <a:p>
+              <a:r>
+                <a:rPr lang="da-DK" dirty="0"/>
+                <a:t>F</a:t>
+              </a:r>
+              <a:r>
+                <a:rPr lang="da-DK" baseline="-25000" dirty="0"/>
+                <a:t>T</a:t>
+              </a:r>
+              <a:endParaRPr lang="da-DK" dirty="0"/>
+            </a:p>
+          </p:txBody>
+        </p:sp>
+      </p:grpSp>
+      <p:grpSp>
+        <p:nvGrpSpPr>
+          <p:cNvPr id="95" name="Gruppe 94">
+            <a:extLst>
+              <a:ext uri="{FF2B5EF4-FFF2-40B4-BE49-F238E27FC236}">
+                <a16:creationId xmlns:a16="http://schemas.microsoft.com/office/drawing/2014/main" id="{6933F93B-777E-0916-3CC4-EEDEFE73A96F}"/>
+              </a:ext>
+            </a:extLst>
+          </p:cNvPr>
+          <p:cNvGrpSpPr/>
+          <p:nvPr/>
+        </p:nvGrpSpPr>
+        <p:grpSpPr>
+          <a:xfrm>
+            <a:off x="7224389" y="4786477"/>
+            <a:ext cx="2440142" cy="369332"/>
+            <a:chOff x="6351884" y="4730234"/>
+            <a:chExt cx="2440142" cy="369332"/>
+          </a:xfrm>
+        </p:grpSpPr>
+        <p:cxnSp>
+          <p:nvCxnSpPr>
+            <p:cNvPr id="36" name="Lige pilforbindelse 35">
+              <a:extLst>
+                <a:ext uri="{FF2B5EF4-FFF2-40B4-BE49-F238E27FC236}">
+                  <a16:creationId xmlns:a16="http://schemas.microsoft.com/office/drawing/2014/main" id="{ED8E88AB-980D-BB2E-B48D-DD26741AC0FA}"/>
+                </a:ext>
+              </a:extLst>
+            </p:cNvPr>
+            <p:cNvCxnSpPr>
+              <a:cxnSpLocks/>
+            </p:cNvCxnSpPr>
+            <p:nvPr/>
+          </p:nvCxnSpPr>
+          <p:spPr>
+            <a:xfrm>
+              <a:off x="6351884" y="4809259"/>
+              <a:ext cx="2440142" cy="0"/>
+            </a:xfrm>
+            <a:prstGeom prst="straightConnector1">
+              <a:avLst/>
+            </a:prstGeom>
+            <a:ln>
+              <a:headEnd type="triangle"/>
+              <a:tailEnd type="triangle"/>
+            </a:ln>
+          </p:spPr>
+          <p:style>
+            <a:lnRef idx="1">
+              <a:schemeClr val="dk1"/>
+            </a:lnRef>
+            <a:fillRef idx="0">
+              <a:schemeClr val="dk1"/>
+            </a:fillRef>
+            <a:effectRef idx="0">
+              <a:schemeClr val="dk1"/>
+            </a:effectRef>
+            <a:fontRef idx="minor">
+              <a:schemeClr val="tx1"/>
+            </a:fontRef>
+          </p:style>
+        </p:cxnSp>
+        <p:sp>
+          <p:nvSpPr>
+            <p:cNvPr id="52" name="Tekstfelt 51">
+              <a:extLst>
+                <a:ext uri="{FF2B5EF4-FFF2-40B4-BE49-F238E27FC236}">
+                  <a16:creationId xmlns:a16="http://schemas.microsoft.com/office/drawing/2014/main" id="{6D6A052B-3385-6179-E921-C55055BDB646}"/>
+                </a:ext>
+              </a:extLst>
+            </p:cNvPr>
+            <p:cNvSpPr txBox="1"/>
+            <p:nvPr/>
+          </p:nvSpPr>
+          <p:spPr>
+            <a:xfrm>
+              <a:off x="7516534" y="4730234"/>
+              <a:ext cx="282450" cy="369332"/>
+            </a:xfrm>
+            <a:prstGeom prst="rect">
+              <a:avLst/>
+            </a:prstGeom>
+            <a:noFill/>
+          </p:spPr>
+          <p:txBody>
+            <a:bodyPr wrap="none" rtlCol="0">
+              <a:spAutoFit/>
+            </a:bodyPr>
+            <a:lstStyle/>
+            <a:p>
+              <a:r>
+                <a:rPr lang="da-DK" dirty="0"/>
+                <a:t>L</a:t>
+              </a:r>
+            </a:p>
+          </p:txBody>
+        </p:sp>
+      </p:grpSp>
+      <p:sp>
+        <p:nvSpPr>
+          <p:cNvPr id="63" name="Ellipse 62">
+            <a:extLst>
+              <a:ext uri="{FF2B5EF4-FFF2-40B4-BE49-F238E27FC236}">
+                <a16:creationId xmlns:a16="http://schemas.microsoft.com/office/drawing/2014/main" id="{822A5ED4-EEE7-B28A-552A-F466BD2653D7}"/>
+              </a:ext>
+            </a:extLst>
+          </p:cNvPr>
+          <p:cNvSpPr/>
+          <p:nvPr/>
+        </p:nvSpPr>
+        <p:spPr>
+          <a:xfrm>
+            <a:off x="8661738" y="2722697"/>
+            <a:ext cx="58009" cy="53604"/>
+          </a:xfrm>
+          <a:prstGeom prst="ellipse">
+            <a:avLst/>
+          </a:prstGeom>
+        </p:spPr>
+        <p:style>
+          <a:lnRef idx="2">
+            <a:schemeClr val="accent1">
+              <a:shade val="50000"/>
+            </a:schemeClr>
+          </a:lnRef>
+          <a:fillRef idx="1">
+            <a:schemeClr val="accent1"/>
+          </a:fillRef>
+          <a:effectRef idx="0">
+            <a:schemeClr val="accent1"/>
+          </a:effectRef>
+          <a:fontRef idx="minor">
+            <a:schemeClr val="lt1"/>
+          </a:fontRef>
+        </p:style>
+        <p:txBody>
+          <a:bodyPr rtlCol="0" anchor="ctr"/>
+          <a:lstStyle/>
+          <a:p>
+            <a:pPr algn="ctr"/>
+            <a:endParaRPr lang="da-DK"/>
+          </a:p>
+        </p:txBody>
+      </p:sp>
+      <p:cxnSp>
+        <p:nvCxnSpPr>
+          <p:cNvPr id="74" name="Lige pilforbindelse 73">
+            <a:extLst>
+              <a:ext uri="{FF2B5EF4-FFF2-40B4-BE49-F238E27FC236}">
+                <a16:creationId xmlns:a16="http://schemas.microsoft.com/office/drawing/2014/main" id="{2AC3EA16-33AB-DF92-3D2A-0E79AE359EA5}"/>
+              </a:ext>
+            </a:extLst>
+          </p:cNvPr>
+          <p:cNvCxnSpPr>
+            <a:cxnSpLocks/>
+          </p:cNvCxnSpPr>
+          <p:nvPr/>
+        </p:nvCxnSpPr>
+        <p:spPr>
+          <a:xfrm>
+            <a:off x="6608074" y="2817033"/>
+            <a:ext cx="451559" cy="0"/>
+          </a:xfrm>
+          <a:prstGeom prst="straightConnector1">
+            <a:avLst/>
+          </a:prstGeom>
+          <a:ln>
+            <a:tailEnd type="triangle"/>
+          </a:ln>
+        </p:spPr>
+        <p:style>
+          <a:lnRef idx="3">
+            <a:schemeClr val="accent1"/>
+          </a:lnRef>
+          <a:fillRef idx="0">
+            <a:schemeClr val="accent1"/>
+          </a:fillRef>
+          <a:effectRef idx="2">
+            <a:schemeClr val="accent1"/>
+          </a:effectRef>
+          <a:fontRef idx="minor">
+            <a:schemeClr val="tx1"/>
+          </a:fontRef>
+        </p:style>
+      </p:cxnSp>
+      <p:sp>
+        <p:nvSpPr>
+          <p:cNvPr id="78" name="Tekstfelt 77">
+            <a:extLst>
+              <a:ext uri="{FF2B5EF4-FFF2-40B4-BE49-F238E27FC236}">
+                <a16:creationId xmlns:a16="http://schemas.microsoft.com/office/drawing/2014/main" id="{7973D6C8-4B47-392D-305A-B94E30AC979B}"/>
+              </a:ext>
+            </a:extLst>
+          </p:cNvPr>
+          <p:cNvSpPr txBox="1"/>
+          <p:nvPr/>
+        </p:nvSpPr>
+        <p:spPr>
+          <a:xfrm>
+            <a:off x="6263040" y="2648858"/>
+            <a:ext cx="543975" cy="369332"/>
+          </a:xfrm>
+          <a:prstGeom prst="rect">
+            <a:avLst/>
+          </a:prstGeom>
+          <a:noFill/>
+        </p:spPr>
+        <p:txBody>
+          <a:bodyPr wrap="square" rtlCol="0">
+            <a:spAutoFit/>
+          </a:bodyPr>
+          <a:lstStyle/>
+          <a:p>
+            <a:r>
+              <a:rPr lang="da-DK" dirty="0" err="1"/>
+              <a:t>F</a:t>
+            </a:r>
+            <a:r>
+              <a:rPr lang="da-DK" baseline="-25000" dirty="0" err="1"/>
+              <a:t>u,x</a:t>
+            </a:r>
+            <a:endParaRPr lang="da-DK" dirty="0"/>
+          </a:p>
+        </p:txBody>
+      </p:sp>
+      <p:sp>
+        <p:nvSpPr>
+          <p:cNvPr id="86" name="Bue 85">
+            <a:extLst>
+              <a:ext uri="{FF2B5EF4-FFF2-40B4-BE49-F238E27FC236}">
+                <a16:creationId xmlns:a16="http://schemas.microsoft.com/office/drawing/2014/main" id="{F466FFF9-37D6-153E-0B9F-D8312B4FBC60}"/>
+              </a:ext>
+            </a:extLst>
+          </p:cNvPr>
+          <p:cNvSpPr/>
+          <p:nvPr/>
+        </p:nvSpPr>
+        <p:spPr>
+          <a:xfrm rot="2720817" flipH="1">
+            <a:off x="7100195" y="2309175"/>
+            <a:ext cx="325996" cy="343956"/>
+          </a:xfrm>
+          <a:prstGeom prst="arc">
+            <a:avLst>
+              <a:gd name="adj1" fmla="val 16200000"/>
+              <a:gd name="adj2" fmla="val 10308900"/>
+            </a:avLst>
+          </a:prstGeom>
+          <a:ln>
+            <a:headEnd type="triangle" w="med" len="med"/>
+            <a:tailEnd type="none" w="med" len="med"/>
+          </a:ln>
+        </p:spPr>
+        <p:style>
+          <a:lnRef idx="3">
+            <a:schemeClr val="accent1"/>
+          </a:lnRef>
+          <a:fillRef idx="0">
+            <a:schemeClr val="accent1"/>
+          </a:fillRef>
+          <a:effectRef idx="2">
+            <a:schemeClr val="accent1"/>
+          </a:effectRef>
+          <a:fontRef idx="minor">
+            <a:schemeClr val="tx1"/>
+          </a:fontRef>
+        </p:style>
+        <p:txBody>
+          <a:bodyPr rtlCol="0" anchor="ctr"/>
+          <a:lstStyle/>
+          <a:p>
+            <a:pPr algn="ctr"/>
+            <a:endParaRPr lang="da-DK"/>
+          </a:p>
+        </p:txBody>
+      </p:sp>
+      <p:sp>
+        <p:nvSpPr>
+          <p:cNvPr id="87" name="Tekstfelt 86">
+            <a:extLst>
+              <a:ext uri="{FF2B5EF4-FFF2-40B4-BE49-F238E27FC236}">
+                <a16:creationId xmlns:a16="http://schemas.microsoft.com/office/drawing/2014/main" id="{DEC2CE80-2A5F-9B9F-93E6-75EAC5F01C58}"/>
+              </a:ext>
+            </a:extLst>
+          </p:cNvPr>
+          <p:cNvSpPr txBox="1"/>
+          <p:nvPr/>
+        </p:nvSpPr>
+        <p:spPr>
+          <a:xfrm>
+            <a:off x="7112843" y="2275974"/>
+            <a:ext cx="473797" cy="369332"/>
+          </a:xfrm>
+          <a:prstGeom prst="rect">
+            <a:avLst/>
+          </a:prstGeom>
+          <a:noFill/>
+        </p:spPr>
+        <p:txBody>
+          <a:bodyPr wrap="square" rtlCol="0">
+            <a:spAutoFit/>
+          </a:bodyPr>
+          <a:lstStyle/>
+          <a:p>
+            <a:r>
+              <a:rPr lang="da-DK" dirty="0"/>
+              <a:t>M</a:t>
+            </a:r>
+            <a:r>
+              <a:rPr lang="da-DK" baseline="-25000" dirty="0"/>
+              <a:t>u</a:t>
+            </a:r>
+            <a:endParaRPr lang="da-DK" dirty="0"/>
+          </a:p>
+        </p:txBody>
+      </p:sp>
+      <p:grpSp>
+        <p:nvGrpSpPr>
+          <p:cNvPr id="94" name="Gruppe 93">
+            <a:extLst>
+              <a:ext uri="{FF2B5EF4-FFF2-40B4-BE49-F238E27FC236}">
+                <a16:creationId xmlns:a16="http://schemas.microsoft.com/office/drawing/2014/main" id="{413CA26F-1024-A4FB-C7FC-FC1C54B07A9A}"/>
+              </a:ext>
+            </a:extLst>
+          </p:cNvPr>
+          <p:cNvGrpSpPr/>
+          <p:nvPr/>
+        </p:nvGrpSpPr>
+        <p:grpSpPr>
+          <a:xfrm>
+            <a:off x="7252867" y="4293338"/>
+            <a:ext cx="1252969" cy="369332"/>
+            <a:chOff x="6343219" y="4379069"/>
+            <a:chExt cx="1252969" cy="369332"/>
+          </a:xfrm>
+        </p:grpSpPr>
+        <p:cxnSp>
+          <p:nvCxnSpPr>
+            <p:cNvPr id="88" name="Lige pilforbindelse 87">
+              <a:extLst>
+                <a:ext uri="{FF2B5EF4-FFF2-40B4-BE49-F238E27FC236}">
+                  <a16:creationId xmlns:a16="http://schemas.microsoft.com/office/drawing/2014/main" id="{74E0E50B-AFCA-7720-4A9A-ED7E94033A0F}"/>
+                </a:ext>
+              </a:extLst>
+            </p:cNvPr>
+            <p:cNvCxnSpPr>
+              <a:cxnSpLocks/>
+            </p:cNvCxnSpPr>
+            <p:nvPr/>
+          </p:nvCxnSpPr>
+          <p:spPr>
+            <a:xfrm>
+              <a:off x="6343219" y="4687542"/>
+              <a:ext cx="1252969" cy="0"/>
+            </a:xfrm>
+            <a:prstGeom prst="straightConnector1">
+              <a:avLst/>
+            </a:prstGeom>
+            <a:ln>
+              <a:headEnd type="triangle"/>
+              <a:tailEnd type="triangle"/>
+            </a:ln>
+          </p:spPr>
+          <p:style>
+            <a:lnRef idx="1">
+              <a:schemeClr val="dk1"/>
+            </a:lnRef>
+            <a:fillRef idx="0">
+              <a:schemeClr val="dk1"/>
+            </a:fillRef>
+            <a:effectRef idx="0">
+              <a:schemeClr val="dk1"/>
+            </a:effectRef>
+            <a:fontRef idx="minor">
+              <a:schemeClr val="tx1"/>
+            </a:fontRef>
+          </p:style>
+        </p:cxnSp>
+        <p:sp>
+          <p:nvSpPr>
+            <p:cNvPr id="89" name="Tekstfelt 88">
+              <a:extLst>
+                <a:ext uri="{FF2B5EF4-FFF2-40B4-BE49-F238E27FC236}">
+                  <a16:creationId xmlns:a16="http://schemas.microsoft.com/office/drawing/2014/main" id="{05CF899E-04EE-1981-FFD6-1D6A40360949}"/>
+                </a:ext>
+              </a:extLst>
+            </p:cNvPr>
+            <p:cNvSpPr txBox="1"/>
+            <p:nvPr/>
+          </p:nvSpPr>
+          <p:spPr>
+            <a:xfrm>
+              <a:off x="6762755" y="4379069"/>
+              <a:ext cx="413896" cy="369332"/>
+            </a:xfrm>
+            <a:prstGeom prst="rect">
+              <a:avLst/>
+            </a:prstGeom>
+            <a:noFill/>
+          </p:spPr>
+          <p:txBody>
+            <a:bodyPr wrap="square" rtlCol="0">
+              <a:spAutoFit/>
+            </a:bodyPr>
+            <a:lstStyle/>
+            <a:p>
+              <a:r>
+                <a:rPr lang="da-DK" dirty="0"/>
+                <a:t>αL</a:t>
+              </a:r>
+            </a:p>
+          </p:txBody>
+        </p:sp>
+      </p:grpSp>
+      <p:cxnSp>
+        <p:nvCxnSpPr>
+          <p:cNvPr id="92" name="Lige forbindelse 91">
+            <a:extLst>
+              <a:ext uri="{FF2B5EF4-FFF2-40B4-BE49-F238E27FC236}">
+                <a16:creationId xmlns:a16="http://schemas.microsoft.com/office/drawing/2014/main" id="{89E70C9A-A0D9-0039-C5A0-22D285C278C3}"/>
+              </a:ext>
+            </a:extLst>
+          </p:cNvPr>
+          <p:cNvCxnSpPr>
+            <a:cxnSpLocks/>
+          </p:cNvCxnSpPr>
+          <p:nvPr/>
+        </p:nvCxnSpPr>
+        <p:spPr>
+          <a:xfrm>
+            <a:off x="8709401" y="3901797"/>
+            <a:ext cx="0" cy="734760"/>
           </a:xfrm>
           <a:prstGeom prst="line">
             <a:avLst/>
@@ -3932,10 +7157,573 @@
       </p:cxnSp>
       <p:sp>
         <p:nvSpPr>
-          <p:cNvPr id="41" name="Tekstfelt 40">
-            <a:extLst>
-              <a:ext uri="{FF2B5EF4-FFF2-40B4-BE49-F238E27FC236}">
-                <a16:creationId xmlns:a16="http://schemas.microsoft.com/office/drawing/2014/main" id="{B32AC7C7-EBCC-226D-B5CB-601A31765C13}"/>
+          <p:cNvPr id="97" name="Rektangel 96">
+            <a:extLst>
+              <a:ext uri="{FF2B5EF4-FFF2-40B4-BE49-F238E27FC236}">
+                <a16:creationId xmlns:a16="http://schemas.microsoft.com/office/drawing/2014/main" id="{01E407A8-6B07-E0F1-03AD-2065FF71ADF6}"/>
+              </a:ext>
+            </a:extLst>
+          </p:cNvPr>
+          <p:cNvSpPr/>
+          <p:nvPr/>
+        </p:nvSpPr>
+        <p:spPr>
+          <a:xfrm>
+            <a:off x="1914898" y="2681754"/>
+            <a:ext cx="3973627" cy="121997"/>
+          </a:xfrm>
+          <a:prstGeom prst="rect">
+            <a:avLst/>
+          </a:prstGeom>
+        </p:spPr>
+        <p:style>
+          <a:lnRef idx="1">
+            <a:schemeClr val="accent5"/>
+          </a:lnRef>
+          <a:fillRef idx="2">
+            <a:schemeClr val="accent5"/>
+          </a:fillRef>
+          <a:effectRef idx="1">
+            <a:schemeClr val="accent5"/>
+          </a:effectRef>
+          <a:fontRef idx="minor">
+            <a:schemeClr val="dk1"/>
+          </a:fontRef>
+        </p:style>
+        <p:txBody>
+          <a:bodyPr rtlCol="0" anchor="ctr"/>
+          <a:lstStyle/>
+          <a:p>
+            <a:pPr algn="ctr"/>
+            <a:endParaRPr lang="da-DK"/>
+          </a:p>
+        </p:txBody>
+      </p:sp>
+      <p:grpSp>
+        <p:nvGrpSpPr>
+          <p:cNvPr id="111" name="Gruppe 110">
+            <a:extLst>
+              <a:ext uri="{FF2B5EF4-FFF2-40B4-BE49-F238E27FC236}">
+                <a16:creationId xmlns:a16="http://schemas.microsoft.com/office/drawing/2014/main" id="{76929FA3-049C-BB2E-D203-D5ECC123DB26}"/>
+              </a:ext>
+            </a:extLst>
+          </p:cNvPr>
+          <p:cNvGrpSpPr/>
+          <p:nvPr/>
+        </p:nvGrpSpPr>
+        <p:grpSpPr>
+          <a:xfrm>
+            <a:off x="1889721" y="3256939"/>
+            <a:ext cx="269039" cy="239975"/>
+            <a:chOff x="9189161" y="2813695"/>
+            <a:chExt cx="269039" cy="239975"/>
+          </a:xfrm>
+        </p:grpSpPr>
+        <p:sp>
+          <p:nvSpPr>
+            <p:cNvPr id="112" name="Ligebenet trekant 111">
+              <a:extLst>
+                <a:ext uri="{FF2B5EF4-FFF2-40B4-BE49-F238E27FC236}">
+                  <a16:creationId xmlns:a16="http://schemas.microsoft.com/office/drawing/2014/main" id="{89DBF20D-6B7A-1D39-8546-603FAC3A2A19}"/>
+                </a:ext>
+              </a:extLst>
+            </p:cNvPr>
+            <p:cNvSpPr/>
+            <p:nvPr/>
+          </p:nvSpPr>
+          <p:spPr>
+            <a:xfrm>
+              <a:off x="9203138" y="2813695"/>
+              <a:ext cx="255062" cy="171018"/>
+            </a:xfrm>
+            <a:prstGeom prst="triangle">
+              <a:avLst/>
+            </a:prstGeom>
+          </p:spPr>
+          <p:style>
+            <a:lnRef idx="2">
+              <a:schemeClr val="dk1"/>
+            </a:lnRef>
+            <a:fillRef idx="1">
+              <a:schemeClr val="lt1"/>
+            </a:fillRef>
+            <a:effectRef idx="0">
+              <a:schemeClr val="dk1"/>
+            </a:effectRef>
+            <a:fontRef idx="minor">
+              <a:schemeClr val="dk1"/>
+            </a:fontRef>
+          </p:style>
+          <p:txBody>
+            <a:bodyPr rtlCol="0" anchor="ctr"/>
+            <a:lstStyle/>
+            <a:p>
+              <a:pPr algn="ctr"/>
+              <a:endParaRPr lang="da-DK"/>
+            </a:p>
+          </p:txBody>
+        </p:sp>
+        <p:grpSp>
+          <p:nvGrpSpPr>
+            <p:cNvPr id="113" name="Gruppe 112">
+              <a:extLst>
+                <a:ext uri="{FF2B5EF4-FFF2-40B4-BE49-F238E27FC236}">
+                  <a16:creationId xmlns:a16="http://schemas.microsoft.com/office/drawing/2014/main" id="{79580911-E054-1126-F153-9595586ADE13}"/>
+                </a:ext>
+              </a:extLst>
+            </p:cNvPr>
+            <p:cNvGrpSpPr/>
+            <p:nvPr/>
+          </p:nvGrpSpPr>
+          <p:grpSpPr>
+            <a:xfrm>
+              <a:off x="9189161" y="3004230"/>
+              <a:ext cx="263423" cy="49440"/>
+              <a:chOff x="6215080" y="3443854"/>
+              <a:chExt cx="263423" cy="49440"/>
+            </a:xfrm>
+          </p:grpSpPr>
+          <p:cxnSp>
+            <p:nvCxnSpPr>
+              <p:cNvPr id="114" name="Lige forbindelse 113">
+                <a:extLst>
+                  <a:ext uri="{FF2B5EF4-FFF2-40B4-BE49-F238E27FC236}">
+                    <a16:creationId xmlns:a16="http://schemas.microsoft.com/office/drawing/2014/main" id="{48D15F7F-A485-D8E6-C9DB-CDF24FB0A701}"/>
+                  </a:ext>
+                </a:extLst>
+              </p:cNvPr>
+              <p:cNvCxnSpPr>
+                <a:cxnSpLocks/>
+              </p:cNvCxnSpPr>
+              <p:nvPr/>
+            </p:nvCxnSpPr>
+            <p:spPr>
+              <a:xfrm flipH="1">
+                <a:off x="6215080" y="3443854"/>
+                <a:ext cx="34420" cy="48430"/>
+              </a:xfrm>
+              <a:prstGeom prst="line">
+                <a:avLst/>
+              </a:prstGeom>
+            </p:spPr>
+            <p:style>
+              <a:lnRef idx="1">
+                <a:schemeClr val="dk1"/>
+              </a:lnRef>
+              <a:fillRef idx="0">
+                <a:schemeClr val="dk1"/>
+              </a:fillRef>
+              <a:effectRef idx="0">
+                <a:schemeClr val="dk1"/>
+              </a:effectRef>
+              <a:fontRef idx="minor">
+                <a:schemeClr val="tx1"/>
+              </a:fontRef>
+            </p:style>
+          </p:cxnSp>
+          <p:cxnSp>
+            <p:nvCxnSpPr>
+              <p:cNvPr id="115" name="Lige forbindelse 114">
+                <a:extLst>
+                  <a:ext uri="{FF2B5EF4-FFF2-40B4-BE49-F238E27FC236}">
+                    <a16:creationId xmlns:a16="http://schemas.microsoft.com/office/drawing/2014/main" id="{E08631F3-26A1-2C67-69DA-B408B3218617}"/>
+                  </a:ext>
+                </a:extLst>
+              </p:cNvPr>
+              <p:cNvCxnSpPr>
+                <a:cxnSpLocks/>
+              </p:cNvCxnSpPr>
+              <p:nvPr/>
+            </p:nvCxnSpPr>
+            <p:spPr>
+              <a:xfrm flipH="1">
+                <a:off x="6272230" y="3445668"/>
+                <a:ext cx="28575" cy="39291"/>
+              </a:xfrm>
+              <a:prstGeom prst="line">
+                <a:avLst/>
+              </a:prstGeom>
+            </p:spPr>
+            <p:style>
+              <a:lnRef idx="1">
+                <a:schemeClr val="dk1"/>
+              </a:lnRef>
+              <a:fillRef idx="0">
+                <a:schemeClr val="dk1"/>
+              </a:fillRef>
+              <a:effectRef idx="0">
+                <a:schemeClr val="dk1"/>
+              </a:effectRef>
+              <a:fontRef idx="minor">
+                <a:schemeClr val="tx1"/>
+              </a:fontRef>
+            </p:style>
+          </p:cxnSp>
+          <p:cxnSp>
+            <p:nvCxnSpPr>
+              <p:cNvPr id="116" name="Lige forbindelse 115">
+                <a:extLst>
+                  <a:ext uri="{FF2B5EF4-FFF2-40B4-BE49-F238E27FC236}">
+                    <a16:creationId xmlns:a16="http://schemas.microsoft.com/office/drawing/2014/main" id="{AF4ACD5F-7611-7C55-12F4-39752B73CD38}"/>
+                  </a:ext>
+                </a:extLst>
+              </p:cNvPr>
+              <p:cNvCxnSpPr>
+                <a:cxnSpLocks/>
+              </p:cNvCxnSpPr>
+              <p:nvPr/>
+            </p:nvCxnSpPr>
+            <p:spPr>
+              <a:xfrm flipH="1">
+                <a:off x="6332845" y="3443854"/>
+                <a:ext cx="34420" cy="48430"/>
+              </a:xfrm>
+              <a:prstGeom prst="line">
+                <a:avLst/>
+              </a:prstGeom>
+            </p:spPr>
+            <p:style>
+              <a:lnRef idx="1">
+                <a:schemeClr val="dk1"/>
+              </a:lnRef>
+              <a:fillRef idx="0">
+                <a:schemeClr val="dk1"/>
+              </a:fillRef>
+              <a:effectRef idx="0">
+                <a:schemeClr val="dk1"/>
+              </a:effectRef>
+              <a:fontRef idx="minor">
+                <a:schemeClr val="tx1"/>
+              </a:fontRef>
+            </p:style>
+          </p:cxnSp>
+          <p:cxnSp>
+            <p:nvCxnSpPr>
+              <p:cNvPr id="117" name="Lige forbindelse 116">
+                <a:extLst>
+                  <a:ext uri="{FF2B5EF4-FFF2-40B4-BE49-F238E27FC236}">
+                    <a16:creationId xmlns:a16="http://schemas.microsoft.com/office/drawing/2014/main" id="{CDF16560-486E-D11A-4069-4C3CDB957E35}"/>
+                  </a:ext>
+                </a:extLst>
+              </p:cNvPr>
+              <p:cNvCxnSpPr>
+                <a:cxnSpLocks/>
+              </p:cNvCxnSpPr>
+              <p:nvPr/>
+            </p:nvCxnSpPr>
+            <p:spPr>
+              <a:xfrm flipH="1">
+                <a:off x="6389884" y="3443854"/>
+                <a:ext cx="34420" cy="48430"/>
+              </a:xfrm>
+              <a:prstGeom prst="line">
+                <a:avLst/>
+              </a:prstGeom>
+            </p:spPr>
+            <p:style>
+              <a:lnRef idx="1">
+                <a:schemeClr val="dk1"/>
+              </a:lnRef>
+              <a:fillRef idx="0">
+                <a:schemeClr val="dk1"/>
+              </a:fillRef>
+              <a:effectRef idx="0">
+                <a:schemeClr val="dk1"/>
+              </a:effectRef>
+              <a:fontRef idx="minor">
+                <a:schemeClr val="tx1"/>
+              </a:fontRef>
+            </p:style>
+          </p:cxnSp>
+          <p:cxnSp>
+            <p:nvCxnSpPr>
+              <p:cNvPr id="118" name="Lige forbindelse 117">
+                <a:extLst>
+                  <a:ext uri="{FF2B5EF4-FFF2-40B4-BE49-F238E27FC236}">
+                    <a16:creationId xmlns:a16="http://schemas.microsoft.com/office/drawing/2014/main" id="{F9563217-66D2-B32D-B596-9AB9BD89901D}"/>
+                  </a:ext>
+                </a:extLst>
+              </p:cNvPr>
+              <p:cNvCxnSpPr>
+                <a:cxnSpLocks/>
+              </p:cNvCxnSpPr>
+              <p:nvPr/>
+            </p:nvCxnSpPr>
+            <p:spPr>
+              <a:xfrm flipH="1">
+                <a:off x="6444083" y="3444712"/>
+                <a:ext cx="34420" cy="48582"/>
+              </a:xfrm>
+              <a:prstGeom prst="line">
+                <a:avLst/>
+              </a:prstGeom>
+            </p:spPr>
+            <p:style>
+              <a:lnRef idx="1">
+                <a:schemeClr val="dk1"/>
+              </a:lnRef>
+              <a:fillRef idx="0">
+                <a:schemeClr val="dk1"/>
+              </a:fillRef>
+              <a:effectRef idx="0">
+                <a:schemeClr val="dk1"/>
+              </a:effectRef>
+              <a:fontRef idx="minor">
+                <a:schemeClr val="tx1"/>
+              </a:fontRef>
+            </p:style>
+          </p:cxnSp>
+        </p:grpSp>
+      </p:grpSp>
+      <p:sp>
+        <p:nvSpPr>
+          <p:cNvPr id="119" name="Ellipse 118">
+            <a:extLst>
+              <a:ext uri="{FF2B5EF4-FFF2-40B4-BE49-F238E27FC236}">
+                <a16:creationId xmlns:a16="http://schemas.microsoft.com/office/drawing/2014/main" id="{A657E4E5-961E-CF86-6AC8-EA3B8B0CD5D3}"/>
+              </a:ext>
+            </a:extLst>
+          </p:cNvPr>
+          <p:cNvSpPr/>
+          <p:nvPr/>
+        </p:nvSpPr>
+        <p:spPr>
+          <a:xfrm>
+            <a:off x="3398434" y="2715805"/>
+            <a:ext cx="58009" cy="53604"/>
+          </a:xfrm>
+          <a:prstGeom prst="ellipse">
+            <a:avLst/>
+          </a:prstGeom>
+        </p:spPr>
+        <p:style>
+          <a:lnRef idx="2">
+            <a:schemeClr val="accent1">
+              <a:shade val="50000"/>
+            </a:schemeClr>
+          </a:lnRef>
+          <a:fillRef idx="1">
+            <a:schemeClr val="accent1"/>
+          </a:fillRef>
+          <a:effectRef idx="0">
+            <a:schemeClr val="accent1"/>
+          </a:effectRef>
+          <a:fontRef idx="minor">
+            <a:schemeClr val="lt1"/>
+          </a:fontRef>
+        </p:style>
+        <p:txBody>
+          <a:bodyPr rtlCol="0" anchor="ctr"/>
+          <a:lstStyle/>
+          <a:p>
+            <a:pPr algn="ctr"/>
+            <a:endParaRPr lang="da-DK"/>
+          </a:p>
+        </p:txBody>
+      </p:sp>
+      <p:grpSp>
+        <p:nvGrpSpPr>
+          <p:cNvPr id="120" name="Gruppe 119">
+            <a:extLst>
+              <a:ext uri="{FF2B5EF4-FFF2-40B4-BE49-F238E27FC236}">
+                <a16:creationId xmlns:a16="http://schemas.microsoft.com/office/drawing/2014/main" id="{DD447837-40BF-FEA0-A2FC-9D6D0DED24B7}"/>
+              </a:ext>
+            </a:extLst>
+          </p:cNvPr>
+          <p:cNvGrpSpPr/>
+          <p:nvPr/>
+        </p:nvGrpSpPr>
+        <p:grpSpPr>
+          <a:xfrm>
+            <a:off x="4331315" y="2824144"/>
+            <a:ext cx="286147" cy="261993"/>
+            <a:chOff x="11540209" y="2792264"/>
+            <a:chExt cx="286147" cy="261993"/>
+          </a:xfrm>
+        </p:grpSpPr>
+        <p:sp>
+          <p:nvSpPr>
+            <p:cNvPr id="121" name="Ligebenet trekant 120">
+              <a:extLst>
+                <a:ext uri="{FF2B5EF4-FFF2-40B4-BE49-F238E27FC236}">
+                  <a16:creationId xmlns:a16="http://schemas.microsoft.com/office/drawing/2014/main" id="{75ADA665-E041-28E2-21FB-5DF454978CAF}"/>
+                </a:ext>
+              </a:extLst>
+            </p:cNvPr>
+            <p:cNvSpPr/>
+            <p:nvPr/>
+          </p:nvSpPr>
+          <p:spPr>
+            <a:xfrm>
+              <a:off x="11552119" y="2792264"/>
+              <a:ext cx="255062" cy="171018"/>
+            </a:xfrm>
+            <a:prstGeom prst="triangle">
+              <a:avLst/>
+            </a:prstGeom>
+          </p:spPr>
+          <p:style>
+            <a:lnRef idx="2">
+              <a:schemeClr val="dk1"/>
+            </a:lnRef>
+            <a:fillRef idx="1">
+              <a:schemeClr val="lt1"/>
+            </a:fillRef>
+            <a:effectRef idx="0">
+              <a:schemeClr val="dk1"/>
+            </a:effectRef>
+            <a:fontRef idx="minor">
+              <a:schemeClr val="dk1"/>
+            </a:fontRef>
+          </p:style>
+          <p:txBody>
+            <a:bodyPr rtlCol="0" anchor="ctr"/>
+            <a:lstStyle/>
+            <a:p>
+              <a:pPr algn="ctr"/>
+              <a:endParaRPr lang="da-DK"/>
+            </a:p>
+          </p:txBody>
+        </p:sp>
+        <p:sp>
+          <p:nvSpPr>
+            <p:cNvPr id="122" name="Ellipse 121">
+              <a:extLst>
+                <a:ext uri="{FF2B5EF4-FFF2-40B4-BE49-F238E27FC236}">
+                  <a16:creationId xmlns:a16="http://schemas.microsoft.com/office/drawing/2014/main" id="{D0FFEB8B-1DD8-1976-9DCA-248F0E4A0818}"/>
+                </a:ext>
+              </a:extLst>
+            </p:cNvPr>
+            <p:cNvSpPr/>
+            <p:nvPr/>
+          </p:nvSpPr>
+          <p:spPr>
+            <a:xfrm>
+              <a:off x="11540209" y="2984713"/>
+              <a:ext cx="75371" cy="67947"/>
+            </a:xfrm>
+            <a:prstGeom prst="ellipse">
+              <a:avLst/>
+            </a:prstGeom>
+          </p:spPr>
+          <p:style>
+            <a:lnRef idx="2">
+              <a:schemeClr val="dk1"/>
+            </a:lnRef>
+            <a:fillRef idx="1">
+              <a:schemeClr val="lt1"/>
+            </a:fillRef>
+            <a:effectRef idx="0">
+              <a:schemeClr val="dk1"/>
+            </a:effectRef>
+            <a:fontRef idx="minor">
+              <a:schemeClr val="dk1"/>
+            </a:fontRef>
+          </p:style>
+          <p:txBody>
+            <a:bodyPr rtlCol="0" anchor="ctr"/>
+            <a:lstStyle/>
+            <a:p>
+              <a:pPr algn="ctr"/>
+              <a:endParaRPr lang="da-DK"/>
+            </a:p>
+          </p:txBody>
+        </p:sp>
+        <p:sp>
+          <p:nvSpPr>
+            <p:cNvPr id="123" name="Ellipse 122">
+              <a:extLst>
+                <a:ext uri="{FF2B5EF4-FFF2-40B4-BE49-F238E27FC236}">
+                  <a16:creationId xmlns:a16="http://schemas.microsoft.com/office/drawing/2014/main" id="{9E3E7BD7-2904-466D-CAD7-5E218A2D0CAC}"/>
+                </a:ext>
+              </a:extLst>
+            </p:cNvPr>
+            <p:cNvSpPr/>
+            <p:nvPr/>
+          </p:nvSpPr>
+          <p:spPr>
+            <a:xfrm>
+              <a:off x="11647264" y="2986310"/>
+              <a:ext cx="75371" cy="67947"/>
+            </a:xfrm>
+            <a:prstGeom prst="ellipse">
+              <a:avLst/>
+            </a:prstGeom>
+          </p:spPr>
+          <p:style>
+            <a:lnRef idx="2">
+              <a:schemeClr val="dk1"/>
+            </a:lnRef>
+            <a:fillRef idx="1">
+              <a:schemeClr val="lt1"/>
+            </a:fillRef>
+            <a:effectRef idx="0">
+              <a:schemeClr val="dk1"/>
+            </a:effectRef>
+            <a:fontRef idx="minor">
+              <a:schemeClr val="dk1"/>
+            </a:fontRef>
+          </p:style>
+          <p:txBody>
+            <a:bodyPr rtlCol="0" anchor="ctr"/>
+            <a:lstStyle/>
+            <a:p>
+              <a:pPr algn="ctr"/>
+              <a:endParaRPr lang="da-DK"/>
+            </a:p>
+          </p:txBody>
+        </p:sp>
+        <p:sp>
+          <p:nvSpPr>
+            <p:cNvPr id="124" name="Ellipse 123">
+              <a:extLst>
+                <a:ext uri="{FF2B5EF4-FFF2-40B4-BE49-F238E27FC236}">
+                  <a16:creationId xmlns:a16="http://schemas.microsoft.com/office/drawing/2014/main" id="{D6196912-01EF-DA78-3266-189010858E2D}"/>
+                </a:ext>
+              </a:extLst>
+            </p:cNvPr>
+            <p:cNvSpPr/>
+            <p:nvPr/>
+          </p:nvSpPr>
+          <p:spPr>
+            <a:xfrm>
+              <a:off x="11750985" y="2984712"/>
+              <a:ext cx="75371" cy="67947"/>
+            </a:xfrm>
+            <a:prstGeom prst="ellipse">
+              <a:avLst/>
+            </a:prstGeom>
+          </p:spPr>
+          <p:style>
+            <a:lnRef idx="2">
+              <a:schemeClr val="dk1"/>
+            </a:lnRef>
+            <a:fillRef idx="1">
+              <a:schemeClr val="lt1"/>
+            </a:fillRef>
+            <a:effectRef idx="0">
+              <a:schemeClr val="dk1"/>
+            </a:effectRef>
+            <a:fontRef idx="minor">
+              <a:schemeClr val="dk1"/>
+            </a:fontRef>
+          </p:style>
+          <p:txBody>
+            <a:bodyPr rtlCol="0" anchor="ctr"/>
+            <a:lstStyle/>
+            <a:p>
+              <a:pPr algn="ctr"/>
+              <a:endParaRPr lang="da-DK"/>
+            </a:p>
+          </p:txBody>
+        </p:sp>
+      </p:grpSp>
+      <p:sp>
+        <p:nvSpPr>
+          <p:cNvPr id="133" name="Tekstfelt 132">
+            <a:extLst>
+              <a:ext uri="{FF2B5EF4-FFF2-40B4-BE49-F238E27FC236}">
+                <a16:creationId xmlns:a16="http://schemas.microsoft.com/office/drawing/2014/main" id="{172FDFD8-DECD-5C4C-9E65-31CA187426FC}"/>
               </a:ext>
             </a:extLst>
           </p:cNvPr>
@@ -3944,38 +7732,47 @@
         </p:nvSpPr>
         <p:spPr>
           <a:xfrm>
-            <a:off x="4904027" y="3932731"/>
-            <a:ext cx="370614" cy="369332"/>
+            <a:off x="4125600" y="3105969"/>
+            <a:ext cx="776281" cy="369332"/>
           </a:xfrm>
           <a:prstGeom prst="rect">
             <a:avLst/>
           </a:prstGeom>
-          <a:noFill/>
         </p:spPr>
+        <p:style>
+          <a:lnRef idx="2">
+            <a:schemeClr val="dk1"/>
+          </a:lnRef>
+          <a:fillRef idx="1">
+            <a:schemeClr val="lt1"/>
+          </a:fillRef>
+          <a:effectRef idx="0">
+            <a:schemeClr val="dk1"/>
+          </a:effectRef>
+          <a:fontRef idx="minor">
+            <a:schemeClr val="dk1"/>
+          </a:fontRef>
+        </p:style>
         <p:txBody>
-          <a:bodyPr wrap="none" rtlCol="0">
+          <a:bodyPr wrap="square" rtlCol="0">
             <a:spAutoFit/>
           </a:bodyPr>
           <a:lstStyle/>
           <a:p>
+            <a:pPr algn="ctr"/>
             <a:r>
               <a:rPr lang="da-DK" dirty="0"/>
-              <a:t>F</a:t>
+              <a:t>Vægt</a:t>
             </a:r>
-            <a:r>
-              <a:rPr lang="da-DK" baseline="-25000" dirty="0"/>
-              <a:t>u</a:t>
-            </a:r>
-            <a:endParaRPr lang="da-DK" dirty="0"/>
           </a:p>
         </p:txBody>
       </p:sp>
       <p:sp>
         <p:nvSpPr>
-          <p:cNvPr id="42" name="Tekstfelt 41">
-            <a:extLst>
-              <a:ext uri="{FF2B5EF4-FFF2-40B4-BE49-F238E27FC236}">
-                <a16:creationId xmlns:a16="http://schemas.microsoft.com/office/drawing/2014/main" id="{D79CA433-3FF6-F3BF-BFF1-F85489A4A495}"/>
+          <p:cNvPr id="134" name="Tekstfelt 133">
+            <a:extLst>
+              <a:ext uri="{FF2B5EF4-FFF2-40B4-BE49-F238E27FC236}">
+                <a16:creationId xmlns:a16="http://schemas.microsoft.com/office/drawing/2014/main" id="{8F285E9E-8C1A-6BB3-CBE6-3B5C613A6A26}"/>
               </a:ext>
             </a:extLst>
           </p:cNvPr>
@@ -3984,205 +7781,1160 @@
         </p:nvSpPr>
         <p:spPr>
           <a:xfrm>
-            <a:off x="8340447" y="4024518"/>
-            <a:ext cx="1138260" cy="369332"/>
+            <a:off x="5091256" y="2395046"/>
+            <a:ext cx="797269" cy="276999"/>
           </a:xfrm>
           <a:prstGeom prst="rect">
             <a:avLst/>
           </a:prstGeom>
-          <a:noFill/>
         </p:spPr>
+        <p:style>
+          <a:lnRef idx="2">
+            <a:schemeClr val="dk1"/>
+          </a:lnRef>
+          <a:fillRef idx="1">
+            <a:schemeClr val="lt1"/>
+          </a:fillRef>
+          <a:effectRef idx="0">
+            <a:schemeClr val="dk1"/>
+          </a:effectRef>
+          <a:fontRef idx="minor">
+            <a:schemeClr val="dk1"/>
+          </a:fontRef>
+        </p:style>
         <p:txBody>
-          <a:bodyPr wrap="none" rtlCol="0">
+          <a:bodyPr wrap="square" rtlCol="0">
             <a:spAutoFit/>
           </a:bodyPr>
           <a:lstStyle/>
           <a:p>
+            <a:pPr algn="ctr"/>
             <a:r>
-              <a:rPr lang="da-DK" dirty="0" err="1"/>
-              <a:t>F</a:t>
+              <a:rPr lang="da-DK" sz="1200" dirty="0"/>
+              <a:t>Dødvægt</a:t>
             </a:r>
-            <a:r>
-              <a:rPr lang="da-DK" baseline="-25000" dirty="0" err="1"/>
-              <a:t>v</a:t>
-            </a:r>
-            <a:r>
-              <a:rPr lang="da-DK" dirty="0"/>
-              <a:t>=</a:t>
-            </a:r>
-            <a:r>
-              <a:rPr lang="da-DK" dirty="0" err="1"/>
-              <a:t>F</a:t>
-            </a:r>
-            <a:r>
-              <a:rPr lang="da-DK" baseline="-25000" dirty="0" err="1"/>
-              <a:t>v,T</a:t>
-            </a:r>
-            <a:r>
-              <a:rPr lang="da-DK" dirty="0" err="1"/>
-              <a:t>+F</a:t>
-            </a:r>
-            <a:r>
-              <a:rPr lang="da-DK" baseline="-25000" dirty="0" err="1"/>
-              <a:t>v,p</a:t>
-            </a:r>
-            <a:endParaRPr lang="da-DK" dirty="0"/>
           </a:p>
         </p:txBody>
       </p:sp>
+      <p:grpSp>
+        <p:nvGrpSpPr>
+          <p:cNvPr id="142" name="Gruppe 141">
+            <a:extLst>
+              <a:ext uri="{FF2B5EF4-FFF2-40B4-BE49-F238E27FC236}">
+                <a16:creationId xmlns:a16="http://schemas.microsoft.com/office/drawing/2014/main" id="{15FCAD51-63BD-B57A-E727-2E1114A95834}"/>
+              </a:ext>
+            </a:extLst>
+          </p:cNvPr>
+          <p:cNvGrpSpPr/>
+          <p:nvPr/>
+        </p:nvGrpSpPr>
+        <p:grpSpPr>
+          <a:xfrm>
+            <a:off x="1016417" y="1811540"/>
+            <a:ext cx="2032462" cy="1062225"/>
+            <a:chOff x="922688" y="1803566"/>
+            <a:chExt cx="2032462" cy="1062225"/>
+          </a:xfrm>
+        </p:grpSpPr>
+        <p:sp>
+          <p:nvSpPr>
+            <p:cNvPr id="136" name="Ellipse 135">
+              <a:extLst>
+                <a:ext uri="{FF2B5EF4-FFF2-40B4-BE49-F238E27FC236}">
+                  <a16:creationId xmlns:a16="http://schemas.microsoft.com/office/drawing/2014/main" id="{FE553442-FAEB-EE96-2CF5-6CFA5EED17D4}"/>
+                </a:ext>
+              </a:extLst>
+            </p:cNvPr>
+            <p:cNvSpPr/>
+            <p:nvPr/>
+          </p:nvSpPr>
+          <p:spPr>
+            <a:xfrm>
+              <a:off x="1688719" y="2112880"/>
+              <a:ext cx="483586" cy="439831"/>
+            </a:xfrm>
+            <a:prstGeom prst="ellipse">
+              <a:avLst/>
+            </a:prstGeom>
+          </p:spPr>
+          <p:style>
+            <a:lnRef idx="2">
+              <a:schemeClr val="accent1">
+                <a:shade val="50000"/>
+              </a:schemeClr>
+            </a:lnRef>
+            <a:fillRef idx="1">
+              <a:schemeClr val="accent1"/>
+            </a:fillRef>
+            <a:effectRef idx="0">
+              <a:schemeClr val="accent1"/>
+            </a:effectRef>
+            <a:fontRef idx="minor">
+              <a:schemeClr val="lt1"/>
+            </a:fontRef>
+          </p:style>
+          <p:txBody>
+            <a:bodyPr rtlCol="0" anchor="ctr"/>
+            <a:lstStyle/>
+            <a:p>
+              <a:pPr algn="ctr"/>
+              <a:endParaRPr lang="da-DK"/>
+            </a:p>
+          </p:txBody>
+        </p:sp>
+        <p:sp>
+          <p:nvSpPr>
+            <p:cNvPr id="137" name="Rektangel 136">
+              <a:extLst>
+                <a:ext uri="{FF2B5EF4-FFF2-40B4-BE49-F238E27FC236}">
+                  <a16:creationId xmlns:a16="http://schemas.microsoft.com/office/drawing/2014/main" id="{A072D924-B8C0-348F-FC9C-532C9A19E07E}"/>
+                </a:ext>
+              </a:extLst>
+            </p:cNvPr>
+            <p:cNvSpPr/>
+            <p:nvPr/>
+          </p:nvSpPr>
+          <p:spPr>
+            <a:xfrm>
+              <a:off x="1823424" y="2552711"/>
+              <a:ext cx="229003" cy="121997"/>
+            </a:xfrm>
+            <a:prstGeom prst="rect">
+              <a:avLst/>
+            </a:prstGeom>
+          </p:spPr>
+          <p:style>
+            <a:lnRef idx="2">
+              <a:schemeClr val="accent1">
+                <a:shade val="50000"/>
+              </a:schemeClr>
+            </a:lnRef>
+            <a:fillRef idx="1">
+              <a:schemeClr val="accent1"/>
+            </a:fillRef>
+            <a:effectRef idx="0">
+              <a:schemeClr val="accent1"/>
+            </a:effectRef>
+            <a:fontRef idx="minor">
+              <a:schemeClr val="lt1"/>
+            </a:fontRef>
+          </p:style>
+          <p:txBody>
+            <a:bodyPr rtlCol="0" anchor="ctr"/>
+            <a:lstStyle/>
+            <a:p>
+              <a:pPr algn="ctr"/>
+              <a:endParaRPr lang="da-DK"/>
+            </a:p>
+          </p:txBody>
+        </p:sp>
+        <p:sp>
+          <p:nvSpPr>
+            <p:cNvPr id="138" name="Ellipse 137">
+              <a:extLst>
+                <a:ext uri="{FF2B5EF4-FFF2-40B4-BE49-F238E27FC236}">
+                  <a16:creationId xmlns:a16="http://schemas.microsoft.com/office/drawing/2014/main" id="{B7694357-55EE-4906-18AC-233B2AD551CF}"/>
+                </a:ext>
+              </a:extLst>
+            </p:cNvPr>
+            <p:cNvSpPr/>
+            <p:nvPr/>
+          </p:nvSpPr>
+          <p:spPr>
+            <a:xfrm rot="19106251" flipV="1">
+              <a:off x="1828019" y="1803566"/>
+              <a:ext cx="1127131" cy="246370"/>
+            </a:xfrm>
+            <a:prstGeom prst="ellipse">
+              <a:avLst/>
+            </a:prstGeom>
+          </p:spPr>
+          <p:style>
+            <a:lnRef idx="2">
+              <a:schemeClr val="accent1">
+                <a:shade val="50000"/>
+              </a:schemeClr>
+            </a:lnRef>
+            <a:fillRef idx="1">
+              <a:schemeClr val="accent1"/>
+            </a:fillRef>
+            <a:effectRef idx="0">
+              <a:schemeClr val="accent1"/>
+            </a:effectRef>
+            <a:fontRef idx="minor">
+              <a:schemeClr val="lt1"/>
+            </a:fontRef>
+          </p:style>
+          <p:txBody>
+            <a:bodyPr rtlCol="0" anchor="ctr"/>
+            <a:lstStyle/>
+            <a:p>
+              <a:pPr algn="ctr"/>
+              <a:endParaRPr lang="da-DK"/>
+            </a:p>
+          </p:txBody>
+        </p:sp>
+        <p:sp>
+          <p:nvSpPr>
+            <p:cNvPr id="139" name="Ellipse 138">
+              <a:extLst>
+                <a:ext uri="{FF2B5EF4-FFF2-40B4-BE49-F238E27FC236}">
+                  <a16:creationId xmlns:a16="http://schemas.microsoft.com/office/drawing/2014/main" id="{2A379E1B-2E7C-E341-6E3F-F83B5A6EC949}"/>
+                </a:ext>
+              </a:extLst>
+            </p:cNvPr>
+            <p:cNvSpPr/>
+            <p:nvPr/>
+          </p:nvSpPr>
+          <p:spPr>
+            <a:xfrm rot="19106251" flipV="1">
+              <a:off x="922688" y="2619421"/>
+              <a:ext cx="1127131" cy="246370"/>
+            </a:xfrm>
+            <a:prstGeom prst="ellipse">
+              <a:avLst/>
+            </a:prstGeom>
+          </p:spPr>
+          <p:style>
+            <a:lnRef idx="2">
+              <a:schemeClr val="accent1">
+                <a:shade val="50000"/>
+              </a:schemeClr>
+            </a:lnRef>
+            <a:fillRef idx="1">
+              <a:schemeClr val="accent1"/>
+            </a:fillRef>
+            <a:effectRef idx="0">
+              <a:schemeClr val="accent1"/>
+            </a:effectRef>
+            <a:fontRef idx="minor">
+              <a:schemeClr val="lt1"/>
+            </a:fontRef>
+          </p:style>
+          <p:txBody>
+            <a:bodyPr rtlCol="0" anchor="ctr"/>
+            <a:lstStyle/>
+            <a:p>
+              <a:pPr algn="ctr"/>
+              <a:endParaRPr lang="da-DK"/>
+            </a:p>
+          </p:txBody>
+        </p:sp>
+      </p:grpSp>
       <p:sp>
         <p:nvSpPr>
-          <p:cNvPr id="43" name="Tekstfelt 42">
-            <a:extLst>
-              <a:ext uri="{FF2B5EF4-FFF2-40B4-BE49-F238E27FC236}">
-                <a16:creationId xmlns:a16="http://schemas.microsoft.com/office/drawing/2014/main" id="{A306B2B8-8554-9E4A-9541-6881CD07A73B}"/>
-              </a:ext>
-            </a:extLst>
-          </p:cNvPr>
-          <p:cNvSpPr txBox="1"/>
+          <p:cNvPr id="140" name="Rektangel 139">
+            <a:extLst>
+              <a:ext uri="{FF2B5EF4-FFF2-40B4-BE49-F238E27FC236}">
+                <a16:creationId xmlns:a16="http://schemas.microsoft.com/office/drawing/2014/main" id="{E8EF7BC5-C77F-9B16-BC3D-54EFEA85540A}"/>
+              </a:ext>
+            </a:extLst>
+          </p:cNvPr>
+          <p:cNvSpPr/>
           <p:nvPr/>
         </p:nvSpPr>
         <p:spPr>
           <a:xfrm>
-            <a:off x="6429079" y="3740069"/>
-            <a:ext cx="365806" cy="369332"/>
+            <a:off x="1912241" y="2805895"/>
+            <a:ext cx="229003" cy="441885"/>
           </a:xfrm>
           <a:prstGeom prst="rect">
             <a:avLst/>
           </a:prstGeom>
-          <a:noFill/>
         </p:spPr>
+        <p:style>
+          <a:lnRef idx="2">
+            <a:schemeClr val="accent1">
+              <a:shade val="50000"/>
+            </a:schemeClr>
+          </a:lnRef>
+          <a:fillRef idx="1">
+            <a:schemeClr val="accent1"/>
+          </a:fillRef>
+          <a:effectRef idx="0">
+            <a:schemeClr val="accent1"/>
+          </a:effectRef>
+          <a:fontRef idx="minor">
+            <a:schemeClr val="lt1"/>
+          </a:fontRef>
+        </p:style>
         <p:txBody>
-          <a:bodyPr wrap="none" rtlCol="0">
-            <a:spAutoFit/>
-          </a:bodyPr>
+          <a:bodyPr rtlCol="0" anchor="ctr"/>
           <a:lstStyle/>
           <a:p>
-            <a:r>
-              <a:rPr lang="da-DK" dirty="0"/>
-              <a:t>F</a:t>
-            </a:r>
-            <a:r>
-              <a:rPr lang="da-DK" baseline="-25000" dirty="0"/>
-              <a:t>T</a:t>
-            </a:r>
-            <a:endParaRPr lang="da-DK" dirty="0"/>
-          </a:p>
-        </p:txBody>
-      </p:sp>
-      <p:sp>
-        <p:nvSpPr>
-          <p:cNvPr id="44" name="Tekstfelt 43">
-            <a:extLst>
-              <a:ext uri="{FF2B5EF4-FFF2-40B4-BE49-F238E27FC236}">
-                <a16:creationId xmlns:a16="http://schemas.microsoft.com/office/drawing/2014/main" id="{5C31AB57-17E6-DC0B-1AC3-73CEFC926E6E}"/>
-              </a:ext>
-            </a:extLst>
-          </p:cNvPr>
-          <p:cNvSpPr txBox="1"/>
-          <p:nvPr/>
-        </p:nvSpPr>
-        <p:spPr>
-          <a:xfrm>
-            <a:off x="5286375" y="5301507"/>
-            <a:ext cx="282450" cy="369332"/>
-          </a:xfrm>
-          <a:prstGeom prst="rect">
-            <a:avLst/>
-          </a:prstGeom>
-          <a:noFill/>
-        </p:spPr>
-        <p:txBody>
-          <a:bodyPr wrap="none" rtlCol="0">
-            <a:spAutoFit/>
-          </a:bodyPr>
-          <a:lstStyle/>
-          <a:p>
-            <a:r>
-              <a:rPr lang="da-DK" dirty="0"/>
-              <a:t>L</a:t>
-            </a:r>
-          </a:p>
-        </p:txBody>
-      </p:sp>
-      <p:sp>
-        <p:nvSpPr>
-          <p:cNvPr id="45" name="Tekstfelt 44">
-            <a:extLst>
-              <a:ext uri="{FF2B5EF4-FFF2-40B4-BE49-F238E27FC236}">
-                <a16:creationId xmlns:a16="http://schemas.microsoft.com/office/drawing/2014/main" id="{620721B9-48E0-83C2-2168-D05010F86923}"/>
-              </a:ext>
-            </a:extLst>
-          </p:cNvPr>
-          <p:cNvSpPr txBox="1"/>
-          <p:nvPr/>
-        </p:nvSpPr>
-        <p:spPr>
-          <a:xfrm>
-            <a:off x="3134622" y="4429124"/>
-            <a:ext cx="413896" cy="369332"/>
-          </a:xfrm>
-          <a:prstGeom prst="rect">
-            <a:avLst/>
-          </a:prstGeom>
-          <a:noFill/>
-        </p:spPr>
-        <p:txBody>
-          <a:bodyPr wrap="none" rtlCol="0">
-            <a:spAutoFit/>
-          </a:bodyPr>
-          <a:lstStyle/>
-          <a:p>
-            <a:r>
-              <a:rPr lang="da-DK" dirty="0"/>
-              <a:t>αL</a:t>
-            </a:r>
-          </a:p>
-        </p:txBody>
-      </p:sp>
-      <p:sp>
-        <p:nvSpPr>
-          <p:cNvPr id="46" name="Tekstfelt 45">
-            <a:extLst>
-              <a:ext uri="{FF2B5EF4-FFF2-40B4-BE49-F238E27FC236}">
-                <a16:creationId xmlns:a16="http://schemas.microsoft.com/office/drawing/2014/main" id="{2AB866D0-02E1-907F-1452-0DC91F106B43}"/>
-              </a:ext>
-            </a:extLst>
-          </p:cNvPr>
-          <p:cNvSpPr txBox="1"/>
-          <p:nvPr/>
-        </p:nvSpPr>
-        <p:spPr>
-          <a:xfrm>
-            <a:off x="4068041" y="4739986"/>
-            <a:ext cx="405880" cy="369332"/>
-          </a:xfrm>
-          <a:prstGeom prst="rect">
-            <a:avLst/>
-          </a:prstGeom>
-          <a:noFill/>
-        </p:spPr>
-        <p:txBody>
-          <a:bodyPr wrap="none" rtlCol="0">
-            <a:spAutoFit/>
-          </a:bodyPr>
-          <a:lstStyle/>
-          <a:p>
-            <a:r>
-              <a:rPr lang="el-GR" dirty="0"/>
-              <a:t>β</a:t>
-            </a:r>
-            <a:r>
-              <a:rPr lang="da-DK" dirty="0"/>
-              <a:t>L</a:t>
-            </a:r>
+            <a:pPr algn="ctr"/>
+            <a:endParaRPr lang="da-DK"/>
           </a:p>
         </p:txBody>
       </p:sp>
     </p:spTree>
     <p:extLst>
       <p:ext uri="{BB962C8B-B14F-4D97-AF65-F5344CB8AC3E}">
-        <p14:creationId xmlns:p14="http://schemas.microsoft.com/office/powerpoint/2010/main" val="113760089"/>
+        <p14:creationId xmlns:p14="http://schemas.microsoft.com/office/powerpoint/2010/main" val="377353606"/>
+      </p:ext>
+    </p:extLst>
+  </p:cSld>
+  <p:clrMapOvr>
+    <a:masterClrMapping/>
+  </p:clrMapOvr>
+</p:sld>
+</file>
+
+<file path=ppt/slides/slide3.xml><?xml version="1.0" encoding="utf-8"?>
+<p:sld xmlns:a="http://schemas.openxmlformats.org/drawingml/2006/main" xmlns:r="http://schemas.openxmlformats.org/officeDocument/2006/relationships" xmlns:p="http://schemas.openxmlformats.org/presentationml/2006/main">
+  <p:cSld>
+    <p:spTree>
+      <p:nvGrpSpPr>
+        <p:cNvPr id="1" name=""/>
+        <p:cNvGrpSpPr/>
+        <p:nvPr/>
+      </p:nvGrpSpPr>
+      <p:grpSpPr>
+        <a:xfrm>
+          <a:off x="0" y="0"/>
+          <a:ext cx="0" cy="0"/>
+          <a:chOff x="0" y="0"/>
+          <a:chExt cx="0" cy="0"/>
+        </a:xfrm>
+      </p:grpSpPr>
+      <p:sp>
+        <p:nvSpPr>
+          <p:cNvPr id="4" name="Cylinder 3">
+            <a:extLst>
+              <a:ext uri="{FF2B5EF4-FFF2-40B4-BE49-F238E27FC236}">
+                <a16:creationId xmlns:a16="http://schemas.microsoft.com/office/drawing/2014/main" id="{F61D4C4C-6B1F-822D-47D9-D7776079A031}"/>
+              </a:ext>
+            </a:extLst>
+          </p:cNvPr>
+          <p:cNvSpPr/>
+          <p:nvPr/>
+        </p:nvSpPr>
+        <p:spPr>
+          <a:xfrm>
+            <a:off x="1700213" y="1419225"/>
+            <a:ext cx="914400" cy="1216152"/>
+          </a:xfrm>
+          <a:prstGeom prst="can">
+            <a:avLst/>
+          </a:prstGeom>
+        </p:spPr>
+        <p:style>
+          <a:lnRef idx="2">
+            <a:schemeClr val="accent1">
+              <a:shade val="50000"/>
+            </a:schemeClr>
+          </a:lnRef>
+          <a:fillRef idx="1">
+            <a:schemeClr val="accent1"/>
+          </a:fillRef>
+          <a:effectRef idx="0">
+            <a:schemeClr val="accent1"/>
+          </a:effectRef>
+          <a:fontRef idx="minor">
+            <a:schemeClr val="lt1"/>
+          </a:fontRef>
+        </p:style>
+        <p:txBody>
+          <a:bodyPr rtlCol="0" anchor="ctr"/>
+          <a:lstStyle/>
+          <a:p>
+            <a:pPr algn="ctr"/>
+            <a:endParaRPr lang="da-DK"/>
+          </a:p>
+        </p:txBody>
+      </p:sp>
+      <p:sp>
+        <p:nvSpPr>
+          <p:cNvPr id="5" name="Rektangel 4">
+            <a:extLst>
+              <a:ext uri="{FF2B5EF4-FFF2-40B4-BE49-F238E27FC236}">
+                <a16:creationId xmlns:a16="http://schemas.microsoft.com/office/drawing/2014/main" id="{3C48BE09-5929-BC9D-D381-B1FCD6E351CE}"/>
+              </a:ext>
+            </a:extLst>
+          </p:cNvPr>
+          <p:cNvSpPr/>
+          <p:nvPr/>
+        </p:nvSpPr>
+        <p:spPr>
+          <a:xfrm>
+            <a:off x="2100263" y="2635377"/>
+            <a:ext cx="7196137" cy="264986"/>
+          </a:xfrm>
+          <a:prstGeom prst="rect">
+            <a:avLst/>
+          </a:prstGeom>
+        </p:spPr>
+        <p:style>
+          <a:lnRef idx="2">
+            <a:schemeClr val="accent1">
+              <a:shade val="50000"/>
+            </a:schemeClr>
+          </a:lnRef>
+          <a:fillRef idx="1">
+            <a:schemeClr val="accent1"/>
+          </a:fillRef>
+          <a:effectRef idx="0">
+            <a:schemeClr val="accent1"/>
+          </a:effectRef>
+          <a:fontRef idx="minor">
+            <a:schemeClr val="lt1"/>
+          </a:fontRef>
+        </p:style>
+        <p:txBody>
+          <a:bodyPr rtlCol="0" anchor="ctr"/>
+          <a:lstStyle/>
+          <a:p>
+            <a:pPr algn="ctr"/>
+            <a:endParaRPr lang="da-DK"/>
+          </a:p>
+        </p:txBody>
+      </p:sp>
+      <p:sp>
+        <p:nvSpPr>
+          <p:cNvPr id="7" name="Kombinationstegning: figur 6">
+            <a:extLst>
+              <a:ext uri="{FF2B5EF4-FFF2-40B4-BE49-F238E27FC236}">
+                <a16:creationId xmlns:a16="http://schemas.microsoft.com/office/drawing/2014/main" id="{F63DAEC6-57C6-2632-60DE-D838937FE21F}"/>
+              </a:ext>
+            </a:extLst>
+          </p:cNvPr>
+          <p:cNvSpPr/>
+          <p:nvPr/>
+        </p:nvSpPr>
+        <p:spPr>
+          <a:xfrm>
+            <a:off x="2166461" y="1033463"/>
+            <a:ext cx="787122" cy="440790"/>
+          </a:xfrm>
+          <a:custGeom>
+            <a:avLst/>
+            <a:gdLst>
+              <a:gd name="connsiteX0" fmla="*/ 477 w 787122"/>
+              <a:gd name="connsiteY0" fmla="*/ 438150 h 440790"/>
+              <a:gd name="connsiteX1" fmla="*/ 33814 w 787122"/>
+              <a:gd name="connsiteY1" fmla="*/ 433387 h 440790"/>
+              <a:gd name="connsiteX2" fmla="*/ 81439 w 787122"/>
+              <a:gd name="connsiteY2" fmla="*/ 419100 h 440790"/>
+              <a:gd name="connsiteX3" fmla="*/ 148114 w 787122"/>
+              <a:gd name="connsiteY3" fmla="*/ 414337 h 440790"/>
+              <a:gd name="connsiteX4" fmla="*/ 238602 w 787122"/>
+              <a:gd name="connsiteY4" fmla="*/ 404812 h 440790"/>
+              <a:gd name="connsiteX5" fmla="*/ 352902 w 787122"/>
+              <a:gd name="connsiteY5" fmla="*/ 366712 h 440790"/>
+              <a:gd name="connsiteX6" fmla="*/ 419577 w 787122"/>
+              <a:gd name="connsiteY6" fmla="*/ 338137 h 440790"/>
+              <a:gd name="connsiteX7" fmla="*/ 462439 w 787122"/>
+              <a:gd name="connsiteY7" fmla="*/ 304800 h 440790"/>
+              <a:gd name="connsiteX8" fmla="*/ 500539 w 787122"/>
+              <a:gd name="connsiteY8" fmla="*/ 280987 h 440790"/>
+              <a:gd name="connsiteX9" fmla="*/ 562452 w 787122"/>
+              <a:gd name="connsiteY9" fmla="*/ 233362 h 440790"/>
+              <a:gd name="connsiteX10" fmla="*/ 695802 w 787122"/>
+              <a:gd name="connsiteY10" fmla="*/ 161925 h 440790"/>
+              <a:gd name="connsiteX11" fmla="*/ 772002 w 787122"/>
+              <a:gd name="connsiteY11" fmla="*/ 119062 h 440790"/>
+              <a:gd name="connsiteX12" fmla="*/ 762477 w 787122"/>
+              <a:gd name="connsiteY12" fmla="*/ 9525 h 440790"/>
+              <a:gd name="connsiteX13" fmla="*/ 724377 w 787122"/>
+              <a:gd name="connsiteY13" fmla="*/ 0 h 440790"/>
+              <a:gd name="connsiteX14" fmla="*/ 638652 w 787122"/>
+              <a:gd name="connsiteY14" fmla="*/ 4762 h 440790"/>
+              <a:gd name="connsiteX15" fmla="*/ 614839 w 787122"/>
+              <a:gd name="connsiteY15" fmla="*/ 19050 h 440790"/>
+              <a:gd name="connsiteX16" fmla="*/ 533877 w 787122"/>
+              <a:gd name="connsiteY16" fmla="*/ 76200 h 440790"/>
+              <a:gd name="connsiteX17" fmla="*/ 376714 w 787122"/>
+              <a:gd name="connsiteY17" fmla="*/ 128587 h 440790"/>
+              <a:gd name="connsiteX18" fmla="*/ 310039 w 787122"/>
+              <a:gd name="connsiteY18" fmla="*/ 133350 h 440790"/>
+              <a:gd name="connsiteX19" fmla="*/ 205264 w 787122"/>
+              <a:gd name="connsiteY19" fmla="*/ 180975 h 440790"/>
+              <a:gd name="connsiteX20" fmla="*/ 176689 w 787122"/>
+              <a:gd name="connsiteY20" fmla="*/ 214312 h 440790"/>
+              <a:gd name="connsiteX21" fmla="*/ 143352 w 787122"/>
+              <a:gd name="connsiteY21" fmla="*/ 242887 h 440790"/>
+              <a:gd name="connsiteX22" fmla="*/ 124302 w 787122"/>
+              <a:gd name="connsiteY22" fmla="*/ 271462 h 440790"/>
+              <a:gd name="connsiteX23" fmla="*/ 105252 w 787122"/>
+              <a:gd name="connsiteY23" fmla="*/ 280987 h 440790"/>
+              <a:gd name="connsiteX24" fmla="*/ 81439 w 787122"/>
+              <a:gd name="connsiteY24" fmla="*/ 304800 h 440790"/>
+              <a:gd name="connsiteX25" fmla="*/ 48102 w 787122"/>
+              <a:gd name="connsiteY25" fmla="*/ 338137 h 440790"/>
+              <a:gd name="connsiteX26" fmla="*/ 33814 w 787122"/>
+              <a:gd name="connsiteY26" fmla="*/ 366712 h 440790"/>
+              <a:gd name="connsiteX27" fmla="*/ 19527 w 787122"/>
+              <a:gd name="connsiteY27" fmla="*/ 371475 h 440790"/>
+              <a:gd name="connsiteX28" fmla="*/ 14764 w 787122"/>
+              <a:gd name="connsiteY28" fmla="*/ 390525 h 440790"/>
+              <a:gd name="connsiteX29" fmla="*/ 477 w 787122"/>
+              <a:gd name="connsiteY29" fmla="*/ 438150 h 440790"/>
+            </a:gdLst>
+            <a:ahLst/>
+            <a:cxnLst>
+              <a:cxn ang="0">
+                <a:pos x="connsiteX0" y="connsiteY0"/>
+              </a:cxn>
+              <a:cxn ang="0">
+                <a:pos x="connsiteX1" y="connsiteY1"/>
+              </a:cxn>
+              <a:cxn ang="0">
+                <a:pos x="connsiteX2" y="connsiteY2"/>
+              </a:cxn>
+              <a:cxn ang="0">
+                <a:pos x="connsiteX3" y="connsiteY3"/>
+              </a:cxn>
+              <a:cxn ang="0">
+                <a:pos x="connsiteX4" y="connsiteY4"/>
+              </a:cxn>
+              <a:cxn ang="0">
+                <a:pos x="connsiteX5" y="connsiteY5"/>
+              </a:cxn>
+              <a:cxn ang="0">
+                <a:pos x="connsiteX6" y="connsiteY6"/>
+              </a:cxn>
+              <a:cxn ang="0">
+                <a:pos x="connsiteX7" y="connsiteY7"/>
+              </a:cxn>
+              <a:cxn ang="0">
+                <a:pos x="connsiteX8" y="connsiteY8"/>
+              </a:cxn>
+              <a:cxn ang="0">
+                <a:pos x="connsiteX9" y="connsiteY9"/>
+              </a:cxn>
+              <a:cxn ang="0">
+                <a:pos x="connsiteX10" y="connsiteY10"/>
+              </a:cxn>
+              <a:cxn ang="0">
+                <a:pos x="connsiteX11" y="connsiteY11"/>
+              </a:cxn>
+              <a:cxn ang="0">
+                <a:pos x="connsiteX12" y="connsiteY12"/>
+              </a:cxn>
+              <a:cxn ang="0">
+                <a:pos x="connsiteX13" y="connsiteY13"/>
+              </a:cxn>
+              <a:cxn ang="0">
+                <a:pos x="connsiteX14" y="connsiteY14"/>
+              </a:cxn>
+              <a:cxn ang="0">
+                <a:pos x="connsiteX15" y="connsiteY15"/>
+              </a:cxn>
+              <a:cxn ang="0">
+                <a:pos x="connsiteX16" y="connsiteY16"/>
+              </a:cxn>
+              <a:cxn ang="0">
+                <a:pos x="connsiteX17" y="connsiteY17"/>
+              </a:cxn>
+              <a:cxn ang="0">
+                <a:pos x="connsiteX18" y="connsiteY18"/>
+              </a:cxn>
+              <a:cxn ang="0">
+                <a:pos x="connsiteX19" y="connsiteY19"/>
+              </a:cxn>
+              <a:cxn ang="0">
+                <a:pos x="connsiteX20" y="connsiteY20"/>
+              </a:cxn>
+              <a:cxn ang="0">
+                <a:pos x="connsiteX21" y="connsiteY21"/>
+              </a:cxn>
+              <a:cxn ang="0">
+                <a:pos x="connsiteX22" y="connsiteY22"/>
+              </a:cxn>
+              <a:cxn ang="0">
+                <a:pos x="connsiteX23" y="connsiteY23"/>
+              </a:cxn>
+              <a:cxn ang="0">
+                <a:pos x="connsiteX24" y="connsiteY24"/>
+              </a:cxn>
+              <a:cxn ang="0">
+                <a:pos x="connsiteX25" y="connsiteY25"/>
+              </a:cxn>
+              <a:cxn ang="0">
+                <a:pos x="connsiteX26" y="connsiteY26"/>
+              </a:cxn>
+              <a:cxn ang="0">
+                <a:pos x="connsiteX27" y="connsiteY27"/>
+              </a:cxn>
+              <a:cxn ang="0">
+                <a:pos x="connsiteX28" y="connsiteY28"/>
+              </a:cxn>
+              <a:cxn ang="0">
+                <a:pos x="connsiteX29" y="connsiteY29"/>
+              </a:cxn>
+            </a:cxnLst>
+            <a:rect l="l" t="t" r="r" b="b"/>
+            <a:pathLst>
+              <a:path w="787122" h="440790">
+                <a:moveTo>
+                  <a:pt x="477" y="438150"/>
+                </a:moveTo>
+                <a:cubicBezTo>
+                  <a:pt x="3652" y="445294"/>
+                  <a:pt x="22887" y="435958"/>
+                  <a:pt x="33814" y="433387"/>
+                </a:cubicBezTo>
+                <a:cubicBezTo>
+                  <a:pt x="49947" y="429591"/>
+                  <a:pt x="65091" y="421825"/>
+                  <a:pt x="81439" y="419100"/>
+                </a:cubicBezTo>
+                <a:cubicBezTo>
+                  <a:pt x="103417" y="415437"/>
+                  <a:pt x="125898" y="416046"/>
+                  <a:pt x="148114" y="414337"/>
+                </a:cubicBezTo>
+                <a:cubicBezTo>
+                  <a:pt x="209817" y="409591"/>
+                  <a:pt x="190236" y="411722"/>
+                  <a:pt x="238602" y="404812"/>
+                </a:cubicBezTo>
+                <a:cubicBezTo>
+                  <a:pt x="286612" y="390410"/>
+                  <a:pt x="302258" y="386608"/>
+                  <a:pt x="352902" y="366712"/>
+                </a:cubicBezTo>
+                <a:cubicBezTo>
+                  <a:pt x="375408" y="357870"/>
+                  <a:pt x="398527" y="350035"/>
+                  <a:pt x="419577" y="338137"/>
+                </a:cubicBezTo>
+                <a:cubicBezTo>
+                  <a:pt x="435334" y="329231"/>
+                  <a:pt x="447652" y="315238"/>
+                  <a:pt x="462439" y="304800"/>
+                </a:cubicBezTo>
+                <a:cubicBezTo>
+                  <a:pt x="474674" y="296163"/>
+                  <a:pt x="488352" y="289692"/>
+                  <a:pt x="500539" y="280987"/>
+                </a:cubicBezTo>
+                <a:cubicBezTo>
+                  <a:pt x="521726" y="265853"/>
+                  <a:pt x="540673" y="247631"/>
+                  <a:pt x="562452" y="233362"/>
+                </a:cubicBezTo>
+                <a:cubicBezTo>
+                  <a:pt x="624344" y="192813"/>
+                  <a:pt x="636610" y="194212"/>
+                  <a:pt x="695802" y="161925"/>
+                </a:cubicBezTo>
+                <a:cubicBezTo>
+                  <a:pt x="820693" y="93803"/>
+                  <a:pt x="687676" y="161227"/>
+                  <a:pt x="772002" y="119062"/>
+                </a:cubicBezTo>
+                <a:cubicBezTo>
+                  <a:pt x="785453" y="74225"/>
+                  <a:pt x="801830" y="54933"/>
+                  <a:pt x="762477" y="9525"/>
+                </a:cubicBezTo>
+                <a:cubicBezTo>
+                  <a:pt x="753903" y="-368"/>
+                  <a:pt x="737077" y="3175"/>
+                  <a:pt x="724377" y="0"/>
+                </a:cubicBezTo>
+                <a:cubicBezTo>
+                  <a:pt x="695802" y="1587"/>
+                  <a:pt x="666848" y="-142"/>
+                  <a:pt x="638652" y="4762"/>
+                </a:cubicBezTo>
+                <a:cubicBezTo>
+                  <a:pt x="629532" y="6348"/>
+                  <a:pt x="622450" y="13781"/>
+                  <a:pt x="614839" y="19050"/>
+                </a:cubicBezTo>
+                <a:cubicBezTo>
+                  <a:pt x="589773" y="36404"/>
+                  <a:pt x="560991" y="62101"/>
+                  <a:pt x="533877" y="76200"/>
+                </a:cubicBezTo>
+                <a:cubicBezTo>
+                  <a:pt x="477915" y="105300"/>
+                  <a:pt x="439026" y="118537"/>
+                  <a:pt x="376714" y="128587"/>
+                </a:cubicBezTo>
+                <a:cubicBezTo>
+                  <a:pt x="354717" y="132135"/>
+                  <a:pt x="332264" y="131762"/>
+                  <a:pt x="310039" y="133350"/>
+                </a:cubicBezTo>
+                <a:cubicBezTo>
+                  <a:pt x="282380" y="143988"/>
+                  <a:pt x="230859" y="160499"/>
+                  <a:pt x="205264" y="180975"/>
+                </a:cubicBezTo>
+                <a:cubicBezTo>
+                  <a:pt x="193835" y="190118"/>
+                  <a:pt x="187038" y="203963"/>
+                  <a:pt x="176689" y="214312"/>
+                </a:cubicBezTo>
+                <a:cubicBezTo>
+                  <a:pt x="166340" y="224661"/>
+                  <a:pt x="153242" y="232098"/>
+                  <a:pt x="143352" y="242887"/>
+                </a:cubicBezTo>
+                <a:cubicBezTo>
+                  <a:pt x="135617" y="251326"/>
+                  <a:pt x="132397" y="263367"/>
+                  <a:pt x="124302" y="271462"/>
+                </a:cubicBezTo>
+                <a:cubicBezTo>
+                  <a:pt x="119282" y="276482"/>
+                  <a:pt x="110856" y="276628"/>
+                  <a:pt x="105252" y="280987"/>
+                </a:cubicBezTo>
+                <a:cubicBezTo>
+                  <a:pt x="96391" y="287879"/>
+                  <a:pt x="88547" y="296112"/>
+                  <a:pt x="81439" y="304800"/>
+                </a:cubicBezTo>
+                <a:cubicBezTo>
+                  <a:pt x="52781" y="339826"/>
+                  <a:pt x="76241" y="328758"/>
+                  <a:pt x="48102" y="338137"/>
+                </a:cubicBezTo>
+                <a:cubicBezTo>
+                  <a:pt x="43339" y="347662"/>
+                  <a:pt x="40744" y="358626"/>
+                  <a:pt x="33814" y="366712"/>
+                </a:cubicBezTo>
+                <a:cubicBezTo>
+                  <a:pt x="30547" y="370524"/>
+                  <a:pt x="22663" y="367555"/>
+                  <a:pt x="19527" y="371475"/>
+                </a:cubicBezTo>
+                <a:cubicBezTo>
+                  <a:pt x="15438" y="376586"/>
+                  <a:pt x="16562" y="384231"/>
+                  <a:pt x="14764" y="390525"/>
+                </a:cubicBezTo>
+                <a:cubicBezTo>
+                  <a:pt x="10840" y="404260"/>
+                  <a:pt x="-2698" y="431006"/>
+                  <a:pt x="477" y="438150"/>
+                </a:cubicBezTo>
+                <a:close/>
+              </a:path>
+            </a:pathLst>
+          </a:custGeom>
+        </p:spPr>
+        <p:style>
+          <a:lnRef idx="2">
+            <a:schemeClr val="accent1">
+              <a:shade val="50000"/>
+            </a:schemeClr>
+          </a:lnRef>
+          <a:fillRef idx="1">
+            <a:schemeClr val="accent1"/>
+          </a:fillRef>
+          <a:effectRef idx="0">
+            <a:schemeClr val="accent1"/>
+          </a:effectRef>
+          <a:fontRef idx="minor">
+            <a:schemeClr val="lt1"/>
+          </a:fontRef>
+        </p:style>
+        <p:txBody>
+          <a:bodyPr rtlCol="0" anchor="ctr"/>
+          <a:lstStyle/>
+          <a:p>
+            <a:pPr algn="ctr"/>
+            <a:endParaRPr lang="da-DK"/>
+          </a:p>
+        </p:txBody>
+      </p:sp>
+      <p:sp>
+        <p:nvSpPr>
+          <p:cNvPr id="8" name="Kombinationstegning: figur 7">
+            <a:extLst>
+              <a:ext uri="{FF2B5EF4-FFF2-40B4-BE49-F238E27FC236}">
+                <a16:creationId xmlns:a16="http://schemas.microsoft.com/office/drawing/2014/main" id="{89BA8B4E-E104-6A38-8B11-5DB54E41A2F2}"/>
+              </a:ext>
+            </a:extLst>
+          </p:cNvPr>
+          <p:cNvSpPr/>
+          <p:nvPr/>
+        </p:nvSpPr>
+        <p:spPr>
+          <a:xfrm>
+            <a:off x="1442791" y="942975"/>
+            <a:ext cx="721976" cy="556967"/>
+          </a:xfrm>
+          <a:custGeom>
+            <a:avLst/>
+            <a:gdLst>
+              <a:gd name="connsiteX0" fmla="*/ 719384 w 721976"/>
+              <a:gd name="connsiteY0" fmla="*/ 533400 h 556967"/>
+              <a:gd name="connsiteX1" fmla="*/ 619372 w 721976"/>
+              <a:gd name="connsiteY1" fmla="*/ 285750 h 556967"/>
+              <a:gd name="connsiteX2" fmla="*/ 519359 w 721976"/>
+              <a:gd name="connsiteY2" fmla="*/ 195263 h 556967"/>
+              <a:gd name="connsiteX3" fmla="*/ 357434 w 721976"/>
+              <a:gd name="connsiteY3" fmla="*/ 90488 h 556967"/>
+              <a:gd name="connsiteX4" fmla="*/ 314572 w 721976"/>
+              <a:gd name="connsiteY4" fmla="*/ 71438 h 556967"/>
+              <a:gd name="connsiteX5" fmla="*/ 171697 w 721976"/>
+              <a:gd name="connsiteY5" fmla="*/ 42863 h 556967"/>
+              <a:gd name="connsiteX6" fmla="*/ 128834 w 721976"/>
+              <a:gd name="connsiteY6" fmla="*/ 23813 h 556967"/>
+              <a:gd name="connsiteX7" fmla="*/ 109784 w 721976"/>
+              <a:gd name="connsiteY7" fmla="*/ 14288 h 556967"/>
+              <a:gd name="connsiteX8" fmla="*/ 9772 w 721976"/>
+              <a:gd name="connsiteY8" fmla="*/ 0 h 556967"/>
+              <a:gd name="connsiteX9" fmla="*/ 247 w 721976"/>
+              <a:gd name="connsiteY9" fmla="*/ 100013 h 556967"/>
+              <a:gd name="connsiteX10" fmla="*/ 47872 w 721976"/>
+              <a:gd name="connsiteY10" fmla="*/ 242888 h 556967"/>
+              <a:gd name="connsiteX11" fmla="*/ 85972 w 721976"/>
+              <a:gd name="connsiteY11" fmla="*/ 304800 h 556967"/>
+              <a:gd name="connsiteX12" fmla="*/ 105022 w 721976"/>
+              <a:gd name="connsiteY12" fmla="*/ 323850 h 556967"/>
+              <a:gd name="connsiteX13" fmla="*/ 128834 w 721976"/>
+              <a:gd name="connsiteY13" fmla="*/ 357188 h 556967"/>
+              <a:gd name="connsiteX14" fmla="*/ 200272 w 721976"/>
+              <a:gd name="connsiteY14" fmla="*/ 400050 h 556967"/>
+              <a:gd name="connsiteX15" fmla="*/ 362197 w 721976"/>
+              <a:gd name="connsiteY15" fmla="*/ 471488 h 556967"/>
+              <a:gd name="connsiteX16" fmla="*/ 400297 w 721976"/>
+              <a:gd name="connsiteY16" fmla="*/ 485775 h 556967"/>
+              <a:gd name="connsiteX17" fmla="*/ 452684 w 721976"/>
+              <a:gd name="connsiteY17" fmla="*/ 495300 h 556967"/>
+              <a:gd name="connsiteX18" fmla="*/ 505072 w 721976"/>
+              <a:gd name="connsiteY18" fmla="*/ 514350 h 556967"/>
+              <a:gd name="connsiteX19" fmla="*/ 595559 w 721976"/>
+              <a:gd name="connsiteY19" fmla="*/ 523875 h 556967"/>
+              <a:gd name="connsiteX20" fmla="*/ 619372 w 721976"/>
+              <a:gd name="connsiteY20" fmla="*/ 533400 h 556967"/>
+              <a:gd name="connsiteX21" fmla="*/ 657472 w 721976"/>
+              <a:gd name="connsiteY21" fmla="*/ 538163 h 556967"/>
+              <a:gd name="connsiteX22" fmla="*/ 686047 w 721976"/>
+              <a:gd name="connsiteY22" fmla="*/ 542925 h 556967"/>
+              <a:gd name="connsiteX23" fmla="*/ 719384 w 721976"/>
+              <a:gd name="connsiteY23" fmla="*/ 533400 h 556967"/>
+            </a:gdLst>
+            <a:ahLst/>
+            <a:cxnLst>
+              <a:cxn ang="0">
+                <a:pos x="connsiteX0" y="connsiteY0"/>
+              </a:cxn>
+              <a:cxn ang="0">
+                <a:pos x="connsiteX1" y="connsiteY1"/>
+              </a:cxn>
+              <a:cxn ang="0">
+                <a:pos x="connsiteX2" y="connsiteY2"/>
+              </a:cxn>
+              <a:cxn ang="0">
+                <a:pos x="connsiteX3" y="connsiteY3"/>
+              </a:cxn>
+              <a:cxn ang="0">
+                <a:pos x="connsiteX4" y="connsiteY4"/>
+              </a:cxn>
+              <a:cxn ang="0">
+                <a:pos x="connsiteX5" y="connsiteY5"/>
+              </a:cxn>
+              <a:cxn ang="0">
+                <a:pos x="connsiteX6" y="connsiteY6"/>
+              </a:cxn>
+              <a:cxn ang="0">
+                <a:pos x="connsiteX7" y="connsiteY7"/>
+              </a:cxn>
+              <a:cxn ang="0">
+                <a:pos x="connsiteX8" y="connsiteY8"/>
+              </a:cxn>
+              <a:cxn ang="0">
+                <a:pos x="connsiteX9" y="connsiteY9"/>
+              </a:cxn>
+              <a:cxn ang="0">
+                <a:pos x="connsiteX10" y="connsiteY10"/>
+              </a:cxn>
+              <a:cxn ang="0">
+                <a:pos x="connsiteX11" y="connsiteY11"/>
+              </a:cxn>
+              <a:cxn ang="0">
+                <a:pos x="connsiteX12" y="connsiteY12"/>
+              </a:cxn>
+              <a:cxn ang="0">
+                <a:pos x="connsiteX13" y="connsiteY13"/>
+              </a:cxn>
+              <a:cxn ang="0">
+                <a:pos x="connsiteX14" y="connsiteY14"/>
+              </a:cxn>
+              <a:cxn ang="0">
+                <a:pos x="connsiteX15" y="connsiteY15"/>
+              </a:cxn>
+              <a:cxn ang="0">
+                <a:pos x="connsiteX16" y="connsiteY16"/>
+              </a:cxn>
+              <a:cxn ang="0">
+                <a:pos x="connsiteX17" y="connsiteY17"/>
+              </a:cxn>
+              <a:cxn ang="0">
+                <a:pos x="connsiteX18" y="connsiteY18"/>
+              </a:cxn>
+              <a:cxn ang="0">
+                <a:pos x="connsiteX19" y="connsiteY19"/>
+              </a:cxn>
+              <a:cxn ang="0">
+                <a:pos x="connsiteX20" y="connsiteY20"/>
+              </a:cxn>
+              <a:cxn ang="0">
+                <a:pos x="connsiteX21" y="connsiteY21"/>
+              </a:cxn>
+              <a:cxn ang="0">
+                <a:pos x="connsiteX22" y="connsiteY22"/>
+              </a:cxn>
+              <a:cxn ang="0">
+                <a:pos x="connsiteX23" y="connsiteY23"/>
+              </a:cxn>
+            </a:cxnLst>
+            <a:rect l="l" t="t" r="r" b="b"/>
+            <a:pathLst>
+              <a:path w="721976" h="556967">
+                <a:moveTo>
+                  <a:pt x="719384" y="533400"/>
+                </a:moveTo>
+                <a:cubicBezTo>
+                  <a:pt x="708272" y="490538"/>
+                  <a:pt x="691463" y="388195"/>
+                  <a:pt x="619372" y="285750"/>
+                </a:cubicBezTo>
+                <a:cubicBezTo>
+                  <a:pt x="593499" y="248984"/>
+                  <a:pt x="555942" y="221394"/>
+                  <a:pt x="519359" y="195263"/>
+                </a:cubicBezTo>
+                <a:cubicBezTo>
+                  <a:pt x="431005" y="132153"/>
+                  <a:pt x="437836" y="130689"/>
+                  <a:pt x="357434" y="90488"/>
+                </a:cubicBezTo>
+                <a:cubicBezTo>
+                  <a:pt x="343450" y="83496"/>
+                  <a:pt x="329701" y="75385"/>
+                  <a:pt x="314572" y="71438"/>
+                </a:cubicBezTo>
+                <a:cubicBezTo>
+                  <a:pt x="136635" y="25019"/>
+                  <a:pt x="369204" y="106065"/>
+                  <a:pt x="171697" y="42863"/>
+                </a:cubicBezTo>
+                <a:cubicBezTo>
+                  <a:pt x="156806" y="38098"/>
+                  <a:pt x="143030" y="30365"/>
+                  <a:pt x="128834" y="23813"/>
+                </a:cubicBezTo>
+                <a:cubicBezTo>
+                  <a:pt x="122388" y="20838"/>
+                  <a:pt x="116519" y="16533"/>
+                  <a:pt x="109784" y="14288"/>
+                </a:cubicBezTo>
+                <a:cubicBezTo>
+                  <a:pt x="70513" y="1198"/>
+                  <a:pt x="54838" y="3467"/>
+                  <a:pt x="9772" y="0"/>
+                </a:cubicBezTo>
+                <a:cubicBezTo>
+                  <a:pt x="6597" y="33338"/>
+                  <a:pt x="-1513" y="66571"/>
+                  <a:pt x="247" y="100013"/>
+                </a:cubicBezTo>
+                <a:cubicBezTo>
+                  <a:pt x="2977" y="151877"/>
+                  <a:pt x="25327" y="197798"/>
+                  <a:pt x="47872" y="242888"/>
+                </a:cubicBezTo>
+                <a:cubicBezTo>
+                  <a:pt x="58061" y="263265"/>
+                  <a:pt x="70366" y="286965"/>
+                  <a:pt x="85972" y="304800"/>
+                </a:cubicBezTo>
+                <a:cubicBezTo>
+                  <a:pt x="91886" y="311558"/>
+                  <a:pt x="99335" y="316900"/>
+                  <a:pt x="105022" y="323850"/>
+                </a:cubicBezTo>
+                <a:cubicBezTo>
+                  <a:pt x="113670" y="334419"/>
+                  <a:pt x="118170" y="348657"/>
+                  <a:pt x="128834" y="357188"/>
+                </a:cubicBezTo>
+                <a:cubicBezTo>
+                  <a:pt x="150519" y="374536"/>
+                  <a:pt x="175333" y="387835"/>
+                  <a:pt x="200272" y="400050"/>
+                </a:cubicBezTo>
+                <a:cubicBezTo>
+                  <a:pt x="253253" y="426000"/>
+                  <a:pt x="306959" y="450774"/>
+                  <a:pt x="362197" y="471488"/>
+                </a:cubicBezTo>
+                <a:cubicBezTo>
+                  <a:pt x="374897" y="476250"/>
+                  <a:pt x="387180" y="482323"/>
+                  <a:pt x="400297" y="485775"/>
+                </a:cubicBezTo>
+                <a:cubicBezTo>
+                  <a:pt x="417461" y="490292"/>
+                  <a:pt x="435561" y="490630"/>
+                  <a:pt x="452684" y="495300"/>
+                </a:cubicBezTo>
+                <a:cubicBezTo>
+                  <a:pt x="470611" y="500189"/>
+                  <a:pt x="487045" y="509843"/>
+                  <a:pt x="505072" y="514350"/>
+                </a:cubicBezTo>
+                <a:cubicBezTo>
+                  <a:pt x="509430" y="515440"/>
+                  <a:pt x="593961" y="523715"/>
+                  <a:pt x="595559" y="523875"/>
+                </a:cubicBezTo>
+                <a:cubicBezTo>
+                  <a:pt x="603497" y="527050"/>
+                  <a:pt x="611042" y="531478"/>
+                  <a:pt x="619372" y="533400"/>
+                </a:cubicBezTo>
+                <a:cubicBezTo>
+                  <a:pt x="631843" y="536278"/>
+                  <a:pt x="644802" y="536353"/>
+                  <a:pt x="657472" y="538163"/>
+                </a:cubicBezTo>
+                <a:cubicBezTo>
+                  <a:pt x="667031" y="539529"/>
+                  <a:pt x="676522" y="541338"/>
+                  <a:pt x="686047" y="542925"/>
+                </a:cubicBezTo>
+                <a:cubicBezTo>
+                  <a:pt x="703346" y="548692"/>
+                  <a:pt x="730496" y="576262"/>
+                  <a:pt x="719384" y="533400"/>
+                </a:cubicBezTo>
+                <a:close/>
+              </a:path>
+            </a:pathLst>
+          </a:custGeom>
+        </p:spPr>
+        <p:style>
+          <a:lnRef idx="2">
+            <a:schemeClr val="accent1">
+              <a:shade val="50000"/>
+            </a:schemeClr>
+          </a:lnRef>
+          <a:fillRef idx="1">
+            <a:schemeClr val="accent1"/>
+          </a:fillRef>
+          <a:effectRef idx="0">
+            <a:schemeClr val="accent1"/>
+          </a:effectRef>
+          <a:fontRef idx="minor">
+            <a:schemeClr val="lt1"/>
+          </a:fontRef>
+        </p:style>
+        <p:txBody>
+          <a:bodyPr rtlCol="0" anchor="ctr"/>
+          <a:lstStyle/>
+          <a:p>
+            <a:pPr algn="ctr"/>
+            <a:endParaRPr lang="da-DK"/>
+          </a:p>
+        </p:txBody>
+      </p:sp>
+      <p:sp>
+        <p:nvSpPr>
+          <p:cNvPr id="9" name="Rektangel 8">
+            <a:extLst>
+              <a:ext uri="{FF2B5EF4-FFF2-40B4-BE49-F238E27FC236}">
+                <a16:creationId xmlns:a16="http://schemas.microsoft.com/office/drawing/2014/main" id="{A1FFE1CB-744D-F49E-9922-62616AE1896C}"/>
+              </a:ext>
+            </a:extLst>
+          </p:cNvPr>
+          <p:cNvSpPr/>
+          <p:nvPr/>
+        </p:nvSpPr>
+        <p:spPr>
+          <a:xfrm>
+            <a:off x="5319713" y="2900363"/>
+            <a:ext cx="190500" cy="1347787"/>
+          </a:xfrm>
+          <a:prstGeom prst="rect">
+            <a:avLst/>
+          </a:prstGeom>
+        </p:spPr>
+        <p:style>
+          <a:lnRef idx="2">
+            <a:schemeClr val="accent1">
+              <a:shade val="50000"/>
+            </a:schemeClr>
+          </a:lnRef>
+          <a:fillRef idx="1">
+            <a:schemeClr val="accent1"/>
+          </a:fillRef>
+          <a:effectRef idx="0">
+            <a:schemeClr val="accent1"/>
+          </a:effectRef>
+          <a:fontRef idx="minor">
+            <a:schemeClr val="lt1"/>
+          </a:fontRef>
+        </p:style>
+        <p:txBody>
+          <a:bodyPr rtlCol="0" anchor="ctr"/>
+          <a:lstStyle/>
+          <a:p>
+            <a:pPr algn="ctr"/>
+            <a:endParaRPr lang="da-DK"/>
+          </a:p>
+        </p:txBody>
+      </p:sp>
+      <p:sp>
+        <p:nvSpPr>
+          <p:cNvPr id="10" name="Rektangel 9">
+            <a:extLst>
+              <a:ext uri="{FF2B5EF4-FFF2-40B4-BE49-F238E27FC236}">
+                <a16:creationId xmlns:a16="http://schemas.microsoft.com/office/drawing/2014/main" id="{301F261A-B9D5-0340-56E4-36087C889D38}"/>
+              </a:ext>
+            </a:extLst>
+          </p:cNvPr>
+          <p:cNvSpPr/>
+          <p:nvPr/>
+        </p:nvSpPr>
+        <p:spPr>
+          <a:xfrm>
+            <a:off x="9105900" y="2900362"/>
+            <a:ext cx="190500" cy="1347787"/>
+          </a:xfrm>
+          <a:prstGeom prst="rect">
+            <a:avLst/>
+          </a:prstGeom>
+        </p:spPr>
+        <p:style>
+          <a:lnRef idx="2">
+            <a:schemeClr val="accent1">
+              <a:shade val="50000"/>
+            </a:schemeClr>
+          </a:lnRef>
+          <a:fillRef idx="1">
+            <a:schemeClr val="accent1"/>
+          </a:fillRef>
+          <a:effectRef idx="0">
+            <a:schemeClr val="accent1"/>
+          </a:effectRef>
+          <a:fontRef idx="minor">
+            <a:schemeClr val="lt1"/>
+          </a:fontRef>
+        </p:style>
+        <p:txBody>
+          <a:bodyPr rtlCol="0" anchor="ctr"/>
+          <a:lstStyle/>
+          <a:p>
+            <a:pPr algn="ctr"/>
+            <a:endParaRPr lang="da-DK"/>
+          </a:p>
+        </p:txBody>
+      </p:sp>
+    </p:spTree>
+    <p:extLst>
+      <p:ext uri="{BB962C8B-B14F-4D97-AF65-F5344CB8AC3E}">
+        <p14:creationId xmlns:p14="http://schemas.microsoft.com/office/powerpoint/2010/main" val="2745497609"/>
       </p:ext>
     </p:extLst>
   </p:cSld>

--- a/Mekanisk produktanalyse/Projekt 3/FLD Drejningsmoment .pptx
+++ b/Mekanisk produktanalyse/Projekt 3/FLD Drejningsmoment .pptx
@@ -119,7 +119,7 @@
 <file path=ppt/revisionInfo.xml><?xml version="1.0" encoding="utf-8"?>
 <p1510:revInfo xmlns:a="http://schemas.openxmlformats.org/drawingml/2006/main" xmlns:r="http://schemas.openxmlformats.org/officeDocument/2006/relationships" xmlns:p1510="http://schemas.microsoft.com/office/powerpoint/2015/10/main">
   <p1510:revLst>
-    <p1510:client id="{70B25159-5254-46AD-93B3-4FA3BA757574}" v="208" dt="2023-01-13T10:34:57.227"/>
+    <p1510:client id="{70B25159-5254-46AD-93B3-4FA3BA757574}" v="209" dt="2023-01-13T14:19:38.063"/>
   </p1510:revLst>
 </p1510:revInfo>
 </file>
@@ -129,12 +129,12 @@
   <pc:docChgLst>
     <pc:chgData name="Catrine Ullerup Frølund" userId="92c20c5a-1f4b-4872-a668-a3be51ca8b48" providerId="ADAL" clId="{70B25159-5254-46AD-93B3-4FA3BA757574}"/>
     <pc:docChg chg="undo custSel addSld delSld modSld sldOrd">
-      <pc:chgData name="Catrine Ullerup Frølund" userId="92c20c5a-1f4b-4872-a668-a3be51ca8b48" providerId="ADAL" clId="{70B25159-5254-46AD-93B3-4FA3BA757574}" dt="2023-01-13T10:42:51.844" v="1436" actId="1076"/>
+      <pc:chgData name="Catrine Ullerup Frølund" userId="92c20c5a-1f4b-4872-a668-a3be51ca8b48" providerId="ADAL" clId="{70B25159-5254-46AD-93B3-4FA3BA757574}" dt="2023-01-13T14:09:07.548" v="1469" actId="14100"/>
       <pc:docMkLst>
         <pc:docMk/>
       </pc:docMkLst>
       <pc:sldChg chg="addSp delSp modSp mod">
-        <pc:chgData name="Catrine Ullerup Frølund" userId="92c20c5a-1f4b-4872-a668-a3be51ca8b48" providerId="ADAL" clId="{70B25159-5254-46AD-93B3-4FA3BA757574}" dt="2023-01-13T10:25:57.138" v="1406" actId="14100"/>
+        <pc:chgData name="Catrine Ullerup Frølund" userId="92c20c5a-1f4b-4872-a668-a3be51ca8b48" providerId="ADAL" clId="{70B25159-5254-46AD-93B3-4FA3BA757574}" dt="2023-01-13T14:06:53.276" v="1454" actId="20577"/>
         <pc:sldMkLst>
           <pc:docMk/>
           <pc:sldMk cId="113760089" sldId="256"/>
@@ -484,7 +484,7 @@
           </ac:spMkLst>
         </pc:spChg>
         <pc:spChg chg="add mod">
-          <ac:chgData name="Catrine Ullerup Frølund" userId="92c20c5a-1f4b-4872-a668-a3be51ca8b48" providerId="ADAL" clId="{70B25159-5254-46AD-93B3-4FA3BA757574}" dt="2023-01-13T10:25:57.138" v="1406" actId="14100"/>
+          <ac:chgData name="Catrine Ullerup Frølund" userId="92c20c5a-1f4b-4872-a668-a3be51ca8b48" providerId="ADAL" clId="{70B25159-5254-46AD-93B3-4FA3BA757574}" dt="2023-01-13T14:06:53.276" v="1454" actId="20577"/>
           <ac:spMkLst>
             <pc:docMk/>
             <pc:sldMk cId="113760089" sldId="256"/>
@@ -1004,7 +1004,7 @@
         </pc:spChg>
       </pc:sldChg>
       <pc:sldChg chg="addSp delSp modSp new mod">
-        <pc:chgData name="Catrine Ullerup Frølund" userId="92c20c5a-1f4b-4872-a668-a3be51ca8b48" providerId="ADAL" clId="{70B25159-5254-46AD-93B3-4FA3BA757574}" dt="2023-01-13T10:26:11.275" v="1408" actId="14100"/>
+        <pc:chgData name="Catrine Ullerup Frølund" userId="92c20c5a-1f4b-4872-a668-a3be51ca8b48" providerId="ADAL" clId="{70B25159-5254-46AD-93B3-4FA3BA757574}" dt="2023-01-13T14:06:48.435" v="1453" actId="20577"/>
         <pc:sldMkLst>
           <pc:docMk/>
           <pc:sldMk cId="377353606" sldId="258"/>
@@ -1034,7 +1034,7 @@
           </ac:spMkLst>
         </pc:spChg>
         <pc:spChg chg="add mod">
-          <ac:chgData name="Catrine Ullerup Frølund" userId="92c20c5a-1f4b-4872-a668-a3be51ca8b48" providerId="ADAL" clId="{70B25159-5254-46AD-93B3-4FA3BA757574}" dt="2023-01-13T10:26:11.275" v="1408" actId="14100"/>
+          <ac:chgData name="Catrine Ullerup Frølund" userId="92c20c5a-1f4b-4872-a668-a3be51ca8b48" providerId="ADAL" clId="{70B25159-5254-46AD-93B3-4FA3BA757574}" dt="2023-01-13T14:06:48.435" v="1453" actId="20577"/>
           <ac:spMkLst>
             <pc:docMk/>
             <pc:sldMk cId="377353606" sldId="258"/>
@@ -2282,7 +2282,7 @@
         </pc:picChg>
       </pc:sldChg>
       <pc:sldChg chg="addSp delSp modSp add mod">
-        <pc:chgData name="Catrine Ullerup Frølund" userId="92c20c5a-1f4b-4872-a668-a3be51ca8b48" providerId="ADAL" clId="{70B25159-5254-46AD-93B3-4FA3BA757574}" dt="2023-01-13T10:42:51.844" v="1436" actId="1076"/>
+        <pc:chgData name="Catrine Ullerup Frølund" userId="92c20c5a-1f4b-4872-a668-a3be51ca8b48" providerId="ADAL" clId="{70B25159-5254-46AD-93B3-4FA3BA757574}" dt="2023-01-13T14:09:07.548" v="1469" actId="14100"/>
         <pc:sldMkLst>
           <pc:docMk/>
           <pc:sldMk cId="4014276191" sldId="260"/>
@@ -2551,8 +2551,8 @@
             <ac:spMk id="73" creationId="{F538BEC0-4418-1E3F-D868-769060CFF5BC}"/>
           </ac:spMkLst>
         </pc:spChg>
-        <pc:spChg chg="mod topLvl">
-          <ac:chgData name="Catrine Ullerup Frølund" userId="92c20c5a-1f4b-4872-a668-a3be51ca8b48" providerId="ADAL" clId="{70B25159-5254-46AD-93B3-4FA3BA757574}" dt="2023-01-13T10:42:51.844" v="1436" actId="1076"/>
+        <pc:spChg chg="del mod topLvl">
+          <ac:chgData name="Catrine Ullerup Frølund" userId="92c20c5a-1f4b-4872-a668-a3be51ca8b48" providerId="ADAL" clId="{70B25159-5254-46AD-93B3-4FA3BA757574}" dt="2023-01-13T14:07:52.392" v="1458" actId="478"/>
           <ac:spMkLst>
             <pc:docMk/>
             <pc:sldMk cId="4014276191" sldId="260"/>
@@ -2608,7 +2608,7 @@
           </ac:spMkLst>
         </pc:spChg>
         <pc:spChg chg="mod topLvl">
-          <ac:chgData name="Catrine Ullerup Frølund" userId="92c20c5a-1f4b-4872-a668-a3be51ca8b48" providerId="ADAL" clId="{70B25159-5254-46AD-93B3-4FA3BA757574}" dt="2023-01-13T10:19:23.004" v="1370" actId="165"/>
+          <ac:chgData name="Catrine Ullerup Frølund" userId="92c20c5a-1f4b-4872-a668-a3be51ca8b48" providerId="ADAL" clId="{70B25159-5254-46AD-93B3-4FA3BA757574}" dt="2023-01-13T14:08:23.086" v="1465" actId="1076"/>
           <ac:spMkLst>
             <pc:docMk/>
             <pc:sldMk cId="4014276191" sldId="260"/>
@@ -2647,8 +2647,8 @@
             <ac:spMk id="103" creationId="{4799843A-A04E-76AA-B146-98137031A59D}"/>
           </ac:spMkLst>
         </pc:spChg>
-        <pc:spChg chg="mod topLvl">
-          <ac:chgData name="Catrine Ullerup Frølund" userId="92c20c5a-1f4b-4872-a668-a3be51ca8b48" providerId="ADAL" clId="{70B25159-5254-46AD-93B3-4FA3BA757574}" dt="2023-01-13T10:42:41.088" v="1433" actId="1076"/>
+        <pc:spChg chg="del mod topLvl">
+          <ac:chgData name="Catrine Ullerup Frølund" userId="92c20c5a-1f4b-4872-a668-a3be51ca8b48" providerId="ADAL" clId="{70B25159-5254-46AD-93B3-4FA3BA757574}" dt="2023-01-13T14:07:48.521" v="1456" actId="478"/>
           <ac:spMkLst>
             <pc:docMk/>
             <pc:sldMk cId="4014276191" sldId="260"/>
@@ -2767,8 +2767,8 @@
             <ac:grpSpMk id="76" creationId="{C319BBC6-4275-8A25-37AD-6D371349C020}"/>
           </ac:grpSpMkLst>
         </pc:grpChg>
-        <pc:grpChg chg="mod topLvl">
-          <ac:chgData name="Catrine Ullerup Frølund" userId="92c20c5a-1f4b-4872-a668-a3be51ca8b48" providerId="ADAL" clId="{70B25159-5254-46AD-93B3-4FA3BA757574}" dt="2023-01-13T10:20:55.138" v="1375" actId="165"/>
+        <pc:grpChg chg="del mod topLvl">
+          <ac:chgData name="Catrine Ullerup Frølund" userId="92c20c5a-1f4b-4872-a668-a3be51ca8b48" providerId="ADAL" clId="{70B25159-5254-46AD-93B3-4FA3BA757574}" dt="2023-01-13T14:09:02.429" v="1468" actId="478"/>
           <ac:grpSpMkLst>
             <pc:docMk/>
             <pc:sldMk cId="4014276191" sldId="260"/>
@@ -2807,8 +2807,8 @@
             <ac:grpSpMk id="89" creationId="{3E59F05F-22AD-35E9-5AF9-10B7F736A455}"/>
           </ac:grpSpMkLst>
         </pc:grpChg>
-        <pc:grpChg chg="mod topLvl">
-          <ac:chgData name="Catrine Ullerup Frølund" userId="92c20c5a-1f4b-4872-a668-a3be51ca8b48" providerId="ADAL" clId="{70B25159-5254-46AD-93B3-4FA3BA757574}" dt="2023-01-13T10:19:23.004" v="1370" actId="165"/>
+        <pc:grpChg chg="del mod topLvl">
+          <ac:chgData name="Catrine Ullerup Frølund" userId="92c20c5a-1f4b-4872-a668-a3be51ca8b48" providerId="ADAL" clId="{70B25159-5254-46AD-93B3-4FA3BA757574}" dt="2023-01-13T14:08:12.939" v="1459" actId="478"/>
           <ac:grpSpMkLst>
             <pc:docMk/>
             <pc:sldMk cId="4014276191" sldId="260"/>
@@ -2935,8 +2935,8 @@
             <ac:cxnSpMk id="21" creationId="{783EEE7C-5FA2-F717-0112-6D59EAF0054E}"/>
           </ac:cxnSpMkLst>
         </pc:cxnChg>
-        <pc:cxnChg chg="mod topLvl">
-          <ac:chgData name="Catrine Ullerup Frølund" userId="92c20c5a-1f4b-4872-a668-a3be51ca8b48" providerId="ADAL" clId="{70B25159-5254-46AD-93B3-4FA3BA757574}" dt="2023-01-13T10:20:55.138" v="1375" actId="165"/>
+        <pc:cxnChg chg="add del mod topLvl">
+          <ac:chgData name="Catrine Ullerup Frølund" userId="92c20c5a-1f4b-4872-a668-a3be51ca8b48" providerId="ADAL" clId="{70B25159-5254-46AD-93B3-4FA3BA757574}" dt="2023-01-13T14:08:44.964" v="1467" actId="478"/>
           <ac:cxnSpMkLst>
             <pc:docMk/>
             <pc:sldMk cId="4014276191" sldId="260"/>
@@ -2944,7 +2944,7 @@
           </ac:cxnSpMkLst>
         </pc:cxnChg>
         <pc:cxnChg chg="mod topLvl">
-          <ac:chgData name="Catrine Ullerup Frølund" userId="92c20c5a-1f4b-4872-a668-a3be51ca8b48" providerId="ADAL" clId="{70B25159-5254-46AD-93B3-4FA3BA757574}" dt="2023-01-13T10:20:55.138" v="1375" actId="165"/>
+          <ac:chgData name="Catrine Ullerup Frølund" userId="92c20c5a-1f4b-4872-a668-a3be51ca8b48" providerId="ADAL" clId="{70B25159-5254-46AD-93B3-4FA3BA757574}" dt="2023-01-13T14:09:07.548" v="1469" actId="14100"/>
           <ac:cxnSpMkLst>
             <pc:docMk/>
             <pc:sldMk cId="4014276191" sldId="260"/>
@@ -3129,7 +3129,7 @@
         </pc:cxnChg>
       </pc:sldChg>
       <pc:sldChg chg="addSp delSp modSp add mod">
-        <pc:chgData name="Catrine Ullerup Frølund" userId="92c20c5a-1f4b-4872-a668-a3be51ca8b48" providerId="ADAL" clId="{70B25159-5254-46AD-93B3-4FA3BA757574}" dt="2023-01-13T10:41:09.016" v="1432" actId="1076"/>
+        <pc:chgData name="Catrine Ullerup Frølund" userId="92c20c5a-1f4b-4872-a668-a3be51ca8b48" providerId="ADAL" clId="{70B25159-5254-46AD-93B3-4FA3BA757574}" dt="2023-01-13T13:04:31.997" v="1451" actId="478"/>
         <pc:sldMkLst>
           <pc:docMk/>
           <pc:sldMk cId="2115679746" sldId="261"/>
@@ -3142,8 +3142,8 @@
             <ac:spMk id="2" creationId="{5F486AB3-4F1F-C047-5671-6EF993B4E3B9}"/>
           </ac:spMkLst>
         </pc:spChg>
-        <pc:spChg chg="mod">
-          <ac:chgData name="Catrine Ullerup Frølund" userId="92c20c5a-1f4b-4872-a668-a3be51ca8b48" providerId="ADAL" clId="{70B25159-5254-46AD-93B3-4FA3BA757574}" dt="2023-01-13T10:41:09.016" v="1432" actId="1076"/>
+        <pc:spChg chg="del mod">
+          <ac:chgData name="Catrine Ullerup Frølund" userId="92c20c5a-1f4b-4872-a668-a3be51ca8b48" providerId="ADAL" clId="{70B25159-5254-46AD-93B3-4FA3BA757574}" dt="2023-01-13T13:04:31.997" v="1451" actId="478"/>
           <ac:spMkLst>
             <pc:docMk/>
             <pc:sldMk cId="2115679746" sldId="261"/>
@@ -3167,7 +3167,7 @@
           </ac:spMkLst>
         </pc:spChg>
         <pc:spChg chg="mod">
-          <ac:chgData name="Catrine Ullerup Frølund" userId="92c20c5a-1f4b-4872-a668-a3be51ca8b48" providerId="ADAL" clId="{70B25159-5254-46AD-93B3-4FA3BA757574}" dt="2023-01-13T10:22:12.119" v="1382"/>
+          <ac:chgData name="Catrine Ullerup Frølund" userId="92c20c5a-1f4b-4872-a668-a3be51ca8b48" providerId="ADAL" clId="{70B25159-5254-46AD-93B3-4FA3BA757574}" dt="2023-01-13T13:03:51.357" v="1445" actId="20577"/>
           <ac:spMkLst>
             <pc:docMk/>
             <pc:sldMk cId="2115679746" sldId="261"/>
@@ -3182,12 +3182,36 @@
             <ac:spMk id="20" creationId="{E292111B-C608-0270-F719-5EA9F1CB2D57}"/>
           </ac:spMkLst>
         </pc:spChg>
+        <pc:spChg chg="del mod">
+          <ac:chgData name="Catrine Ullerup Frølund" userId="92c20c5a-1f4b-4872-a668-a3be51ca8b48" providerId="ADAL" clId="{70B25159-5254-46AD-93B3-4FA3BA757574}" dt="2023-01-13T13:03:43.233" v="1440" actId="478"/>
+          <ac:spMkLst>
+            <pc:docMk/>
+            <pc:sldMk cId="2115679746" sldId="261"/>
+            <ac:spMk id="21" creationId="{AD86200E-BB3A-AE98-372E-4232597AADE1}"/>
+          </ac:spMkLst>
+        </pc:spChg>
+        <pc:spChg chg="del mod">
+          <ac:chgData name="Catrine Ullerup Frølund" userId="92c20c5a-1f4b-4872-a668-a3be51ca8b48" providerId="ADAL" clId="{70B25159-5254-46AD-93B3-4FA3BA757574}" dt="2023-01-13T13:03:29.804" v="1437" actId="478"/>
+          <ac:spMkLst>
+            <pc:docMk/>
+            <pc:sldMk cId="2115679746" sldId="261"/>
+            <ac:spMk id="22" creationId="{5E9219B4-4222-CA95-74AD-75F2E7B168F6}"/>
+          </ac:spMkLst>
+        </pc:spChg>
+        <pc:spChg chg="del mod">
+          <ac:chgData name="Catrine Ullerup Frølund" userId="92c20c5a-1f4b-4872-a668-a3be51ca8b48" providerId="ADAL" clId="{70B25159-5254-46AD-93B3-4FA3BA757574}" dt="2023-01-13T13:04:02.439" v="1447" actId="478"/>
+          <ac:spMkLst>
+            <pc:docMk/>
+            <pc:sldMk cId="2115679746" sldId="261"/>
+            <ac:spMk id="25" creationId="{2FA7F89F-83AB-DA3E-F6F4-3B25A852E80C}"/>
+          </ac:spMkLst>
+        </pc:spChg>
         <pc:spChg chg="mod">
           <ac:chgData name="Catrine Ullerup Frølund" userId="92c20c5a-1f4b-4872-a668-a3be51ca8b48" providerId="ADAL" clId="{70B25159-5254-46AD-93B3-4FA3BA757574}" dt="2023-01-13T10:22:12.119" v="1382"/>
           <ac:spMkLst>
             <pc:docMk/>
             <pc:sldMk cId="2115679746" sldId="261"/>
-            <ac:spMk id="21" creationId="{AD86200E-BB3A-AE98-372E-4232597AADE1}"/>
+            <ac:spMk id="26" creationId="{F025D48D-6002-4A77-2A56-7DBF47C8C59F}"/>
           </ac:spMkLst>
         </pc:spChg>
         <pc:spChg chg="mod">
@@ -3195,15 +3219,7 @@
           <ac:spMkLst>
             <pc:docMk/>
             <pc:sldMk cId="2115679746" sldId="261"/>
-            <ac:spMk id="22" creationId="{5E9219B4-4222-CA95-74AD-75F2E7B168F6}"/>
-          </ac:spMkLst>
-        </pc:spChg>
-        <pc:spChg chg="mod">
-          <ac:chgData name="Catrine Ullerup Frølund" userId="92c20c5a-1f4b-4872-a668-a3be51ca8b48" providerId="ADAL" clId="{70B25159-5254-46AD-93B3-4FA3BA757574}" dt="2023-01-13T10:40:48.660" v="1430" actId="1076"/>
-          <ac:spMkLst>
-            <pc:docMk/>
-            <pc:sldMk cId="2115679746" sldId="261"/>
-            <ac:spMk id="25" creationId="{2FA7F89F-83AB-DA3E-F6F4-3B25A852E80C}"/>
+            <ac:spMk id="27" creationId="{DB8781FD-358D-B78D-F38D-D2A238259D24}"/>
           </ac:spMkLst>
         </pc:spChg>
         <pc:spChg chg="mod">
@@ -3211,7 +3227,7 @@
           <ac:spMkLst>
             <pc:docMk/>
             <pc:sldMk cId="2115679746" sldId="261"/>
-            <ac:spMk id="26" creationId="{F025D48D-6002-4A77-2A56-7DBF47C8C59F}"/>
+            <ac:spMk id="28" creationId="{06D00264-49E3-5A2A-6765-0844822E3EFA}"/>
           </ac:spMkLst>
         </pc:spChg>
         <pc:spChg chg="mod">
@@ -3219,7 +3235,7 @@
           <ac:spMkLst>
             <pc:docMk/>
             <pc:sldMk cId="2115679746" sldId="261"/>
-            <ac:spMk id="27" creationId="{DB8781FD-358D-B78D-F38D-D2A238259D24}"/>
+            <ac:spMk id="30" creationId="{A54893A9-EBD7-BA87-28B0-8548B392EDEB}"/>
           </ac:spMkLst>
         </pc:spChg>
         <pc:spChg chg="mod">
@@ -3227,7 +3243,15 @@
           <ac:spMkLst>
             <pc:docMk/>
             <pc:sldMk cId="2115679746" sldId="261"/>
-            <ac:spMk id="28" creationId="{06D00264-49E3-5A2A-6765-0844822E3EFA}"/>
+            <ac:spMk id="32" creationId="{91C92BE8-837D-1F50-6321-BFBBEEBC7106}"/>
+          </ac:spMkLst>
+        </pc:spChg>
+        <pc:spChg chg="mod">
+          <ac:chgData name="Catrine Ullerup Frølund" userId="92c20c5a-1f4b-4872-a668-a3be51ca8b48" providerId="ADAL" clId="{70B25159-5254-46AD-93B3-4FA3BA757574}" dt="2023-01-13T10:26:46.838" v="1414" actId="165"/>
+          <ac:spMkLst>
+            <pc:docMk/>
+            <pc:sldMk cId="2115679746" sldId="261"/>
+            <ac:spMk id="33" creationId="{6895C8C7-2408-87B2-6AF4-BED03FD07DA5}"/>
           </ac:spMkLst>
         </pc:spChg>
         <pc:spChg chg="mod">
@@ -3235,15 +3259,7 @@
           <ac:spMkLst>
             <pc:docMk/>
             <pc:sldMk cId="2115679746" sldId="261"/>
-            <ac:spMk id="30" creationId="{A54893A9-EBD7-BA87-28B0-8548B392EDEB}"/>
-          </ac:spMkLst>
-        </pc:spChg>
-        <pc:spChg chg="mod">
-          <ac:chgData name="Catrine Ullerup Frølund" userId="92c20c5a-1f4b-4872-a668-a3be51ca8b48" providerId="ADAL" clId="{70B25159-5254-46AD-93B3-4FA3BA757574}" dt="2023-01-13T10:22:12.119" v="1382"/>
-          <ac:spMkLst>
-            <pc:docMk/>
-            <pc:sldMk cId="2115679746" sldId="261"/>
-            <ac:spMk id="32" creationId="{91C92BE8-837D-1F50-6321-BFBBEEBC7106}"/>
+            <ac:spMk id="38" creationId="{03606B5B-48B3-5E0B-ACA8-E5F97A17543F}"/>
           </ac:spMkLst>
         </pc:spChg>
         <pc:spChg chg="mod">
@@ -3251,15 +3267,7 @@
           <ac:spMkLst>
             <pc:docMk/>
             <pc:sldMk cId="2115679746" sldId="261"/>
-            <ac:spMk id="33" creationId="{6895C8C7-2408-87B2-6AF4-BED03FD07DA5}"/>
-          </ac:spMkLst>
-        </pc:spChg>
-        <pc:spChg chg="mod">
-          <ac:chgData name="Catrine Ullerup Frølund" userId="92c20c5a-1f4b-4872-a668-a3be51ca8b48" providerId="ADAL" clId="{70B25159-5254-46AD-93B3-4FA3BA757574}" dt="2023-01-13T10:22:12.119" v="1382"/>
-          <ac:spMkLst>
-            <pc:docMk/>
-            <pc:sldMk cId="2115679746" sldId="261"/>
-            <ac:spMk id="38" creationId="{03606B5B-48B3-5E0B-ACA8-E5F97A17543F}"/>
+            <ac:spMk id="41" creationId="{72BDF2A4-D44E-9ADD-3EB3-327FF8198D6C}"/>
           </ac:spMkLst>
         </pc:spChg>
         <pc:spChg chg="mod">
@@ -3267,14 +3275,6 @@
           <ac:spMkLst>
             <pc:docMk/>
             <pc:sldMk cId="2115679746" sldId="261"/>
-            <ac:spMk id="41" creationId="{72BDF2A4-D44E-9ADD-3EB3-327FF8198D6C}"/>
-          </ac:spMkLst>
-        </pc:spChg>
-        <pc:spChg chg="mod">
-          <ac:chgData name="Catrine Ullerup Frølund" userId="92c20c5a-1f4b-4872-a668-a3be51ca8b48" providerId="ADAL" clId="{70B25159-5254-46AD-93B3-4FA3BA757574}" dt="2023-01-13T10:26:46.838" v="1414" actId="165"/>
-          <ac:spMkLst>
-            <pc:docMk/>
-            <pc:sldMk cId="2115679746" sldId="261"/>
             <ac:spMk id="43" creationId="{3A9FEC24-2DE9-F5FB-1B02-928B65569201}"/>
           </ac:spMkLst>
         </pc:spChg>
@@ -3286,8 +3286,8 @@
             <ac:spMk id="44" creationId="{F6E82D15-DD78-6372-51C9-5FF8E7CE5DB0}"/>
           </ac:spMkLst>
         </pc:spChg>
-        <pc:spChg chg="mod">
-          <ac:chgData name="Catrine Ullerup Frølund" userId="92c20c5a-1f4b-4872-a668-a3be51ca8b48" providerId="ADAL" clId="{70B25159-5254-46AD-93B3-4FA3BA757574}" dt="2023-01-13T10:26:46.838" v="1414" actId="165"/>
+        <pc:spChg chg="del mod">
+          <ac:chgData name="Catrine Ullerup Frølund" userId="92c20c5a-1f4b-4872-a668-a3be51ca8b48" providerId="ADAL" clId="{70B25159-5254-46AD-93B3-4FA3BA757574}" dt="2023-01-13T13:04:18.736" v="1449" actId="478"/>
           <ac:spMkLst>
             <pc:docMk/>
             <pc:sldMk cId="2115679746" sldId="261"/>
@@ -3422,8 +3422,8 @@
             <ac:grpSpMk id="5" creationId="{51DAABB4-6E12-AA6D-F4C9-5A134A4A84A4}"/>
           </ac:grpSpMkLst>
         </pc:grpChg>
-        <pc:grpChg chg="add mod">
-          <ac:chgData name="Catrine Ullerup Frølund" userId="92c20c5a-1f4b-4872-a668-a3be51ca8b48" providerId="ADAL" clId="{70B25159-5254-46AD-93B3-4FA3BA757574}" dt="2023-01-13T10:22:20.224" v="1383" actId="1076"/>
+        <pc:grpChg chg="add del mod">
+          <ac:chgData name="Catrine Ullerup Frølund" userId="92c20c5a-1f4b-4872-a668-a3be51ca8b48" providerId="ADAL" clId="{70B25159-5254-46AD-93B3-4FA3BA757574}" dt="2023-01-13T13:03:35.354" v="1439" actId="478"/>
           <ac:grpSpMkLst>
             <pc:docMk/>
             <pc:sldMk cId="2115679746" sldId="261"/>
@@ -3486,8 +3486,8 @@
             <ac:grpSpMk id="40" creationId="{B2A1A38B-DB9C-5305-C28D-352A0E3A05EA}"/>
           </ac:grpSpMkLst>
         </pc:grpChg>
-        <pc:grpChg chg="mod">
-          <ac:chgData name="Catrine Ullerup Frølund" userId="92c20c5a-1f4b-4872-a668-a3be51ca8b48" providerId="ADAL" clId="{70B25159-5254-46AD-93B3-4FA3BA757574}" dt="2023-01-13T10:26:46.838" v="1414" actId="165"/>
+        <pc:grpChg chg="del mod">
+          <ac:chgData name="Catrine Ullerup Frølund" userId="92c20c5a-1f4b-4872-a668-a3be51ca8b48" providerId="ADAL" clId="{70B25159-5254-46AD-93B3-4FA3BA757574}" dt="2023-01-13T13:04:13.938" v="1448" actId="478"/>
           <ac:grpSpMkLst>
             <pc:docMk/>
             <pc:sldMk cId="2115679746" sldId="261"/>
@@ -3654,8 +3654,8 @@
             <ac:cxnSpMk id="42" creationId="{D336779B-7546-8ED1-4E70-416362887F36}"/>
           </ac:cxnSpMkLst>
         </pc:cxnChg>
-        <pc:cxnChg chg="mod">
-          <ac:chgData name="Catrine Ullerup Frølund" userId="92c20c5a-1f4b-4872-a668-a3be51ca8b48" providerId="ADAL" clId="{70B25159-5254-46AD-93B3-4FA3BA757574}" dt="2023-01-13T10:26:46.838" v="1414" actId="165"/>
+        <pc:cxnChg chg="del mod">
+          <ac:chgData name="Catrine Ullerup Frølund" userId="92c20c5a-1f4b-4872-a668-a3be51ca8b48" providerId="ADAL" clId="{70B25159-5254-46AD-93B3-4FA3BA757574}" dt="2023-01-13T13:04:13.938" v="1448" actId="478"/>
           <ac:cxnSpMkLst>
             <pc:docMk/>
             <pc:sldMk cId="2115679746" sldId="261"/>
@@ -3855,7 +3855,7 @@
           <a:p>
             <a:fld id="{257E02A9-9E65-40E1-BED6-85B62C9F1CD8}" type="datetimeFigureOut">
               <a:rPr lang="da-DK" smtClean="0"/>
-              <a:t>12-01-2023</a:t>
+              <a:t>13-01-2023</a:t>
             </a:fld>
             <a:endParaRPr lang="da-DK" dirty="0"/>
           </a:p>
@@ -4053,7 +4053,7 @@
           <a:p>
             <a:fld id="{257E02A9-9E65-40E1-BED6-85B62C9F1CD8}" type="datetimeFigureOut">
               <a:rPr lang="da-DK" smtClean="0"/>
-              <a:t>12-01-2023</a:t>
+              <a:t>13-01-2023</a:t>
             </a:fld>
             <a:endParaRPr lang="da-DK" dirty="0"/>
           </a:p>
@@ -4261,7 +4261,7 @@
           <a:p>
             <a:fld id="{257E02A9-9E65-40E1-BED6-85B62C9F1CD8}" type="datetimeFigureOut">
               <a:rPr lang="da-DK" smtClean="0"/>
-              <a:t>12-01-2023</a:t>
+              <a:t>13-01-2023</a:t>
             </a:fld>
             <a:endParaRPr lang="da-DK" dirty="0"/>
           </a:p>
@@ -4459,7 +4459,7 @@
           <a:p>
             <a:fld id="{257E02A9-9E65-40E1-BED6-85B62C9F1CD8}" type="datetimeFigureOut">
               <a:rPr lang="da-DK" smtClean="0"/>
-              <a:t>12-01-2023</a:t>
+              <a:t>13-01-2023</a:t>
             </a:fld>
             <a:endParaRPr lang="da-DK" dirty="0"/>
           </a:p>
@@ -4734,7 +4734,7 @@
           <a:p>
             <a:fld id="{257E02A9-9E65-40E1-BED6-85B62C9F1CD8}" type="datetimeFigureOut">
               <a:rPr lang="da-DK" smtClean="0"/>
-              <a:t>12-01-2023</a:t>
+              <a:t>13-01-2023</a:t>
             </a:fld>
             <a:endParaRPr lang="da-DK" dirty="0"/>
           </a:p>
@@ -4999,7 +4999,7 @@
           <a:p>
             <a:fld id="{257E02A9-9E65-40E1-BED6-85B62C9F1CD8}" type="datetimeFigureOut">
               <a:rPr lang="da-DK" smtClean="0"/>
-              <a:t>12-01-2023</a:t>
+              <a:t>13-01-2023</a:t>
             </a:fld>
             <a:endParaRPr lang="da-DK" dirty="0"/>
           </a:p>
@@ -5411,7 +5411,7 @@
           <a:p>
             <a:fld id="{257E02A9-9E65-40E1-BED6-85B62C9F1CD8}" type="datetimeFigureOut">
               <a:rPr lang="da-DK" smtClean="0"/>
-              <a:t>12-01-2023</a:t>
+              <a:t>13-01-2023</a:t>
             </a:fld>
             <a:endParaRPr lang="da-DK" dirty="0"/>
           </a:p>
@@ -5552,7 +5552,7 @@
           <a:p>
             <a:fld id="{257E02A9-9E65-40E1-BED6-85B62C9F1CD8}" type="datetimeFigureOut">
               <a:rPr lang="da-DK" smtClean="0"/>
-              <a:t>12-01-2023</a:t>
+              <a:t>13-01-2023</a:t>
             </a:fld>
             <a:endParaRPr lang="da-DK" dirty="0"/>
           </a:p>
@@ -5665,7 +5665,7 @@
           <a:p>
             <a:fld id="{257E02A9-9E65-40E1-BED6-85B62C9F1CD8}" type="datetimeFigureOut">
               <a:rPr lang="da-DK" smtClean="0"/>
-              <a:t>12-01-2023</a:t>
+              <a:t>13-01-2023</a:t>
             </a:fld>
             <a:endParaRPr lang="da-DK" dirty="0"/>
           </a:p>
@@ -5976,7 +5976,7 @@
           <a:p>
             <a:fld id="{257E02A9-9E65-40E1-BED6-85B62C9F1CD8}" type="datetimeFigureOut">
               <a:rPr lang="da-DK" smtClean="0"/>
-              <a:t>12-01-2023</a:t>
+              <a:t>13-01-2023</a:t>
             </a:fld>
             <a:endParaRPr lang="da-DK" dirty="0"/>
           </a:p>
@@ -6264,7 +6264,7 @@
           <a:p>
             <a:fld id="{257E02A9-9E65-40E1-BED6-85B62C9F1CD8}" type="datetimeFigureOut">
               <a:rPr lang="da-DK" smtClean="0"/>
-              <a:t>12-01-2023</a:t>
+              <a:t>13-01-2023</a:t>
             </a:fld>
             <a:endParaRPr lang="da-DK" dirty="0"/>
           </a:p>
@@ -6505,7 +6505,7 @@
           <a:p>
             <a:fld id="{257E02A9-9E65-40E1-BED6-85B62C9F1CD8}" type="datetimeFigureOut">
               <a:rPr lang="da-DK" smtClean="0"/>
-              <a:t>12-01-2023</a:t>
+              <a:t>13-01-2023</a:t>
             </a:fld>
             <a:endParaRPr lang="da-DK" dirty="0"/>
           </a:p>
@@ -8850,7 +8850,7 @@
           <a:p>
             <a:r>
               <a:rPr lang="da-DK" b="1" dirty="0"/>
-              <a:t>FLD1</a:t>
+              <a:t>FLD</a:t>
             </a:r>
             <a:r>
               <a:rPr lang="da-DK" dirty="0"/>
@@ -9633,8 +9633,8 @@
         </p:nvCxnSpPr>
         <p:spPr>
           <a:xfrm>
-            <a:off x="9067873" y="3936051"/>
-            <a:ext cx="0" cy="553767"/>
+            <a:off x="9067873" y="2951018"/>
+            <a:ext cx="0" cy="1538800"/>
           </a:xfrm>
           <a:prstGeom prst="line">
             <a:avLst/>
@@ -9852,156 +9852,6 @@
       </p:sp>
       <p:sp>
         <p:nvSpPr>
-          <p:cNvPr id="74" name="Tekstfelt 73">
-            <a:extLst>
-              <a:ext uri="{FF2B5EF4-FFF2-40B4-BE49-F238E27FC236}">
-                <a16:creationId xmlns:a16="http://schemas.microsoft.com/office/drawing/2014/main" id="{F1FB9FF2-7268-91AE-C18D-D288076B3C42}"/>
-              </a:ext>
-            </a:extLst>
-          </p:cNvPr>
-          <p:cNvSpPr txBox="1"/>
-          <p:nvPr/>
-        </p:nvSpPr>
-        <p:spPr>
-          <a:xfrm>
-            <a:off x="6283181" y="1072013"/>
-            <a:ext cx="772246" cy="369332"/>
-          </a:xfrm>
-          <a:prstGeom prst="rect">
-            <a:avLst/>
-          </a:prstGeom>
-          <a:noFill/>
-        </p:spPr>
-        <p:txBody>
-          <a:bodyPr wrap="square" rtlCol="0">
-            <a:spAutoFit/>
-          </a:bodyPr>
-          <a:lstStyle/>
-          <a:p>
-            <a:r>
-              <a:rPr lang="da-DK" b="1" dirty="0"/>
-              <a:t>FLD2</a:t>
-            </a:r>
-            <a:r>
-              <a:rPr lang="da-DK" dirty="0"/>
-              <a:t>: </a:t>
-            </a:r>
-          </a:p>
-        </p:txBody>
-      </p:sp>
-      <p:grpSp>
-        <p:nvGrpSpPr>
-          <p:cNvPr id="80" name="Gruppe 79">
-            <a:extLst>
-              <a:ext uri="{FF2B5EF4-FFF2-40B4-BE49-F238E27FC236}">
-                <a16:creationId xmlns:a16="http://schemas.microsoft.com/office/drawing/2014/main" id="{4F6A9002-F9BA-7068-04ED-3DF0E6BE79AE}"/>
-              </a:ext>
-            </a:extLst>
-          </p:cNvPr>
-          <p:cNvGrpSpPr/>
-          <p:nvPr/>
-        </p:nvGrpSpPr>
-        <p:grpSpPr>
-          <a:xfrm>
-            <a:off x="8849224" y="2897855"/>
-            <a:ext cx="510076" cy="954972"/>
-            <a:chOff x="4928862" y="3603588"/>
-            <a:chExt cx="510076" cy="954972"/>
-          </a:xfrm>
-        </p:grpSpPr>
-        <p:cxnSp>
-          <p:nvCxnSpPr>
-            <p:cNvPr id="81" name="Lige pilforbindelse 80">
-              <a:extLst>
-                <a:ext uri="{FF2B5EF4-FFF2-40B4-BE49-F238E27FC236}">
-                  <a16:creationId xmlns:a16="http://schemas.microsoft.com/office/drawing/2014/main" id="{24DE8FEB-8BA3-26F7-884C-C6E0B5BB2B03}"/>
-                </a:ext>
-              </a:extLst>
-            </p:cNvPr>
-            <p:cNvCxnSpPr>
-              <a:cxnSpLocks/>
-            </p:cNvCxnSpPr>
-            <p:nvPr/>
-          </p:nvCxnSpPr>
-          <p:spPr>
-            <a:xfrm flipV="1">
-              <a:off x="5127262" y="3603588"/>
-              <a:ext cx="0" cy="680605"/>
-            </a:xfrm>
-            <a:prstGeom prst="straightConnector1">
-              <a:avLst/>
-            </a:prstGeom>
-            <a:ln>
-              <a:tailEnd type="triangle"/>
-            </a:ln>
-          </p:spPr>
-          <p:style>
-            <a:lnRef idx="3">
-              <a:schemeClr val="accent1"/>
-            </a:lnRef>
-            <a:fillRef idx="0">
-              <a:schemeClr val="accent1"/>
-            </a:fillRef>
-            <a:effectRef idx="2">
-              <a:schemeClr val="accent1"/>
-            </a:effectRef>
-            <a:fontRef idx="minor">
-              <a:schemeClr val="tx1"/>
-            </a:fontRef>
-          </p:style>
-        </p:cxnSp>
-        <p:sp>
-          <p:nvSpPr>
-            <p:cNvPr id="90" name="Tekstfelt 89">
-              <a:extLst>
-                <a:ext uri="{FF2B5EF4-FFF2-40B4-BE49-F238E27FC236}">
-                  <a16:creationId xmlns:a16="http://schemas.microsoft.com/office/drawing/2014/main" id="{D2383183-C715-A0F3-B07E-1A1D26F6AFBA}"/>
-                </a:ext>
-              </a:extLst>
-            </p:cNvPr>
-            <p:cNvSpPr txBox="1"/>
-            <p:nvPr/>
-          </p:nvSpPr>
-          <p:spPr>
-            <a:xfrm>
-              <a:off x="4928862" y="4189228"/>
-              <a:ext cx="510076" cy="369332"/>
-            </a:xfrm>
-            <a:prstGeom prst="rect">
-              <a:avLst/>
-            </a:prstGeom>
-            <a:noFill/>
-          </p:spPr>
-          <p:txBody>
-            <a:bodyPr wrap="none" rtlCol="0">
-              <a:spAutoFit/>
-            </a:bodyPr>
-            <a:lstStyle/>
-            <a:p>
-              <a:r>
-                <a:rPr lang="da-DK" i="1" dirty="0">
-                  <a:latin typeface="Times New Roman" panose="02020603050405020304" pitchFamily="18" charset="0"/>
-                  <a:cs typeface="Times New Roman" panose="02020603050405020304" pitchFamily="18" charset="0"/>
-                </a:rPr>
-                <a:t>F</a:t>
-              </a:r>
-              <a:r>
-                <a:rPr lang="da-DK" i="1" baseline="-25000" dirty="0">
-                  <a:latin typeface="Times New Roman" panose="02020603050405020304" pitchFamily="18" charset="0"/>
-                  <a:cs typeface="Times New Roman" panose="02020603050405020304" pitchFamily="18" charset="0"/>
-                </a:rPr>
-                <a:t>u,y</a:t>
-              </a:r>
-              <a:endParaRPr lang="da-DK" i="1" dirty="0">
-                <a:latin typeface="Times New Roman" panose="02020603050405020304" pitchFamily="18" charset="0"/>
-                <a:cs typeface="Times New Roman" panose="02020603050405020304" pitchFamily="18" charset="0"/>
-              </a:endParaRPr>
-            </a:p>
-          </p:txBody>
-        </p:sp>
-      </p:grpSp>
-      <p:sp>
-        <p:nvSpPr>
           <p:cNvPr id="92" name="Tekstfelt 91">
             <a:extLst>
               <a:ext uri="{FF2B5EF4-FFF2-40B4-BE49-F238E27FC236}">
@@ -10388,117 +10238,6 @@
           </a:fontRef>
         </p:style>
       </p:cxnSp>
-      <p:grpSp>
-        <p:nvGrpSpPr>
-          <p:cNvPr id="91" name="Gruppe 90">
-            <a:extLst>
-              <a:ext uri="{FF2B5EF4-FFF2-40B4-BE49-F238E27FC236}">
-                <a16:creationId xmlns:a16="http://schemas.microsoft.com/office/drawing/2014/main" id="{42C7CDC3-F51E-A538-ADD8-F623F8BC0C84}"/>
-              </a:ext>
-            </a:extLst>
-          </p:cNvPr>
-          <p:cNvGrpSpPr/>
-          <p:nvPr/>
-        </p:nvGrpSpPr>
-        <p:grpSpPr>
-          <a:xfrm>
-            <a:off x="557630" y="1480277"/>
-            <a:ext cx="402674" cy="1157947"/>
-            <a:chOff x="1548246" y="1871003"/>
-            <a:chExt cx="402674" cy="1157947"/>
-          </a:xfrm>
-        </p:grpSpPr>
-        <p:cxnSp>
-          <p:nvCxnSpPr>
-            <p:cNvPr id="116" name="Lige pilforbindelse 115">
-              <a:extLst>
-                <a:ext uri="{FF2B5EF4-FFF2-40B4-BE49-F238E27FC236}">
-                  <a16:creationId xmlns:a16="http://schemas.microsoft.com/office/drawing/2014/main" id="{B1B0D794-0A70-E039-4D4E-20308115907F}"/>
-                </a:ext>
-              </a:extLst>
-            </p:cNvPr>
-            <p:cNvCxnSpPr>
-              <a:cxnSpLocks/>
-            </p:cNvCxnSpPr>
-            <p:nvPr/>
-          </p:nvCxnSpPr>
-          <p:spPr>
-            <a:xfrm flipV="1">
-              <a:off x="1691157" y="2348345"/>
-              <a:ext cx="0" cy="680605"/>
-            </a:xfrm>
-            <a:prstGeom prst="straightConnector1">
-              <a:avLst/>
-            </a:prstGeom>
-            <a:ln>
-              <a:tailEnd type="triangle"/>
-            </a:ln>
-          </p:spPr>
-          <p:style>
-            <a:lnRef idx="3">
-              <a:schemeClr val="accent1"/>
-            </a:lnRef>
-            <a:fillRef idx="0">
-              <a:schemeClr val="accent1"/>
-            </a:fillRef>
-            <a:effectRef idx="2">
-              <a:schemeClr val="accent1"/>
-            </a:effectRef>
-            <a:fontRef idx="minor">
-              <a:schemeClr val="tx1"/>
-            </a:fontRef>
-          </p:style>
-        </p:cxnSp>
-        <p:sp>
-          <p:nvSpPr>
-            <p:cNvPr id="117" name="Tekstfelt 116">
-              <a:extLst>
-                <a:ext uri="{FF2B5EF4-FFF2-40B4-BE49-F238E27FC236}">
-                  <a16:creationId xmlns:a16="http://schemas.microsoft.com/office/drawing/2014/main" id="{48A7D737-ABA6-0998-412F-B7A73430C770}"/>
-                </a:ext>
-              </a:extLst>
-            </p:cNvPr>
-            <p:cNvSpPr txBox="1"/>
-            <p:nvPr/>
-          </p:nvSpPr>
-          <p:spPr>
-            <a:xfrm>
-              <a:off x="1548246" y="1871003"/>
-              <a:ext cx="402674" cy="369332"/>
-            </a:xfrm>
-            <a:prstGeom prst="rect">
-              <a:avLst/>
-            </a:prstGeom>
-            <a:noFill/>
-          </p:spPr>
-          <p:txBody>
-            <a:bodyPr wrap="none" rtlCol="0">
-              <a:spAutoFit/>
-            </a:bodyPr>
-            <a:lstStyle/>
-            <a:p>
-              <a:r>
-                <a:rPr lang="da-DK" i="1" dirty="0">
-                  <a:latin typeface="Times New Roman" panose="02020603050405020304" pitchFamily="18" charset="0"/>
-                  <a:cs typeface="Times New Roman" panose="02020603050405020304" pitchFamily="18" charset="0"/>
-                </a:rPr>
-                <a:t>F</a:t>
-              </a:r>
-              <a:r>
-                <a:rPr lang="da-DK" i="1" baseline="-25000" dirty="0">
-                  <a:latin typeface="Times New Roman" panose="02020603050405020304" pitchFamily="18" charset="0"/>
-                  <a:cs typeface="Times New Roman" panose="02020603050405020304" pitchFamily="18" charset="0"/>
-                </a:rPr>
-                <a:t>p</a:t>
-              </a:r>
-              <a:endParaRPr lang="da-DK" i="1" dirty="0">
-                <a:latin typeface="Times New Roman" panose="02020603050405020304" pitchFamily="18" charset="0"/>
-                <a:cs typeface="Times New Roman" panose="02020603050405020304" pitchFamily="18" charset="0"/>
-              </a:endParaRPr>
-            </a:p>
-          </p:txBody>
-        </p:sp>
-      </p:grpSp>
       <p:cxnSp>
         <p:nvCxnSpPr>
           <p:cNvPr id="95" name="Lige forbindelse 94">
@@ -10654,8 +10393,8 @@
         </p:nvSpPr>
         <p:spPr>
           <a:xfrm>
-            <a:off x="4186360" y="3566719"/>
-            <a:ext cx="1341649" cy="369332"/>
+            <a:off x="4315031" y="3576758"/>
+            <a:ext cx="872162" cy="369332"/>
           </a:xfrm>
           <a:prstGeom prst="rect">
             <a:avLst/>
@@ -10695,20 +10434,6 @@
                 <a:cs typeface="Times New Roman" panose="02020603050405020304" pitchFamily="18" charset="0"/>
               </a:rPr>
               <a:t>v,T</a:t>
-            </a:r>
-            <a:r>
-              <a:rPr lang="da-DK" i="1" dirty="0">
-                <a:latin typeface="Times New Roman" panose="02020603050405020304" pitchFamily="18" charset="0"/>
-                <a:cs typeface="Times New Roman" panose="02020603050405020304" pitchFamily="18" charset="0"/>
-              </a:rPr>
-              <a:t>+F</a:t>
-            </a:r>
-            <a:r>
-              <a:rPr lang="da-DK" i="1" baseline="-25000" dirty="0">
-                <a:latin typeface="Times New Roman" panose="02020603050405020304" pitchFamily="18" charset="0"/>
-                <a:cs typeface="Times New Roman" panose="02020603050405020304" pitchFamily="18" charset="0"/>
-              </a:rPr>
-              <a:t>v,p</a:t>
             </a:r>
             <a:endParaRPr lang="da-DK" i="1" dirty="0">
               <a:latin typeface="Times New Roman" panose="02020603050405020304" pitchFamily="18" charset="0"/>
@@ -10992,45 +10717,6 @@
           <a:p>
             <a:pPr algn="ctr"/>
             <a:endParaRPr lang="da-DK" dirty="0"/>
-          </a:p>
-        </p:txBody>
-      </p:sp>
-      <p:sp>
-        <p:nvSpPr>
-          <p:cNvPr id="104" name="Tekstfelt 103">
-            <a:extLst>
-              <a:ext uri="{FF2B5EF4-FFF2-40B4-BE49-F238E27FC236}">
-                <a16:creationId xmlns:a16="http://schemas.microsoft.com/office/drawing/2014/main" id="{25E64D9C-F79F-9C5E-1A28-C9B1E37B4B84}"/>
-              </a:ext>
-            </a:extLst>
-          </p:cNvPr>
-          <p:cNvSpPr txBox="1"/>
-          <p:nvPr/>
-        </p:nvSpPr>
-        <p:spPr>
-          <a:xfrm>
-            <a:off x="557630" y="1072013"/>
-            <a:ext cx="824579" cy="369332"/>
-          </a:xfrm>
-          <a:prstGeom prst="rect">
-            <a:avLst/>
-          </a:prstGeom>
-          <a:noFill/>
-        </p:spPr>
-        <p:txBody>
-          <a:bodyPr wrap="square" rtlCol="0">
-            <a:spAutoFit/>
-          </a:bodyPr>
-          <a:lstStyle/>
-          <a:p>
-            <a:r>
-              <a:rPr lang="da-DK" b="1" dirty="0"/>
-              <a:t>FLD1</a:t>
-            </a:r>
-            <a:r>
-              <a:rPr lang="da-DK" dirty="0"/>
-              <a:t>: </a:t>
-            </a:r>
           </a:p>
         </p:txBody>
       </p:sp>
@@ -13335,11 +13021,11 @@
           <a:p>
             <a:r>
               <a:rPr lang="da-DK" b="1" dirty="0"/>
-              <a:t>FLD1</a:t>
+              <a:t>FLD</a:t>
             </a:r>
             <a:r>
               <a:rPr lang="da-DK" dirty="0"/>
-              <a:t>: </a:t>
+              <a:t>:</a:t>
             </a:r>
           </a:p>
         </p:txBody>
@@ -13645,10 +13331,10 @@
         </p:nvGrpSpPr>
         <p:grpSpPr>
           <a:xfrm>
-            <a:off x="6841724" y="1580930"/>
-            <a:ext cx="4310105" cy="3574879"/>
-            <a:chOff x="6841724" y="1580930"/>
-            <a:chExt cx="4310105" cy="3574879"/>
+            <a:off x="6841724" y="2275974"/>
+            <a:ext cx="4310105" cy="2879835"/>
+            <a:chOff x="6841724" y="2275974"/>
+            <a:chExt cx="4310105" cy="2879835"/>
           </a:xfrm>
         </p:grpSpPr>
         <p:sp>
@@ -13830,117 +13516,6 @@
             </a:fontRef>
           </p:style>
         </p:cxnSp>
-        <p:grpSp>
-          <p:nvGrpSpPr>
-            <p:cNvPr id="45" name="Gruppe 44">
-              <a:extLst>
-                <a:ext uri="{FF2B5EF4-FFF2-40B4-BE49-F238E27FC236}">
-                  <a16:creationId xmlns:a16="http://schemas.microsoft.com/office/drawing/2014/main" id="{D1F379C7-8720-6720-3AB4-0DE5FECA908E}"/>
-                </a:ext>
-              </a:extLst>
-            </p:cNvPr>
-            <p:cNvGrpSpPr/>
-            <p:nvPr/>
-          </p:nvGrpSpPr>
-          <p:grpSpPr>
-            <a:xfrm>
-              <a:off x="7026295" y="2937014"/>
-              <a:ext cx="510076" cy="954972"/>
-              <a:chOff x="4928862" y="3603588"/>
-              <a:chExt cx="510076" cy="954972"/>
-            </a:xfrm>
-          </p:grpSpPr>
-          <p:cxnSp>
-            <p:nvCxnSpPr>
-              <p:cNvPr id="46" name="Lige pilforbindelse 45">
-                <a:extLst>
-                  <a:ext uri="{FF2B5EF4-FFF2-40B4-BE49-F238E27FC236}">
-                    <a16:creationId xmlns:a16="http://schemas.microsoft.com/office/drawing/2014/main" id="{49C24482-40E3-EC80-FA85-87A4D21D1B7F}"/>
-                  </a:ext>
-                </a:extLst>
-              </p:cNvPr>
-              <p:cNvCxnSpPr>
-                <a:cxnSpLocks/>
-              </p:cNvCxnSpPr>
-              <p:nvPr/>
-            </p:nvCxnSpPr>
-            <p:spPr>
-              <a:xfrm flipV="1">
-                <a:off x="5127262" y="3603588"/>
-                <a:ext cx="0" cy="680605"/>
-              </a:xfrm>
-              <a:prstGeom prst="straightConnector1">
-                <a:avLst/>
-              </a:prstGeom>
-              <a:ln>
-                <a:tailEnd type="triangle"/>
-              </a:ln>
-            </p:spPr>
-            <p:style>
-              <a:lnRef idx="3">
-                <a:schemeClr val="accent1"/>
-              </a:lnRef>
-              <a:fillRef idx="0">
-                <a:schemeClr val="accent1"/>
-              </a:fillRef>
-              <a:effectRef idx="2">
-                <a:schemeClr val="accent1"/>
-              </a:effectRef>
-              <a:fontRef idx="minor">
-                <a:schemeClr val="tx1"/>
-              </a:fontRef>
-            </p:style>
-          </p:cxnSp>
-          <p:sp>
-            <p:nvSpPr>
-              <p:cNvPr id="47" name="Tekstfelt 46">
-                <a:extLst>
-                  <a:ext uri="{FF2B5EF4-FFF2-40B4-BE49-F238E27FC236}">
-                    <a16:creationId xmlns:a16="http://schemas.microsoft.com/office/drawing/2014/main" id="{922C3D93-7E05-A5D2-98A1-ABBE408E78AF}"/>
-                  </a:ext>
-                </a:extLst>
-              </p:cNvPr>
-              <p:cNvSpPr txBox="1"/>
-              <p:nvPr/>
-            </p:nvSpPr>
-            <p:spPr>
-              <a:xfrm>
-                <a:off x="4928862" y="4189228"/>
-                <a:ext cx="510076" cy="369332"/>
-              </a:xfrm>
-              <a:prstGeom prst="rect">
-                <a:avLst/>
-              </a:prstGeom>
-              <a:noFill/>
-            </p:spPr>
-            <p:txBody>
-              <a:bodyPr wrap="none" rtlCol="0">
-                <a:spAutoFit/>
-              </a:bodyPr>
-              <a:lstStyle/>
-              <a:p>
-                <a:r>
-                  <a:rPr lang="da-DK" i="1" dirty="0">
-                    <a:latin typeface="Times New Roman" panose="02020603050405020304" pitchFamily="18" charset="0"/>
-                    <a:cs typeface="Times New Roman" panose="02020603050405020304" pitchFamily="18" charset="0"/>
-                  </a:rPr>
-                  <a:t>F</a:t>
-                </a:r>
-                <a:r>
-                  <a:rPr lang="da-DK" i="1" baseline="-25000" dirty="0">
-                    <a:latin typeface="Times New Roman" panose="02020603050405020304" pitchFamily="18" charset="0"/>
-                    <a:cs typeface="Times New Roman" panose="02020603050405020304" pitchFamily="18" charset="0"/>
-                  </a:rPr>
-                  <a:t>u,y</a:t>
-                </a:r>
-                <a:endParaRPr lang="da-DK" i="1" dirty="0">
-                  <a:latin typeface="Times New Roman" panose="02020603050405020304" pitchFamily="18" charset="0"/>
-                  <a:cs typeface="Times New Roman" panose="02020603050405020304" pitchFamily="18" charset="0"/>
-                </a:endParaRPr>
-              </a:p>
-            </p:txBody>
-          </p:sp>
-        </p:grpSp>
         <p:sp>
           <p:nvSpPr>
             <p:cNvPr id="48" name="Tekstfelt 47">
@@ -14207,45 +13782,6 @@
         </p:sp>
         <p:sp>
           <p:nvSpPr>
-            <p:cNvPr id="4" name="Tekstfelt 3">
-              <a:extLst>
-                <a:ext uri="{FF2B5EF4-FFF2-40B4-BE49-F238E27FC236}">
-                  <a16:creationId xmlns:a16="http://schemas.microsoft.com/office/drawing/2014/main" id="{3912819E-08D4-F7B0-02C3-45B13FAFE0D5}"/>
-                </a:ext>
-              </a:extLst>
-            </p:cNvPr>
-            <p:cNvSpPr txBox="1"/>
-            <p:nvPr/>
-          </p:nvSpPr>
-          <p:spPr>
-            <a:xfrm>
-              <a:off x="6898171" y="1580930"/>
-              <a:ext cx="1024428" cy="369332"/>
-            </a:xfrm>
-            <a:prstGeom prst="rect">
-              <a:avLst/>
-            </a:prstGeom>
-            <a:noFill/>
-          </p:spPr>
-          <p:txBody>
-            <a:bodyPr wrap="square" rtlCol="0">
-              <a:spAutoFit/>
-            </a:bodyPr>
-            <a:lstStyle/>
-            <a:p>
-              <a:r>
-                <a:rPr lang="da-DK" b="1" dirty="0"/>
-                <a:t>FLD 2</a:t>
-              </a:r>
-              <a:r>
-                <a:rPr lang="da-DK" dirty="0"/>
-                <a:t>: </a:t>
-              </a:r>
-            </a:p>
-          </p:txBody>
-        </p:sp>
-        <p:sp>
-          <p:nvSpPr>
             <p:cNvPr id="41" name="Ellipse 40">
               <a:extLst>
                 <a:ext uri="{FF2B5EF4-FFF2-40B4-BE49-F238E27FC236}">
@@ -14389,10 +13925,10 @@
         </p:nvGrpSpPr>
         <p:grpSpPr>
           <a:xfrm>
-            <a:off x="748900" y="1517397"/>
-            <a:ext cx="4888789" cy="3638412"/>
-            <a:chOff x="6263040" y="1517397"/>
-            <a:chExt cx="4888789" cy="3638412"/>
+            <a:off x="748900" y="2503980"/>
+            <a:ext cx="4888789" cy="2651829"/>
+            <a:chOff x="6263040" y="2503980"/>
+            <a:chExt cx="4888789" cy="2651829"/>
           </a:xfrm>
         </p:grpSpPr>
         <p:grpSp>
@@ -14520,10 +14056,10 @@
           </p:nvGrpSpPr>
           <p:grpSpPr>
             <a:xfrm>
-              <a:off x="6665988" y="1517397"/>
-              <a:ext cx="4485841" cy="3638412"/>
-              <a:chOff x="6665988" y="1517397"/>
-              <a:chExt cx="4485841" cy="3638412"/>
+              <a:off x="6841724" y="2503980"/>
+              <a:ext cx="4310105" cy="2651829"/>
+              <a:chOff x="6841724" y="2503980"/>
+              <a:chExt cx="4310105" cy="2651829"/>
             </a:xfrm>
           </p:grpSpPr>
           <p:sp>
@@ -14872,20 +14408,6 @@
                   </a:rPr>
                   <a:t>v,T</a:t>
                 </a:r>
-                <a:r>
-                  <a:rPr lang="da-DK" i="1" dirty="0">
-                    <a:latin typeface="Times New Roman" panose="02020603050405020304" pitchFamily="18" charset="0"/>
-                    <a:cs typeface="Times New Roman" panose="02020603050405020304" pitchFamily="18" charset="0"/>
-                  </a:rPr>
-                  <a:t>+F</a:t>
-                </a:r>
-                <a:r>
-                  <a:rPr lang="da-DK" i="1" baseline="-25000" dirty="0">
-                    <a:latin typeface="Times New Roman" panose="02020603050405020304" pitchFamily="18" charset="0"/>
-                    <a:cs typeface="Times New Roman" panose="02020603050405020304" pitchFamily="18" charset="0"/>
-                  </a:rPr>
-                  <a:t>v,p</a:t>
-                </a:r>
                 <a:endParaRPr lang="da-DK" i="1" dirty="0">
                   <a:latin typeface="Times New Roman" panose="02020603050405020304" pitchFamily="18" charset="0"/>
                   <a:cs typeface="Times New Roman" panose="02020603050405020304" pitchFamily="18" charset="0"/>
@@ -15151,106 +14673,6 @@
               </a:p>
             </p:txBody>
           </p:sp>
-          <p:sp>
-            <p:nvSpPr>
-              <p:cNvPr id="21" name="Bue 20">
-                <a:extLst>
-                  <a:ext uri="{FF2B5EF4-FFF2-40B4-BE49-F238E27FC236}">
-                    <a16:creationId xmlns:a16="http://schemas.microsoft.com/office/drawing/2014/main" id="{AD86200E-BB3A-AE98-372E-4232597AADE1}"/>
-                  </a:ext>
-                </a:extLst>
-              </p:cNvPr>
-              <p:cNvSpPr/>
-              <p:nvPr/>
-            </p:nvSpPr>
-            <p:spPr>
-              <a:xfrm rot="2720817" flipH="1">
-                <a:off x="7100195" y="2309175"/>
-                <a:ext cx="325996" cy="343956"/>
-              </a:xfrm>
-              <a:prstGeom prst="arc">
-                <a:avLst>
-                  <a:gd name="adj1" fmla="val 16200000"/>
-                  <a:gd name="adj2" fmla="val 10308900"/>
-                </a:avLst>
-              </a:prstGeom>
-              <a:ln>
-                <a:headEnd type="triangle" w="med" len="med"/>
-                <a:tailEnd type="none" w="med" len="med"/>
-              </a:ln>
-            </p:spPr>
-            <p:style>
-              <a:lnRef idx="3">
-                <a:schemeClr val="accent1"/>
-              </a:lnRef>
-              <a:fillRef idx="0">
-                <a:schemeClr val="accent1"/>
-              </a:fillRef>
-              <a:effectRef idx="2">
-                <a:schemeClr val="accent1"/>
-              </a:effectRef>
-              <a:fontRef idx="minor">
-                <a:schemeClr val="tx1"/>
-              </a:fontRef>
-            </p:style>
-            <p:txBody>
-              <a:bodyPr rtlCol="0" anchor="ctr"/>
-              <a:lstStyle/>
-              <a:p>
-                <a:pPr algn="ctr"/>
-                <a:endParaRPr lang="da-DK" dirty="0"/>
-              </a:p>
-            </p:txBody>
-          </p:sp>
-          <p:sp>
-            <p:nvSpPr>
-              <p:cNvPr id="22" name="Tekstfelt 21">
-                <a:extLst>
-                  <a:ext uri="{FF2B5EF4-FFF2-40B4-BE49-F238E27FC236}">
-                    <a16:creationId xmlns:a16="http://schemas.microsoft.com/office/drawing/2014/main" id="{5E9219B4-4222-CA95-74AD-75F2E7B168F6}"/>
-                  </a:ext>
-                </a:extLst>
-              </p:cNvPr>
-              <p:cNvSpPr txBox="1"/>
-              <p:nvPr/>
-            </p:nvSpPr>
-            <p:spPr>
-              <a:xfrm>
-                <a:off x="7112843" y="2275974"/>
-                <a:ext cx="809756" cy="369332"/>
-              </a:xfrm>
-              <a:prstGeom prst="rect">
-                <a:avLst/>
-              </a:prstGeom>
-              <a:noFill/>
-            </p:spPr>
-            <p:txBody>
-              <a:bodyPr wrap="square" rtlCol="0">
-                <a:spAutoFit/>
-              </a:bodyPr>
-              <a:lstStyle/>
-              <a:p>
-                <a:r>
-                  <a:rPr lang="da-DK" i="1" dirty="0">
-                    <a:latin typeface="Times New Roman" panose="02020603050405020304" pitchFamily="18" charset="0"/>
-                    <a:cs typeface="Times New Roman" panose="02020603050405020304" pitchFamily="18" charset="0"/>
-                  </a:rPr>
-                  <a:t>M</a:t>
-                </a:r>
-                <a:r>
-                  <a:rPr lang="da-DK" i="1" baseline="-25000" dirty="0">
-                    <a:latin typeface="Times New Roman" panose="02020603050405020304" pitchFamily="18" charset="0"/>
-                    <a:cs typeface="Times New Roman" panose="02020603050405020304" pitchFamily="18" charset="0"/>
-                  </a:rPr>
-                  <a:t>motor</a:t>
-                </a:r>
-                <a:endParaRPr lang="da-DK" i="1" dirty="0">
-                  <a:latin typeface="Times New Roman" panose="02020603050405020304" pitchFamily="18" charset="0"/>
-                  <a:cs typeface="Times New Roman" panose="02020603050405020304" pitchFamily="18" charset="0"/>
-                </a:endParaRPr>
-              </a:p>
-            </p:txBody>
-          </p:sp>
           <p:grpSp>
             <p:nvGrpSpPr>
               <p:cNvPr id="23" name="Gruppe 22">
@@ -15399,45 +14821,6 @@
               </a:fontRef>
             </p:style>
           </p:cxnSp>
-          <p:sp>
-            <p:nvSpPr>
-              <p:cNvPr id="25" name="Tekstfelt 24">
-                <a:extLst>
-                  <a:ext uri="{FF2B5EF4-FFF2-40B4-BE49-F238E27FC236}">
-                    <a16:creationId xmlns:a16="http://schemas.microsoft.com/office/drawing/2014/main" id="{2FA7F89F-83AB-DA3E-F6F4-3B25A852E80C}"/>
-                  </a:ext>
-                </a:extLst>
-              </p:cNvPr>
-              <p:cNvSpPr txBox="1"/>
-              <p:nvPr/>
-            </p:nvSpPr>
-            <p:spPr>
-              <a:xfrm>
-                <a:off x="6665988" y="1517397"/>
-                <a:ext cx="1024428" cy="369332"/>
-              </a:xfrm>
-              <a:prstGeom prst="rect">
-                <a:avLst/>
-              </a:prstGeom>
-              <a:noFill/>
-            </p:spPr>
-            <p:txBody>
-              <a:bodyPr wrap="square" rtlCol="0">
-                <a:spAutoFit/>
-              </a:bodyPr>
-              <a:lstStyle/>
-              <a:p>
-                <a:r>
-                  <a:rPr lang="da-DK" b="1" dirty="0"/>
-                  <a:t>FLD1</a:t>
-                </a:r>
-                <a:r>
-                  <a:rPr lang="da-DK" dirty="0"/>
-                  <a:t>: </a:t>
-                </a:r>
-              </a:p>
-            </p:txBody>
-          </p:sp>
           <p:sp>
             <p:nvSpPr>
               <p:cNvPr id="26" name="Ellipse 25">
